--- a/Slides/Lecture01 - Test Driven CSharp.pptx
+++ b/Slides/Lecture01 - Test Driven CSharp.pptx
@@ -5,40 +5,41 @@
     <p:sldMasterId id="2147484082" r:id="rId4"/>
   </p:sldMasterIdLst>
   <p:notesMasterIdLst>
-    <p:notesMasterId r:id="rId33"/>
+    <p:notesMasterId r:id="rId34"/>
   </p:notesMasterIdLst>
   <p:handoutMasterIdLst>
-    <p:handoutMasterId r:id="rId34"/>
+    <p:handoutMasterId r:id="rId35"/>
   </p:handoutMasterIdLst>
   <p:sldIdLst>
     <p:sldId id="880" r:id="rId5"/>
     <p:sldId id="1117" r:id="rId6"/>
     <p:sldId id="1074" r:id="rId7"/>
-    <p:sldId id="1123" r:id="rId8"/>
-    <p:sldId id="1124" r:id="rId9"/>
-    <p:sldId id="1126" r:id="rId10"/>
-    <p:sldId id="1125" r:id="rId11"/>
-    <p:sldId id="1121" r:id="rId12"/>
-    <p:sldId id="1115" r:id="rId13"/>
-    <p:sldId id="1118" r:id="rId14"/>
-    <p:sldId id="1079" r:id="rId15"/>
-    <p:sldId id="1083" r:id="rId16"/>
-    <p:sldId id="1114" r:id="rId17"/>
-    <p:sldId id="1120" r:id="rId18"/>
-    <p:sldId id="1092" r:id="rId19"/>
-    <p:sldId id="1093" r:id="rId20"/>
-    <p:sldId id="1094" r:id="rId21"/>
-    <p:sldId id="1095" r:id="rId22"/>
-    <p:sldId id="1096" r:id="rId23"/>
-    <p:sldId id="1098" r:id="rId24"/>
-    <p:sldId id="1104" r:id="rId25"/>
-    <p:sldId id="1105" r:id="rId26"/>
-    <p:sldId id="1106" r:id="rId27"/>
-    <p:sldId id="1108" r:id="rId28"/>
-    <p:sldId id="1111" r:id="rId29"/>
-    <p:sldId id="1112" r:id="rId30"/>
-    <p:sldId id="1113" r:id="rId31"/>
-    <p:sldId id="1089" r:id="rId32"/>
+    <p:sldId id="1127" r:id="rId8"/>
+    <p:sldId id="1123" r:id="rId9"/>
+    <p:sldId id="1124" r:id="rId10"/>
+    <p:sldId id="1126" r:id="rId11"/>
+    <p:sldId id="1125" r:id="rId12"/>
+    <p:sldId id="1121" r:id="rId13"/>
+    <p:sldId id="1115" r:id="rId14"/>
+    <p:sldId id="1118" r:id="rId15"/>
+    <p:sldId id="1079" r:id="rId16"/>
+    <p:sldId id="1083" r:id="rId17"/>
+    <p:sldId id="1114" r:id="rId18"/>
+    <p:sldId id="1120" r:id="rId19"/>
+    <p:sldId id="1092" r:id="rId20"/>
+    <p:sldId id="1093" r:id="rId21"/>
+    <p:sldId id="1094" r:id="rId22"/>
+    <p:sldId id="1095" r:id="rId23"/>
+    <p:sldId id="1096" r:id="rId24"/>
+    <p:sldId id="1098" r:id="rId25"/>
+    <p:sldId id="1104" r:id="rId26"/>
+    <p:sldId id="1105" r:id="rId27"/>
+    <p:sldId id="1106" r:id="rId28"/>
+    <p:sldId id="1108" r:id="rId29"/>
+    <p:sldId id="1111" r:id="rId30"/>
+    <p:sldId id="1112" r:id="rId31"/>
+    <p:sldId id="1113" r:id="rId32"/>
+    <p:sldId id="1089" r:id="rId33"/>
   </p:sldIdLst>
   <p:sldSz cx="9326563" cy="6994525"/>
   <p:notesSz cx="6858000" cy="9144000"/>
@@ -145,6 +146,7 @@
             <p14:sldId id="880"/>
             <p14:sldId id="1117"/>
             <p14:sldId id="1074"/>
+            <p14:sldId id="1127"/>
             <p14:sldId id="1123"/>
             <p14:sldId id="1124"/>
             <p14:sldId id="1126"/>
@@ -4708,6 +4710,252 @@
     <p:bg>
       <p:bgPr>
         <a:solidFill>
+          <a:srgbClr val="442359"/>
+        </a:solidFill>
+        <a:effectLst/>
+      </p:bgPr>
+    </p:bg>
+    <p:spTree>
+      <p:nvGrpSpPr>
+        <p:cNvPr id="1" name=""/>
+        <p:cNvGrpSpPr/>
+        <p:nvPr/>
+      </p:nvGrpSpPr>
+      <p:grpSpPr>
+        <a:xfrm>
+          <a:off x="0" y="0"/>
+          <a:ext cx="0" cy="0"/>
+          <a:chOff x="0" y="0"/>
+          <a:chExt cx="0" cy="0"/>
+        </a:xfrm>
+      </p:grpSpPr>
+      <p:sp>
+        <p:nvSpPr>
+          <p:cNvPr id="2" name="Title 1"/>
+          <p:cNvSpPr txBox="1">
+            <a:spLocks/>
+          </p:cNvSpPr>
+          <p:nvPr/>
+        </p:nvSpPr>
+        <p:spPr>
+          <a:xfrm>
+            <a:off x="274209" y="479775"/>
+            <a:ext cx="8778240" cy="1354146"/>
+          </a:xfrm>
+          <a:prstGeom prst="rect">
+            <a:avLst/>
+          </a:prstGeom>
+        </p:spPr>
+        <p:txBody>
+          <a:bodyPr/>
+          <a:lstStyle>
+            <a:lvl1pPr algn="l" defTabSz="932742" rtl="0" eaLnBrk="1" latinLnBrk="0" hangingPunct="1">
+              <a:lnSpc>
+                <a:spcPct val="90000"/>
+              </a:lnSpc>
+              <a:spcBef>
+                <a:spcPct val="0"/>
+              </a:spcBef>
+              <a:buNone/>
+              <a:defRPr lang="en-US" sz="4800" b="0" kern="1200" cap="none" spc="-102" baseline="0" dirty="0" smtClean="0">
+                <a:ln w="3175">
+                  <a:noFill/>
+                </a:ln>
+                <a:gradFill>
+                  <a:gsLst>
+                    <a:gs pos="1250">
+                      <a:schemeClr val="tx1"/>
+                    </a:gs>
+                    <a:gs pos="100000">
+                      <a:schemeClr val="tx1"/>
+                    </a:gs>
+                  </a:gsLst>
+                  <a:lin ang="5400000" scaled="0"/>
+                </a:gradFill>
+                <a:effectLst/>
+                <a:latin typeface="+mj-lt"/>
+                <a:ea typeface="+mn-ea"/>
+                <a:cs typeface="Segoe UI" pitchFamily="34" charset="0"/>
+              </a:defRPr>
+            </a:lvl1pPr>
+          </a:lstStyle>
+          <a:p>
+            <a:r>
+              <a:rPr lang="da-DK" sz="7200" dirty="0"/>
+              <a:t>Test-Driven Development</a:t>
+            </a:r>
+          </a:p>
+        </p:txBody>
+      </p:sp>
+      <p:sp>
+        <p:nvSpPr>
+          <p:cNvPr id="3" name="Title 1"/>
+          <p:cNvSpPr txBox="1">
+            <a:spLocks/>
+          </p:cNvSpPr>
+          <p:nvPr/>
+        </p:nvSpPr>
+        <p:spPr>
+          <a:xfrm>
+            <a:off x="1188599" y="3222945"/>
+            <a:ext cx="2926048" cy="1313745"/>
+          </a:xfrm>
+          <a:prstGeom prst="rect">
+            <a:avLst/>
+          </a:prstGeom>
+          <a:solidFill>
+            <a:srgbClr val="BA141A"/>
+          </a:solidFill>
+        </p:spPr>
+        <p:txBody>
+          <a:bodyPr wrap="square" lIns="183600" tIns="147600" rIns="183600" bIns="147600">
+            <a:spAutoFit/>
+          </a:bodyPr>
+          <a:lstStyle>
+            <a:defPPr>
+              <a:defRPr lang="en-US"/>
+            </a:defPPr>
+            <a:lvl1pPr>
+              <a:defRPr>
+                <a:latin typeface="Consolas" panose="020B0609020204030204" pitchFamily="49" charset="0"/>
+                <a:cs typeface="Consolas" panose="020B0609020204030204" pitchFamily="49" charset="0"/>
+              </a:defRPr>
+            </a:lvl1pPr>
+          </a:lstStyle>
+          <a:p>
+            <a:r>
+              <a:rPr lang="da-DK" sz="6600" dirty="0" err="1">
+                <a:latin typeface="+mj-lt"/>
+              </a:rPr>
+              <a:t>What</a:t>
+            </a:r>
+            <a:r>
+              <a:rPr lang="da-DK" sz="6600" dirty="0">
+                <a:latin typeface="+mj-lt"/>
+              </a:rPr>
+              <a:t>?</a:t>
+            </a:r>
+          </a:p>
+        </p:txBody>
+      </p:sp>
+      <p:sp>
+        <p:nvSpPr>
+          <p:cNvPr id="4" name="Title 1"/>
+          <p:cNvSpPr txBox="1">
+            <a:spLocks/>
+          </p:cNvSpPr>
+          <p:nvPr/>
+        </p:nvSpPr>
+        <p:spPr>
+          <a:xfrm>
+            <a:off x="5120476" y="3680140"/>
+            <a:ext cx="2926048" cy="1313745"/>
+          </a:xfrm>
+          <a:prstGeom prst="rect">
+            <a:avLst/>
+          </a:prstGeom>
+          <a:solidFill>
+            <a:srgbClr val="0072C6"/>
+          </a:solidFill>
+        </p:spPr>
+        <p:txBody>
+          <a:bodyPr wrap="square" lIns="183600" tIns="147600" rIns="183600" bIns="147600">
+            <a:spAutoFit/>
+          </a:bodyPr>
+          <a:lstStyle>
+            <a:defPPr>
+              <a:defRPr lang="en-US"/>
+            </a:defPPr>
+            <a:lvl1pPr>
+              <a:defRPr>
+                <a:latin typeface="Consolas" panose="020B0609020204030204" pitchFamily="49" charset="0"/>
+                <a:cs typeface="Consolas" panose="020B0609020204030204" pitchFamily="49" charset="0"/>
+              </a:defRPr>
+            </a:lvl1pPr>
+          </a:lstStyle>
+          <a:p>
+            <a:r>
+              <a:rPr lang="da-DK" sz="6600" dirty="0" err="1">
+                <a:latin typeface="+mj-lt"/>
+              </a:rPr>
+              <a:t>Why</a:t>
+            </a:r>
+            <a:r>
+              <a:rPr lang="da-DK" sz="6600" dirty="0">
+                <a:latin typeface="+mj-lt"/>
+              </a:rPr>
+              <a:t>?</a:t>
+            </a:r>
+          </a:p>
+        </p:txBody>
+      </p:sp>
+      <p:sp>
+        <p:nvSpPr>
+          <p:cNvPr id="5" name="Title 1"/>
+          <p:cNvSpPr txBox="1">
+            <a:spLocks/>
+          </p:cNvSpPr>
+          <p:nvPr/>
+        </p:nvSpPr>
+        <p:spPr>
+          <a:xfrm>
+            <a:off x="2194428" y="5417481"/>
+            <a:ext cx="2926048" cy="1313745"/>
+          </a:xfrm>
+          <a:prstGeom prst="rect">
+            <a:avLst/>
+          </a:prstGeom>
+          <a:solidFill>
+            <a:srgbClr val="FF8C00"/>
+          </a:solidFill>
+        </p:spPr>
+        <p:txBody>
+          <a:bodyPr wrap="square" lIns="183600" tIns="147600" rIns="183600" bIns="147600">
+            <a:spAutoFit/>
+          </a:bodyPr>
+          <a:lstStyle>
+            <a:defPPr>
+              <a:defRPr lang="en-US"/>
+            </a:defPPr>
+            <a:lvl1pPr>
+              <a:defRPr>
+                <a:latin typeface="Consolas" panose="020B0609020204030204" pitchFamily="49" charset="0"/>
+                <a:cs typeface="Consolas" panose="020B0609020204030204" pitchFamily="49" charset="0"/>
+              </a:defRPr>
+            </a:lvl1pPr>
+          </a:lstStyle>
+          <a:p>
+            <a:r>
+              <a:rPr lang="da-DK" sz="6600" dirty="0">
+                <a:latin typeface="+mj-lt"/>
+              </a:rPr>
+              <a:t>How?</a:t>
+            </a:r>
+          </a:p>
+        </p:txBody>
+      </p:sp>
+    </p:spTree>
+    <p:extLst>
+      <p:ext uri="{BB962C8B-B14F-4D97-AF65-F5344CB8AC3E}">
+        <p14:creationId xmlns:p14="http://schemas.microsoft.com/office/powerpoint/2010/main" val="4087640823"/>
+      </p:ext>
+    </p:extLst>
+  </p:cSld>
+  <p:clrMapOvr>
+    <a:masterClrMapping/>
+  </p:clrMapOvr>
+  <p:transition>
+    <p:fade/>
+  </p:transition>
+</p:sld>
+</file>
+
+<file path=ppt/slides/slide11.xml><?xml version="1.0" encoding="utf-8"?>
+<p:sld xmlns:a="http://schemas.openxmlformats.org/drawingml/2006/main" xmlns:r="http://schemas.openxmlformats.org/officeDocument/2006/relationships" xmlns:p="http://schemas.openxmlformats.org/presentationml/2006/main">
+  <p:cSld>
+    <p:bg>
+      <p:bgPr>
+        <a:solidFill>
           <a:srgbClr val="505050"/>
         </a:solidFill>
         <a:effectLst/>
@@ -5814,7 +6062,7 @@
 </p:sld>
 </file>
 
-<file path=ppt/slides/slide11.xml><?xml version="1.0" encoding="utf-8"?>
+<file path=ppt/slides/slide12.xml><?xml version="1.0" encoding="utf-8"?>
 <p:sld xmlns:a="http://schemas.openxmlformats.org/drawingml/2006/main" xmlns:r="http://schemas.openxmlformats.org/officeDocument/2006/relationships" xmlns:p="http://schemas.openxmlformats.org/presentationml/2006/main">
   <p:cSld>
     <p:bg>
@@ -5915,7 +6163,7 @@
 </p:sld>
 </file>
 
-<file path=ppt/slides/slide12.xml><?xml version="1.0" encoding="utf-8"?>
+<file path=ppt/slides/slide13.xml><?xml version="1.0" encoding="utf-8"?>
 <p:sld xmlns:a="http://schemas.openxmlformats.org/drawingml/2006/main" xmlns:r="http://schemas.openxmlformats.org/officeDocument/2006/relationships" xmlns:p="http://schemas.openxmlformats.org/presentationml/2006/main">
   <p:cSld>
     <p:spTree>
@@ -6320,7 +6568,7 @@
 </p:sld>
 </file>
 
-<file path=ppt/slides/slide13.xml><?xml version="1.0" encoding="utf-8"?>
+<file path=ppt/slides/slide14.xml><?xml version="1.0" encoding="utf-8"?>
 <p:sld xmlns:a="http://schemas.openxmlformats.org/drawingml/2006/main" xmlns:r="http://schemas.openxmlformats.org/officeDocument/2006/relationships" xmlns:p="http://schemas.openxmlformats.org/presentationml/2006/main">
   <p:cSld>
     <p:spTree>
@@ -6706,7 +6954,7 @@
 </p:sld>
 </file>
 
-<file path=ppt/slides/slide14.xml><?xml version="1.0" encoding="utf-8"?>
+<file path=ppt/slides/slide15.xml><?xml version="1.0" encoding="utf-8"?>
 <p:sld xmlns:a="http://schemas.openxmlformats.org/drawingml/2006/main" xmlns:r="http://schemas.openxmlformats.org/officeDocument/2006/relationships" xmlns:p="http://schemas.openxmlformats.org/presentationml/2006/main">
   <p:cSld>
     <p:bg>
@@ -6938,7 +7186,7 @@
 </p:sld>
 </file>
 
-<file path=ppt/slides/slide15.xml><?xml version="1.0" encoding="utf-8"?>
+<file path=ppt/slides/slide16.xml><?xml version="1.0" encoding="utf-8"?>
 <p:sld xmlns:a="http://schemas.openxmlformats.org/drawingml/2006/main" xmlns:r="http://schemas.openxmlformats.org/officeDocument/2006/relationships" xmlns:p="http://schemas.openxmlformats.org/presentationml/2006/main">
   <p:cSld>
     <p:bg>
@@ -7097,7 +7345,7 @@
 </p:sld>
 </file>
 
-<file path=ppt/slides/slide16.xml><?xml version="1.0" encoding="utf-8"?>
+<file path=ppt/slides/slide17.xml><?xml version="1.0" encoding="utf-8"?>
 <p:sld xmlns:a="http://schemas.openxmlformats.org/drawingml/2006/main" xmlns:r="http://schemas.openxmlformats.org/officeDocument/2006/relationships" xmlns:p="http://schemas.openxmlformats.org/presentationml/2006/main">
   <p:cSld>
     <p:spTree>
@@ -7555,7 +7803,7 @@
 </p:sld>
 </file>
 
-<file path=ppt/slides/slide17.xml><?xml version="1.0" encoding="utf-8"?>
+<file path=ppt/slides/slide18.xml><?xml version="1.0" encoding="utf-8"?>
 <p:sld xmlns:a="http://schemas.openxmlformats.org/drawingml/2006/main" xmlns:r="http://schemas.openxmlformats.org/officeDocument/2006/relationships" xmlns:p="http://schemas.openxmlformats.org/presentationml/2006/main">
   <p:cSld>
     <p:spTree>
@@ -8563,7 +8811,7 @@
 </p:sld>
 </file>
 
-<file path=ppt/slides/slide18.xml><?xml version="1.0" encoding="utf-8"?>
+<file path=ppt/slides/slide19.xml><?xml version="1.0" encoding="utf-8"?>
 <p:sld xmlns:a="http://schemas.openxmlformats.org/drawingml/2006/main" xmlns:r="http://schemas.openxmlformats.org/officeDocument/2006/relationships" xmlns:p="http://schemas.openxmlformats.org/presentationml/2006/main">
   <p:cSld>
     <p:spTree>
@@ -9873,772 +10121,6 @@
 </p:sld>
 </file>
 
-<file path=ppt/slides/slide19.xml><?xml version="1.0" encoding="utf-8"?>
-<p:sld xmlns:a="http://schemas.openxmlformats.org/drawingml/2006/main" xmlns:r="http://schemas.openxmlformats.org/officeDocument/2006/relationships" xmlns:p="http://schemas.openxmlformats.org/presentationml/2006/main">
-  <p:cSld>
-    <p:spTree>
-      <p:nvGrpSpPr>
-        <p:cNvPr id="1" name=""/>
-        <p:cNvGrpSpPr/>
-        <p:nvPr/>
-      </p:nvGrpSpPr>
-      <p:grpSpPr>
-        <a:xfrm>
-          <a:off x="0" y="0"/>
-          <a:ext cx="0" cy="0"/>
-          <a:chOff x="0" y="0"/>
-          <a:chExt cx="0" cy="0"/>
-        </a:xfrm>
-      </p:grpSpPr>
-      <p:sp>
-        <p:nvSpPr>
-          <p:cNvPr id="3" name="Title 1"/>
-          <p:cNvSpPr txBox="1">
-            <a:spLocks/>
-          </p:cNvSpPr>
-          <p:nvPr/>
-        </p:nvSpPr>
-        <p:spPr>
-          <a:xfrm>
-            <a:off x="274209" y="479775"/>
-            <a:ext cx="8778240" cy="1354146"/>
-          </a:xfrm>
-          <a:prstGeom prst="rect">
-            <a:avLst/>
-          </a:prstGeom>
-        </p:spPr>
-        <p:txBody>
-          <a:bodyPr/>
-          <a:lstStyle>
-            <a:lvl1pPr algn="l" defTabSz="932742" rtl="0" eaLnBrk="1" latinLnBrk="0" hangingPunct="1">
-              <a:lnSpc>
-                <a:spcPct val="90000"/>
-              </a:lnSpc>
-              <a:spcBef>
-                <a:spcPct val="0"/>
-              </a:spcBef>
-              <a:buNone/>
-              <a:defRPr lang="en-US" sz="4800" b="0" kern="1200" cap="none" spc="-102" baseline="0" dirty="0" smtClean="0">
-                <a:ln w="3175">
-                  <a:noFill/>
-                </a:ln>
-                <a:gradFill>
-                  <a:gsLst>
-                    <a:gs pos="1250">
-                      <a:schemeClr val="tx1"/>
-                    </a:gs>
-                    <a:gs pos="100000">
-                      <a:schemeClr val="tx1"/>
-                    </a:gs>
-                  </a:gsLst>
-                  <a:lin ang="5400000" scaled="0"/>
-                </a:gradFill>
-                <a:effectLst/>
-                <a:latin typeface="+mj-lt"/>
-                <a:ea typeface="+mn-ea"/>
-                <a:cs typeface="Segoe UI" pitchFamily="34" charset="0"/>
-              </a:defRPr>
-            </a:lvl1pPr>
-          </a:lstStyle>
-          <a:p>
-            <a:r>
-              <a:rPr lang="da-DK" sz="7200" dirty="0"/>
-              <a:t>Value Types</a:t>
-            </a:r>
-          </a:p>
-        </p:txBody>
-      </p:sp>
-      <p:sp>
-        <p:nvSpPr>
-          <p:cNvPr id="6" name="Rectangle 5"/>
-          <p:cNvSpPr/>
-          <p:nvPr/>
-        </p:nvSpPr>
-        <p:spPr bwMode="auto">
-          <a:xfrm>
-            <a:off x="365646" y="2101927"/>
-            <a:ext cx="2468855" cy="566073"/>
-          </a:xfrm>
-          <a:prstGeom prst="rect">
-            <a:avLst/>
-          </a:prstGeom>
-          <a:solidFill>
-            <a:srgbClr val="68217A"/>
-          </a:solidFill>
-          <a:ln>
-            <a:noFill/>
-            <a:headEnd type="none" w="med" len="med"/>
-            <a:tailEnd type="none" w="med" len="med"/>
-          </a:ln>
-          <a:effectLst/>
-        </p:spPr>
-        <p:style>
-          <a:lnRef idx="1">
-            <a:schemeClr val="accent2"/>
-          </a:lnRef>
-          <a:fillRef idx="3">
-            <a:schemeClr val="accent2"/>
-          </a:fillRef>
-          <a:effectRef idx="2">
-            <a:schemeClr val="accent2"/>
-          </a:effectRef>
-          <a:fontRef idx="minor">
-            <a:schemeClr val="lt1"/>
-          </a:fontRef>
-        </p:style>
-        <p:txBody>
-          <a:bodyPr rot="0" spcFirstLastPara="0" vertOverflow="overflow" horzOverflow="overflow" vert="horz" wrap="square" lIns="182880" tIns="146304" rIns="182880" bIns="146304" numCol="1" spcCol="0" rtlCol="0" fromWordArt="0" anchor="t" anchorCtr="0" forceAA="0" compatLnSpc="1">
-            <a:prstTxWarp prst="textNoShape">
-              <a:avLst/>
-            </a:prstTxWarp>
-            <a:noAutofit/>
-          </a:bodyPr>
-          <a:lstStyle/>
-          <a:p>
-            <a:pPr defTabSz="932472" fontAlgn="base">
-              <a:lnSpc>
-                <a:spcPct val="90000"/>
-              </a:lnSpc>
-              <a:spcBef>
-                <a:spcPct val="0"/>
-              </a:spcBef>
-              <a:spcAft>
-                <a:spcPct val="0"/>
-              </a:spcAft>
-            </a:pPr>
-            <a:r>
-              <a:rPr lang="en-US" sz="2400" dirty="0">
-                <a:gradFill>
-                  <a:gsLst>
-                    <a:gs pos="0">
-                      <a:srgbClr val="FFFFFF"/>
-                    </a:gs>
-                    <a:gs pos="100000">
-                      <a:srgbClr val="FFFFFF"/>
-                    </a:gs>
-                  </a:gsLst>
-                  <a:lin ang="5400000" scaled="0"/>
-                </a:gradFill>
-                <a:latin typeface="Consolas" panose="020B0609020204030204" pitchFamily="49" charset="0"/>
-                <a:ea typeface="Segoe UI" pitchFamily="34" charset="0"/>
-                <a:cs typeface="Consolas" panose="020B0609020204030204" pitchFamily="49" charset="0"/>
-              </a:rPr>
-              <a:t>int i1 = 42;</a:t>
-            </a:r>
-            <a:endParaRPr lang="da-DK" sz="2400" dirty="0" err="1">
-              <a:gradFill>
-                <a:gsLst>
-                  <a:gs pos="0">
-                    <a:srgbClr val="FFFFFF"/>
-                  </a:gs>
-                  <a:gs pos="100000">
-                    <a:srgbClr val="FFFFFF"/>
-                  </a:gs>
-                </a:gsLst>
-                <a:lin ang="5400000" scaled="0"/>
-              </a:gradFill>
-              <a:latin typeface="Consolas" panose="020B0609020204030204" pitchFamily="49" charset="0"/>
-              <a:ea typeface="Segoe UI" pitchFamily="34" charset="0"/>
-              <a:cs typeface="Consolas" panose="020B0609020204030204" pitchFamily="49" charset="0"/>
-            </a:endParaRPr>
-          </a:p>
-        </p:txBody>
-      </p:sp>
-      <p:sp>
-        <p:nvSpPr>
-          <p:cNvPr id="7" name="Rectangle 6"/>
-          <p:cNvSpPr/>
-          <p:nvPr/>
-        </p:nvSpPr>
-        <p:spPr bwMode="auto">
-          <a:xfrm>
-            <a:off x="365646" y="4956446"/>
-            <a:ext cx="2468855" cy="643913"/>
-          </a:xfrm>
-          <a:prstGeom prst="rect">
-            <a:avLst/>
-          </a:prstGeom>
-          <a:solidFill>
-            <a:srgbClr val="68217A"/>
-          </a:solidFill>
-          <a:ln>
-            <a:noFill/>
-            <a:headEnd type="none" w="med" len="med"/>
-            <a:tailEnd type="none" w="med" len="med"/>
-          </a:ln>
-          <a:effectLst/>
-        </p:spPr>
-        <p:style>
-          <a:lnRef idx="1">
-            <a:schemeClr val="accent2"/>
-          </a:lnRef>
-          <a:fillRef idx="3">
-            <a:schemeClr val="accent2"/>
-          </a:fillRef>
-          <a:effectRef idx="2">
-            <a:schemeClr val="accent2"/>
-          </a:effectRef>
-          <a:fontRef idx="minor">
-            <a:schemeClr val="lt1"/>
-          </a:fontRef>
-        </p:style>
-        <p:txBody>
-          <a:bodyPr rot="0" spcFirstLastPara="0" vertOverflow="overflow" horzOverflow="overflow" vert="horz" wrap="square" lIns="182880" tIns="146304" rIns="182880" bIns="146304" numCol="1" spcCol="0" rtlCol="0" fromWordArt="0" anchor="t" anchorCtr="0" forceAA="0" compatLnSpc="1">
-            <a:prstTxWarp prst="textNoShape">
-              <a:avLst/>
-            </a:prstTxWarp>
-            <a:noAutofit/>
-          </a:bodyPr>
-          <a:lstStyle/>
-          <a:p>
-            <a:pPr defTabSz="932472" fontAlgn="base">
-              <a:lnSpc>
-                <a:spcPct val="90000"/>
-              </a:lnSpc>
-              <a:spcBef>
-                <a:spcPct val="0"/>
-              </a:spcBef>
-              <a:spcAft>
-                <a:spcPct val="0"/>
-              </a:spcAft>
-            </a:pPr>
-            <a:r>
-              <a:rPr lang="en-US" sz="2400" dirty="0">
-                <a:gradFill>
-                  <a:gsLst>
-                    <a:gs pos="0">
-                      <a:srgbClr val="FFFFFF"/>
-                    </a:gs>
-                    <a:gs pos="100000">
-                      <a:srgbClr val="FFFFFF"/>
-                    </a:gs>
-                  </a:gsLst>
-                  <a:lin ang="5400000" scaled="0"/>
-                </a:gradFill>
-                <a:latin typeface="Consolas" panose="020B0609020204030204" pitchFamily="49" charset="0"/>
-                <a:ea typeface="Segoe UI" pitchFamily="34" charset="0"/>
-                <a:cs typeface="Consolas" panose="020B0609020204030204" pitchFamily="49" charset="0"/>
-              </a:rPr>
-              <a:t>int i2 = i2;</a:t>
-            </a:r>
-            <a:endParaRPr lang="da-DK" sz="2400" dirty="0" err="1">
-              <a:gradFill>
-                <a:gsLst>
-                  <a:gs pos="0">
-                    <a:srgbClr val="FFFFFF"/>
-                  </a:gs>
-                  <a:gs pos="100000">
-                    <a:srgbClr val="FFFFFF"/>
-                  </a:gs>
-                </a:gsLst>
-                <a:lin ang="5400000" scaled="0"/>
-              </a:gradFill>
-              <a:latin typeface="Consolas" panose="020B0609020204030204" pitchFamily="49" charset="0"/>
-              <a:ea typeface="Segoe UI" pitchFamily="34" charset="0"/>
-              <a:cs typeface="Consolas" panose="020B0609020204030204" pitchFamily="49" charset="0"/>
-            </a:endParaRPr>
-          </a:p>
-        </p:txBody>
-      </p:sp>
-      <p:sp>
-        <p:nvSpPr>
-          <p:cNvPr id="8" name="Rectangle 7"/>
-          <p:cNvSpPr/>
-          <p:nvPr/>
-        </p:nvSpPr>
-        <p:spPr bwMode="auto">
-          <a:xfrm>
-            <a:off x="5943427" y="2384963"/>
-            <a:ext cx="2485444" cy="2662326"/>
-          </a:xfrm>
-          <a:prstGeom prst="rect">
-            <a:avLst/>
-          </a:prstGeom>
-          <a:solidFill>
-            <a:srgbClr val="007233"/>
-          </a:solidFill>
-          <a:ln>
-            <a:noFill/>
-            <a:headEnd type="none" w="med" len="med"/>
-            <a:tailEnd type="none" w="med" len="med"/>
-          </a:ln>
-          <a:effectLst/>
-        </p:spPr>
-        <p:style>
-          <a:lnRef idx="1">
-            <a:schemeClr val="accent2"/>
-          </a:lnRef>
-          <a:fillRef idx="3">
-            <a:schemeClr val="accent2"/>
-          </a:fillRef>
-          <a:effectRef idx="2">
-            <a:schemeClr val="accent2"/>
-          </a:effectRef>
-          <a:fontRef idx="minor">
-            <a:schemeClr val="lt1"/>
-          </a:fontRef>
-        </p:style>
-        <p:txBody>
-          <a:bodyPr rot="0" spcFirstLastPara="0" vertOverflow="overflow" horzOverflow="overflow" vert="horz" wrap="square" lIns="182880" tIns="146304" rIns="182880" bIns="146304" numCol="1" spcCol="0" rtlCol="0" fromWordArt="0" anchor="t" anchorCtr="0" forceAA="0" compatLnSpc="1">
-            <a:prstTxWarp prst="textNoShape">
-              <a:avLst/>
-            </a:prstTxWarp>
-            <a:noAutofit/>
-          </a:bodyPr>
-          <a:lstStyle/>
-          <a:p>
-            <a:pPr algn="ctr" defTabSz="932472" fontAlgn="base">
-              <a:lnSpc>
-                <a:spcPct val="90000"/>
-              </a:lnSpc>
-              <a:spcBef>
-                <a:spcPct val="0"/>
-              </a:spcBef>
-              <a:spcAft>
-                <a:spcPct val="0"/>
-              </a:spcAft>
-            </a:pPr>
-            <a:endParaRPr lang="da-DK" sz="2400" dirty="0" err="1">
-              <a:gradFill>
-                <a:gsLst>
-                  <a:gs pos="0">
-                    <a:srgbClr val="FFFFFF"/>
-                  </a:gs>
-                  <a:gs pos="100000">
-                    <a:srgbClr val="FFFFFF"/>
-                  </a:gs>
-                </a:gsLst>
-                <a:lin ang="5400000" scaled="0"/>
-              </a:gradFill>
-              <a:ea typeface="Segoe UI" pitchFamily="34" charset="0"/>
-              <a:cs typeface="Segoe UI" pitchFamily="34" charset="0"/>
-            </a:endParaRPr>
-          </a:p>
-        </p:txBody>
-      </p:sp>
-      <p:sp>
-        <p:nvSpPr>
-          <p:cNvPr id="9" name="TextBox 8"/>
-          <p:cNvSpPr txBox="1"/>
-          <p:nvPr/>
-        </p:nvSpPr>
-        <p:spPr>
-          <a:xfrm>
-            <a:off x="6034866" y="1842907"/>
-            <a:ext cx="2285975" cy="572464"/>
-          </a:xfrm>
-          <a:prstGeom prst="rect">
-            <a:avLst/>
-          </a:prstGeom>
-          <a:noFill/>
-        </p:spPr>
-        <p:txBody>
-          <a:bodyPr wrap="square" lIns="182880" tIns="146304" rIns="182880" bIns="146304" rtlCol="0">
-            <a:spAutoFit/>
-          </a:bodyPr>
-          <a:lstStyle/>
-          <a:p>
-            <a:pPr algn="ctr">
-              <a:lnSpc>
-                <a:spcPct val="90000"/>
-              </a:lnSpc>
-            </a:pPr>
-            <a:r>
-              <a:rPr lang="en-US" sz="2000" dirty="0">
-                <a:gradFill>
-                  <a:gsLst>
-                    <a:gs pos="2917">
-                      <a:schemeClr val="tx1"/>
-                    </a:gs>
-                    <a:gs pos="30000">
-                      <a:schemeClr val="tx1"/>
-                    </a:gs>
-                  </a:gsLst>
-                  <a:lin ang="5400000" scaled="0"/>
-                </a:gradFill>
-              </a:rPr>
-              <a:t>Memory</a:t>
-            </a:r>
-            <a:endParaRPr lang="da-DK" sz="2000" dirty="0" err="1">
-              <a:gradFill>
-                <a:gsLst>
-                  <a:gs pos="2917">
-                    <a:schemeClr val="tx1"/>
-                  </a:gs>
-                  <a:gs pos="30000">
-                    <a:schemeClr val="tx1"/>
-                  </a:gs>
-                </a:gsLst>
-                <a:lin ang="5400000" scaled="0"/>
-              </a:gradFill>
-            </a:endParaRPr>
-          </a:p>
-        </p:txBody>
-      </p:sp>
-      <p:cxnSp>
-        <p:nvCxnSpPr>
-          <p:cNvPr id="12" name="Straight Arrow Connector 11"/>
-          <p:cNvCxnSpPr>
-            <a:stCxn id="6" idx="3"/>
-            <a:endCxn id="10" idx="1"/>
-          </p:cNvCxnSpPr>
-          <p:nvPr/>
-        </p:nvCxnSpPr>
-        <p:spPr>
-          <a:xfrm>
-            <a:off x="2834501" y="2384964"/>
-            <a:ext cx="3383243" cy="900116"/>
-          </a:xfrm>
-          <a:prstGeom prst="straightConnector1">
-            <a:avLst/>
-          </a:prstGeom>
-          <a:ln w="19050">
-            <a:solidFill>
-              <a:schemeClr val="tx1"/>
-            </a:solidFill>
-            <a:headEnd type="none"/>
-            <a:tailEnd type="triangle" w="lg" len="lg"/>
-          </a:ln>
-        </p:spPr>
-        <p:style>
-          <a:lnRef idx="1">
-            <a:schemeClr val="accent1"/>
-          </a:lnRef>
-          <a:fillRef idx="0">
-            <a:schemeClr val="accent1"/>
-          </a:fillRef>
-          <a:effectRef idx="0">
-            <a:schemeClr val="accent1"/>
-          </a:effectRef>
-          <a:fontRef idx="minor">
-            <a:schemeClr val="tx1"/>
-          </a:fontRef>
-        </p:style>
-      </p:cxnSp>
-      <p:cxnSp>
-        <p:nvCxnSpPr>
-          <p:cNvPr id="14" name="Straight Arrow Connector 13"/>
-          <p:cNvCxnSpPr>
-            <a:stCxn id="7" idx="3"/>
-            <a:endCxn id="22" idx="1"/>
-          </p:cNvCxnSpPr>
-          <p:nvPr/>
-        </p:nvCxnSpPr>
-        <p:spPr>
-          <a:xfrm flipV="1">
-            <a:off x="2834501" y="4147173"/>
-            <a:ext cx="3383243" cy="1131230"/>
-          </a:xfrm>
-          <a:prstGeom prst="straightConnector1">
-            <a:avLst/>
-          </a:prstGeom>
-          <a:ln w="19050">
-            <a:solidFill>
-              <a:schemeClr val="tx1"/>
-            </a:solidFill>
-            <a:headEnd type="none"/>
-            <a:tailEnd type="triangle" w="lg" len="lg"/>
-          </a:ln>
-        </p:spPr>
-        <p:style>
-          <a:lnRef idx="1">
-            <a:schemeClr val="accent1"/>
-          </a:lnRef>
-          <a:fillRef idx="0">
-            <a:schemeClr val="accent1"/>
-          </a:fillRef>
-          <a:effectRef idx="0">
-            <a:schemeClr val="accent1"/>
-          </a:effectRef>
-          <a:fontRef idx="minor">
-            <a:schemeClr val="tx1"/>
-          </a:fontRef>
-        </p:style>
-      </p:cxnSp>
-      <p:grpSp>
-        <p:nvGrpSpPr>
-          <p:cNvPr id="23" name="Group 22"/>
-          <p:cNvGrpSpPr/>
-          <p:nvPr/>
-        </p:nvGrpSpPr>
-        <p:grpSpPr>
-          <a:xfrm>
-            <a:off x="6217744" y="2965043"/>
-            <a:ext cx="2011658" cy="1502167"/>
-            <a:chOff x="6217744" y="3314384"/>
-            <a:chExt cx="2011658" cy="1502167"/>
-          </a:xfrm>
-        </p:grpSpPr>
-        <p:sp>
-          <p:nvSpPr>
-            <p:cNvPr id="10" name="Rounded Rectangle 9"/>
-            <p:cNvSpPr/>
-            <p:nvPr/>
-          </p:nvSpPr>
-          <p:spPr bwMode="auto">
-            <a:xfrm>
-              <a:off x="6217744" y="3314384"/>
-              <a:ext cx="2011658" cy="640074"/>
-            </a:xfrm>
-            <a:prstGeom prst="roundRect">
-              <a:avLst/>
-            </a:prstGeom>
-            <a:solidFill>
-              <a:srgbClr val="BA141A"/>
-            </a:solidFill>
-            <a:ln>
-              <a:noFill/>
-              <a:headEnd type="none" w="med" len="med"/>
-              <a:tailEnd type="none" w="med" len="med"/>
-            </a:ln>
-            <a:effectLst/>
-          </p:spPr>
-          <p:style>
-            <a:lnRef idx="1">
-              <a:schemeClr val="accent2"/>
-            </a:lnRef>
-            <a:fillRef idx="3">
-              <a:schemeClr val="accent2"/>
-            </a:fillRef>
-            <a:effectRef idx="2">
-              <a:schemeClr val="accent2"/>
-            </a:effectRef>
-            <a:fontRef idx="minor">
-              <a:schemeClr val="lt1"/>
-            </a:fontRef>
-          </p:style>
-          <p:txBody>
-            <a:bodyPr rot="0" spcFirstLastPara="0" vertOverflow="overflow" horzOverflow="overflow" vert="horz" wrap="square" lIns="182880" tIns="146304" rIns="182880" bIns="146304" numCol="1" spcCol="0" rtlCol="0" fromWordArt="0" anchor="t" anchorCtr="0" forceAA="0" compatLnSpc="1">
-              <a:prstTxWarp prst="textNoShape">
-                <a:avLst/>
-              </a:prstTxWarp>
-              <a:noAutofit/>
-            </a:bodyPr>
-            <a:lstStyle/>
-            <a:p>
-              <a:pPr algn="ctr" defTabSz="932472" fontAlgn="base">
-                <a:lnSpc>
-                  <a:spcPct val="90000"/>
-                </a:lnSpc>
-                <a:spcBef>
-                  <a:spcPct val="0"/>
-                </a:spcBef>
-                <a:spcAft>
-                  <a:spcPct val="0"/>
-                </a:spcAft>
-              </a:pPr>
-              <a:r>
-                <a:rPr lang="en-US" sz="2400" dirty="0">
-                  <a:gradFill>
-                    <a:gsLst>
-                      <a:gs pos="0">
-                        <a:srgbClr val="FFFFFF"/>
-                      </a:gs>
-                      <a:gs pos="100000">
-                        <a:srgbClr val="FFFFFF"/>
-                      </a:gs>
-                    </a:gsLst>
-                    <a:lin ang="5400000" scaled="0"/>
-                  </a:gradFill>
-                  <a:latin typeface="Consolas" panose="020B0609020204030204" pitchFamily="49" charset="0"/>
-                  <a:ea typeface="Segoe UI" pitchFamily="34" charset="0"/>
-                  <a:cs typeface="Consolas" panose="020B0609020204030204" pitchFamily="49" charset="0"/>
-                </a:rPr>
-                <a:t>i1: int</a:t>
-              </a:r>
-              <a:endParaRPr lang="da-DK" sz="2400" dirty="0" err="1">
-                <a:gradFill>
-                  <a:gsLst>
-                    <a:gs pos="0">
-                      <a:srgbClr val="FFFFFF"/>
-                    </a:gs>
-                    <a:gs pos="100000">
-                      <a:srgbClr val="FFFFFF"/>
-                    </a:gs>
-                  </a:gsLst>
-                  <a:lin ang="5400000" scaled="0"/>
-                </a:gradFill>
-                <a:latin typeface="Consolas" panose="020B0609020204030204" pitchFamily="49" charset="0"/>
-                <a:ea typeface="Segoe UI" pitchFamily="34" charset="0"/>
-                <a:cs typeface="Consolas" panose="020B0609020204030204" pitchFamily="49" charset="0"/>
-              </a:endParaRPr>
-            </a:p>
-          </p:txBody>
-        </p:sp>
-        <p:sp>
-          <p:nvSpPr>
-            <p:cNvPr id="22" name="Rounded Rectangle 21"/>
-            <p:cNvSpPr/>
-            <p:nvPr/>
-          </p:nvSpPr>
-          <p:spPr bwMode="auto">
-            <a:xfrm>
-              <a:off x="6217744" y="4176477"/>
-              <a:ext cx="2011658" cy="640074"/>
-            </a:xfrm>
-            <a:prstGeom prst="roundRect">
-              <a:avLst/>
-            </a:prstGeom>
-            <a:solidFill>
-              <a:srgbClr val="BA141A"/>
-            </a:solidFill>
-            <a:ln>
-              <a:noFill/>
-              <a:headEnd type="none" w="med" len="med"/>
-              <a:tailEnd type="none" w="med" len="med"/>
-            </a:ln>
-            <a:effectLst/>
-          </p:spPr>
-          <p:style>
-            <a:lnRef idx="1">
-              <a:schemeClr val="accent2"/>
-            </a:lnRef>
-            <a:fillRef idx="3">
-              <a:schemeClr val="accent2"/>
-            </a:fillRef>
-            <a:effectRef idx="2">
-              <a:schemeClr val="accent2"/>
-            </a:effectRef>
-            <a:fontRef idx="minor">
-              <a:schemeClr val="lt1"/>
-            </a:fontRef>
-          </p:style>
-          <p:txBody>
-            <a:bodyPr rot="0" spcFirstLastPara="0" vertOverflow="overflow" horzOverflow="overflow" vert="horz" wrap="square" lIns="182880" tIns="146304" rIns="182880" bIns="146304" numCol="1" spcCol="0" rtlCol="0" fromWordArt="0" anchor="t" anchorCtr="0" forceAA="0" compatLnSpc="1">
-              <a:prstTxWarp prst="textNoShape">
-                <a:avLst/>
-              </a:prstTxWarp>
-              <a:noAutofit/>
-            </a:bodyPr>
-            <a:lstStyle/>
-            <a:p>
-              <a:pPr algn="ctr" defTabSz="932472" fontAlgn="base">
-                <a:lnSpc>
-                  <a:spcPct val="90000"/>
-                </a:lnSpc>
-                <a:spcBef>
-                  <a:spcPct val="0"/>
-                </a:spcBef>
-                <a:spcAft>
-                  <a:spcPct val="0"/>
-                </a:spcAft>
-              </a:pPr>
-              <a:r>
-                <a:rPr lang="en-US" sz="2400" dirty="0">
-                  <a:gradFill>
-                    <a:gsLst>
-                      <a:gs pos="0">
-                        <a:srgbClr val="FFFFFF"/>
-                      </a:gs>
-                      <a:gs pos="100000">
-                        <a:srgbClr val="FFFFFF"/>
-                      </a:gs>
-                    </a:gsLst>
-                    <a:lin ang="5400000" scaled="0"/>
-                  </a:gradFill>
-                  <a:latin typeface="Consolas" panose="020B0609020204030204" pitchFamily="49" charset="0"/>
-                  <a:ea typeface="Segoe UI" pitchFamily="34" charset="0"/>
-                  <a:cs typeface="Consolas" panose="020B0609020204030204" pitchFamily="49" charset="0"/>
-                </a:rPr>
-                <a:t>i2: int</a:t>
-              </a:r>
-              <a:endParaRPr lang="da-DK" sz="2400" dirty="0" err="1">
-                <a:gradFill>
-                  <a:gsLst>
-                    <a:gs pos="0">
-                      <a:srgbClr val="FFFFFF"/>
-                    </a:gs>
-                    <a:gs pos="100000">
-                      <a:srgbClr val="FFFFFF"/>
-                    </a:gs>
-                  </a:gsLst>
-                  <a:lin ang="5400000" scaled="0"/>
-                </a:gradFill>
-                <a:latin typeface="Consolas" panose="020B0609020204030204" pitchFamily="49" charset="0"/>
-                <a:ea typeface="Segoe UI" pitchFamily="34" charset="0"/>
-                <a:cs typeface="Consolas" panose="020B0609020204030204" pitchFamily="49" charset="0"/>
-              </a:endParaRPr>
-            </a:p>
-          </p:txBody>
-        </p:sp>
-      </p:grpSp>
-      <p:sp>
-        <p:nvSpPr>
-          <p:cNvPr id="25" name="Rectangle 24"/>
-          <p:cNvSpPr/>
-          <p:nvPr/>
-        </p:nvSpPr>
-        <p:spPr>
-          <a:xfrm>
-            <a:off x="365646" y="6236856"/>
-            <a:ext cx="3749001" cy="369332"/>
-          </a:xfrm>
-          <a:prstGeom prst="rect">
-            <a:avLst/>
-          </a:prstGeom>
-          <a:solidFill>
-            <a:srgbClr val="FF8C00"/>
-          </a:solidFill>
-        </p:spPr>
-        <p:txBody>
-          <a:bodyPr wrap="square">
-            <a:spAutoFit/>
-          </a:bodyPr>
-          <a:lstStyle/>
-          <a:p>
-            <a:pPr algn="ctr"/>
-            <a:r>
-              <a:rPr lang="en-US" dirty="0" err="1">
-                <a:solidFill>
-                  <a:srgbClr val="000000"/>
-                </a:solidFill>
-                <a:latin typeface="Consolas" panose="020B0609020204030204" pitchFamily="49" charset="0"/>
-                <a:cs typeface="Consolas" panose="020B0609020204030204" pitchFamily="49" charset="0"/>
-              </a:rPr>
-              <a:t>ReferenceEquals</a:t>
-            </a:r>
-            <a:r>
-              <a:rPr lang="en-US" dirty="0">
-                <a:solidFill>
-                  <a:srgbClr val="000000"/>
-                </a:solidFill>
-                <a:cs typeface="Consolas" panose="020B0609020204030204" pitchFamily="49" charset="0"/>
-              </a:rPr>
-              <a:t> is always </a:t>
-            </a:r>
-            <a:r>
-              <a:rPr lang="en-US" i="1" dirty="0">
-                <a:solidFill>
-                  <a:srgbClr val="000000"/>
-                </a:solidFill>
-                <a:latin typeface="Consolas" panose="020B0609020204030204" pitchFamily="49" charset="0"/>
-                <a:cs typeface="Consolas" panose="020B0609020204030204" pitchFamily="49" charset="0"/>
-              </a:rPr>
-              <a:t>false</a:t>
-            </a:r>
-            <a:endParaRPr lang="da-DK" i="1" dirty="0">
-              <a:latin typeface="Consolas" panose="020B0609020204030204" pitchFamily="49" charset="0"/>
-              <a:cs typeface="Consolas" panose="020B0609020204030204" pitchFamily="49" charset="0"/>
-            </a:endParaRPr>
-          </a:p>
-        </p:txBody>
-      </p:sp>
-    </p:spTree>
-    <p:extLst>
-      <p:ext uri="{BB962C8B-B14F-4D97-AF65-F5344CB8AC3E}">
-        <p14:creationId xmlns:p14="http://schemas.microsoft.com/office/powerpoint/2010/main" val="3728244699"/>
-      </p:ext>
-    </p:extLst>
-  </p:cSld>
-  <p:clrMapOvr>
-    <a:masterClrMapping/>
-  </p:clrMapOvr>
-  <p:transition>
-    <p:fade/>
-  </p:transition>
-</p:sld>
-</file>
-
 <file path=ppt/slides/slide2.xml><?xml version="1.0" encoding="utf-8"?>
 <p:sld xmlns:a="http://schemas.openxmlformats.org/drawingml/2006/main" xmlns:r="http://schemas.openxmlformats.org/officeDocument/2006/relationships" xmlns:p="http://schemas.openxmlformats.org/presentationml/2006/main">
   <p:cSld>
@@ -11831,6 +11313,772 @@
           <a:p>
             <a:r>
               <a:rPr lang="da-DK" sz="7200" dirty="0"/>
+              <a:t>Value Types</a:t>
+            </a:r>
+          </a:p>
+        </p:txBody>
+      </p:sp>
+      <p:sp>
+        <p:nvSpPr>
+          <p:cNvPr id="6" name="Rectangle 5"/>
+          <p:cNvSpPr/>
+          <p:nvPr/>
+        </p:nvSpPr>
+        <p:spPr bwMode="auto">
+          <a:xfrm>
+            <a:off x="365646" y="2101927"/>
+            <a:ext cx="2468855" cy="566073"/>
+          </a:xfrm>
+          <a:prstGeom prst="rect">
+            <a:avLst/>
+          </a:prstGeom>
+          <a:solidFill>
+            <a:srgbClr val="68217A"/>
+          </a:solidFill>
+          <a:ln>
+            <a:noFill/>
+            <a:headEnd type="none" w="med" len="med"/>
+            <a:tailEnd type="none" w="med" len="med"/>
+          </a:ln>
+          <a:effectLst/>
+        </p:spPr>
+        <p:style>
+          <a:lnRef idx="1">
+            <a:schemeClr val="accent2"/>
+          </a:lnRef>
+          <a:fillRef idx="3">
+            <a:schemeClr val="accent2"/>
+          </a:fillRef>
+          <a:effectRef idx="2">
+            <a:schemeClr val="accent2"/>
+          </a:effectRef>
+          <a:fontRef idx="minor">
+            <a:schemeClr val="lt1"/>
+          </a:fontRef>
+        </p:style>
+        <p:txBody>
+          <a:bodyPr rot="0" spcFirstLastPara="0" vertOverflow="overflow" horzOverflow="overflow" vert="horz" wrap="square" lIns="182880" tIns="146304" rIns="182880" bIns="146304" numCol="1" spcCol="0" rtlCol="0" fromWordArt="0" anchor="t" anchorCtr="0" forceAA="0" compatLnSpc="1">
+            <a:prstTxWarp prst="textNoShape">
+              <a:avLst/>
+            </a:prstTxWarp>
+            <a:noAutofit/>
+          </a:bodyPr>
+          <a:lstStyle/>
+          <a:p>
+            <a:pPr defTabSz="932472" fontAlgn="base">
+              <a:lnSpc>
+                <a:spcPct val="90000"/>
+              </a:lnSpc>
+              <a:spcBef>
+                <a:spcPct val="0"/>
+              </a:spcBef>
+              <a:spcAft>
+                <a:spcPct val="0"/>
+              </a:spcAft>
+            </a:pPr>
+            <a:r>
+              <a:rPr lang="en-US" sz="2400" dirty="0">
+                <a:gradFill>
+                  <a:gsLst>
+                    <a:gs pos="0">
+                      <a:srgbClr val="FFFFFF"/>
+                    </a:gs>
+                    <a:gs pos="100000">
+                      <a:srgbClr val="FFFFFF"/>
+                    </a:gs>
+                  </a:gsLst>
+                  <a:lin ang="5400000" scaled="0"/>
+                </a:gradFill>
+                <a:latin typeface="Consolas" panose="020B0609020204030204" pitchFamily="49" charset="0"/>
+                <a:ea typeface="Segoe UI" pitchFamily="34" charset="0"/>
+                <a:cs typeface="Consolas" panose="020B0609020204030204" pitchFamily="49" charset="0"/>
+              </a:rPr>
+              <a:t>int i1 = 42;</a:t>
+            </a:r>
+            <a:endParaRPr lang="da-DK" sz="2400" dirty="0" err="1">
+              <a:gradFill>
+                <a:gsLst>
+                  <a:gs pos="0">
+                    <a:srgbClr val="FFFFFF"/>
+                  </a:gs>
+                  <a:gs pos="100000">
+                    <a:srgbClr val="FFFFFF"/>
+                  </a:gs>
+                </a:gsLst>
+                <a:lin ang="5400000" scaled="0"/>
+              </a:gradFill>
+              <a:latin typeface="Consolas" panose="020B0609020204030204" pitchFamily="49" charset="0"/>
+              <a:ea typeface="Segoe UI" pitchFamily="34" charset="0"/>
+              <a:cs typeface="Consolas" panose="020B0609020204030204" pitchFamily="49" charset="0"/>
+            </a:endParaRPr>
+          </a:p>
+        </p:txBody>
+      </p:sp>
+      <p:sp>
+        <p:nvSpPr>
+          <p:cNvPr id="7" name="Rectangle 6"/>
+          <p:cNvSpPr/>
+          <p:nvPr/>
+        </p:nvSpPr>
+        <p:spPr bwMode="auto">
+          <a:xfrm>
+            <a:off x="365646" y="4956446"/>
+            <a:ext cx="2468855" cy="643913"/>
+          </a:xfrm>
+          <a:prstGeom prst="rect">
+            <a:avLst/>
+          </a:prstGeom>
+          <a:solidFill>
+            <a:srgbClr val="68217A"/>
+          </a:solidFill>
+          <a:ln>
+            <a:noFill/>
+            <a:headEnd type="none" w="med" len="med"/>
+            <a:tailEnd type="none" w="med" len="med"/>
+          </a:ln>
+          <a:effectLst/>
+        </p:spPr>
+        <p:style>
+          <a:lnRef idx="1">
+            <a:schemeClr val="accent2"/>
+          </a:lnRef>
+          <a:fillRef idx="3">
+            <a:schemeClr val="accent2"/>
+          </a:fillRef>
+          <a:effectRef idx="2">
+            <a:schemeClr val="accent2"/>
+          </a:effectRef>
+          <a:fontRef idx="minor">
+            <a:schemeClr val="lt1"/>
+          </a:fontRef>
+        </p:style>
+        <p:txBody>
+          <a:bodyPr rot="0" spcFirstLastPara="0" vertOverflow="overflow" horzOverflow="overflow" vert="horz" wrap="square" lIns="182880" tIns="146304" rIns="182880" bIns="146304" numCol="1" spcCol="0" rtlCol="0" fromWordArt="0" anchor="t" anchorCtr="0" forceAA="0" compatLnSpc="1">
+            <a:prstTxWarp prst="textNoShape">
+              <a:avLst/>
+            </a:prstTxWarp>
+            <a:noAutofit/>
+          </a:bodyPr>
+          <a:lstStyle/>
+          <a:p>
+            <a:pPr defTabSz="932472" fontAlgn="base">
+              <a:lnSpc>
+                <a:spcPct val="90000"/>
+              </a:lnSpc>
+              <a:spcBef>
+                <a:spcPct val="0"/>
+              </a:spcBef>
+              <a:spcAft>
+                <a:spcPct val="0"/>
+              </a:spcAft>
+            </a:pPr>
+            <a:r>
+              <a:rPr lang="en-US" sz="2400" dirty="0">
+                <a:gradFill>
+                  <a:gsLst>
+                    <a:gs pos="0">
+                      <a:srgbClr val="FFFFFF"/>
+                    </a:gs>
+                    <a:gs pos="100000">
+                      <a:srgbClr val="FFFFFF"/>
+                    </a:gs>
+                  </a:gsLst>
+                  <a:lin ang="5400000" scaled="0"/>
+                </a:gradFill>
+                <a:latin typeface="Consolas" panose="020B0609020204030204" pitchFamily="49" charset="0"/>
+                <a:ea typeface="Segoe UI" pitchFamily="34" charset="0"/>
+                <a:cs typeface="Consolas" panose="020B0609020204030204" pitchFamily="49" charset="0"/>
+              </a:rPr>
+              <a:t>int i2 = i2;</a:t>
+            </a:r>
+            <a:endParaRPr lang="da-DK" sz="2400" dirty="0" err="1">
+              <a:gradFill>
+                <a:gsLst>
+                  <a:gs pos="0">
+                    <a:srgbClr val="FFFFFF"/>
+                  </a:gs>
+                  <a:gs pos="100000">
+                    <a:srgbClr val="FFFFFF"/>
+                  </a:gs>
+                </a:gsLst>
+                <a:lin ang="5400000" scaled="0"/>
+              </a:gradFill>
+              <a:latin typeface="Consolas" panose="020B0609020204030204" pitchFamily="49" charset="0"/>
+              <a:ea typeface="Segoe UI" pitchFamily="34" charset="0"/>
+              <a:cs typeface="Consolas" panose="020B0609020204030204" pitchFamily="49" charset="0"/>
+            </a:endParaRPr>
+          </a:p>
+        </p:txBody>
+      </p:sp>
+      <p:sp>
+        <p:nvSpPr>
+          <p:cNvPr id="8" name="Rectangle 7"/>
+          <p:cNvSpPr/>
+          <p:nvPr/>
+        </p:nvSpPr>
+        <p:spPr bwMode="auto">
+          <a:xfrm>
+            <a:off x="5943427" y="2384963"/>
+            <a:ext cx="2485444" cy="2662326"/>
+          </a:xfrm>
+          <a:prstGeom prst="rect">
+            <a:avLst/>
+          </a:prstGeom>
+          <a:solidFill>
+            <a:srgbClr val="007233"/>
+          </a:solidFill>
+          <a:ln>
+            <a:noFill/>
+            <a:headEnd type="none" w="med" len="med"/>
+            <a:tailEnd type="none" w="med" len="med"/>
+          </a:ln>
+          <a:effectLst/>
+        </p:spPr>
+        <p:style>
+          <a:lnRef idx="1">
+            <a:schemeClr val="accent2"/>
+          </a:lnRef>
+          <a:fillRef idx="3">
+            <a:schemeClr val="accent2"/>
+          </a:fillRef>
+          <a:effectRef idx="2">
+            <a:schemeClr val="accent2"/>
+          </a:effectRef>
+          <a:fontRef idx="minor">
+            <a:schemeClr val="lt1"/>
+          </a:fontRef>
+        </p:style>
+        <p:txBody>
+          <a:bodyPr rot="0" spcFirstLastPara="0" vertOverflow="overflow" horzOverflow="overflow" vert="horz" wrap="square" lIns="182880" tIns="146304" rIns="182880" bIns="146304" numCol="1" spcCol="0" rtlCol="0" fromWordArt="0" anchor="t" anchorCtr="0" forceAA="0" compatLnSpc="1">
+            <a:prstTxWarp prst="textNoShape">
+              <a:avLst/>
+            </a:prstTxWarp>
+            <a:noAutofit/>
+          </a:bodyPr>
+          <a:lstStyle/>
+          <a:p>
+            <a:pPr algn="ctr" defTabSz="932472" fontAlgn="base">
+              <a:lnSpc>
+                <a:spcPct val="90000"/>
+              </a:lnSpc>
+              <a:spcBef>
+                <a:spcPct val="0"/>
+              </a:spcBef>
+              <a:spcAft>
+                <a:spcPct val="0"/>
+              </a:spcAft>
+            </a:pPr>
+            <a:endParaRPr lang="da-DK" sz="2400" dirty="0" err="1">
+              <a:gradFill>
+                <a:gsLst>
+                  <a:gs pos="0">
+                    <a:srgbClr val="FFFFFF"/>
+                  </a:gs>
+                  <a:gs pos="100000">
+                    <a:srgbClr val="FFFFFF"/>
+                  </a:gs>
+                </a:gsLst>
+                <a:lin ang="5400000" scaled="0"/>
+              </a:gradFill>
+              <a:ea typeface="Segoe UI" pitchFamily="34" charset="0"/>
+              <a:cs typeface="Segoe UI" pitchFamily="34" charset="0"/>
+            </a:endParaRPr>
+          </a:p>
+        </p:txBody>
+      </p:sp>
+      <p:sp>
+        <p:nvSpPr>
+          <p:cNvPr id="9" name="TextBox 8"/>
+          <p:cNvSpPr txBox="1"/>
+          <p:nvPr/>
+        </p:nvSpPr>
+        <p:spPr>
+          <a:xfrm>
+            <a:off x="6034866" y="1842907"/>
+            <a:ext cx="2285975" cy="572464"/>
+          </a:xfrm>
+          <a:prstGeom prst="rect">
+            <a:avLst/>
+          </a:prstGeom>
+          <a:noFill/>
+        </p:spPr>
+        <p:txBody>
+          <a:bodyPr wrap="square" lIns="182880" tIns="146304" rIns="182880" bIns="146304" rtlCol="0">
+            <a:spAutoFit/>
+          </a:bodyPr>
+          <a:lstStyle/>
+          <a:p>
+            <a:pPr algn="ctr">
+              <a:lnSpc>
+                <a:spcPct val="90000"/>
+              </a:lnSpc>
+            </a:pPr>
+            <a:r>
+              <a:rPr lang="en-US" sz="2000" dirty="0">
+                <a:gradFill>
+                  <a:gsLst>
+                    <a:gs pos="2917">
+                      <a:schemeClr val="tx1"/>
+                    </a:gs>
+                    <a:gs pos="30000">
+                      <a:schemeClr val="tx1"/>
+                    </a:gs>
+                  </a:gsLst>
+                  <a:lin ang="5400000" scaled="0"/>
+                </a:gradFill>
+              </a:rPr>
+              <a:t>Memory</a:t>
+            </a:r>
+            <a:endParaRPr lang="da-DK" sz="2000" dirty="0" err="1">
+              <a:gradFill>
+                <a:gsLst>
+                  <a:gs pos="2917">
+                    <a:schemeClr val="tx1"/>
+                  </a:gs>
+                  <a:gs pos="30000">
+                    <a:schemeClr val="tx1"/>
+                  </a:gs>
+                </a:gsLst>
+                <a:lin ang="5400000" scaled="0"/>
+              </a:gradFill>
+            </a:endParaRPr>
+          </a:p>
+        </p:txBody>
+      </p:sp>
+      <p:cxnSp>
+        <p:nvCxnSpPr>
+          <p:cNvPr id="12" name="Straight Arrow Connector 11"/>
+          <p:cNvCxnSpPr>
+            <a:stCxn id="6" idx="3"/>
+            <a:endCxn id="10" idx="1"/>
+          </p:cNvCxnSpPr>
+          <p:nvPr/>
+        </p:nvCxnSpPr>
+        <p:spPr>
+          <a:xfrm>
+            <a:off x="2834501" y="2384964"/>
+            <a:ext cx="3383243" cy="900116"/>
+          </a:xfrm>
+          <a:prstGeom prst="straightConnector1">
+            <a:avLst/>
+          </a:prstGeom>
+          <a:ln w="19050">
+            <a:solidFill>
+              <a:schemeClr val="tx1"/>
+            </a:solidFill>
+            <a:headEnd type="none"/>
+            <a:tailEnd type="triangle" w="lg" len="lg"/>
+          </a:ln>
+        </p:spPr>
+        <p:style>
+          <a:lnRef idx="1">
+            <a:schemeClr val="accent1"/>
+          </a:lnRef>
+          <a:fillRef idx="0">
+            <a:schemeClr val="accent1"/>
+          </a:fillRef>
+          <a:effectRef idx="0">
+            <a:schemeClr val="accent1"/>
+          </a:effectRef>
+          <a:fontRef idx="minor">
+            <a:schemeClr val="tx1"/>
+          </a:fontRef>
+        </p:style>
+      </p:cxnSp>
+      <p:cxnSp>
+        <p:nvCxnSpPr>
+          <p:cNvPr id="14" name="Straight Arrow Connector 13"/>
+          <p:cNvCxnSpPr>
+            <a:stCxn id="7" idx="3"/>
+            <a:endCxn id="22" idx="1"/>
+          </p:cNvCxnSpPr>
+          <p:nvPr/>
+        </p:nvCxnSpPr>
+        <p:spPr>
+          <a:xfrm flipV="1">
+            <a:off x="2834501" y="4147173"/>
+            <a:ext cx="3383243" cy="1131230"/>
+          </a:xfrm>
+          <a:prstGeom prst="straightConnector1">
+            <a:avLst/>
+          </a:prstGeom>
+          <a:ln w="19050">
+            <a:solidFill>
+              <a:schemeClr val="tx1"/>
+            </a:solidFill>
+            <a:headEnd type="none"/>
+            <a:tailEnd type="triangle" w="lg" len="lg"/>
+          </a:ln>
+        </p:spPr>
+        <p:style>
+          <a:lnRef idx="1">
+            <a:schemeClr val="accent1"/>
+          </a:lnRef>
+          <a:fillRef idx="0">
+            <a:schemeClr val="accent1"/>
+          </a:fillRef>
+          <a:effectRef idx="0">
+            <a:schemeClr val="accent1"/>
+          </a:effectRef>
+          <a:fontRef idx="minor">
+            <a:schemeClr val="tx1"/>
+          </a:fontRef>
+        </p:style>
+      </p:cxnSp>
+      <p:grpSp>
+        <p:nvGrpSpPr>
+          <p:cNvPr id="23" name="Group 22"/>
+          <p:cNvGrpSpPr/>
+          <p:nvPr/>
+        </p:nvGrpSpPr>
+        <p:grpSpPr>
+          <a:xfrm>
+            <a:off x="6217744" y="2965043"/>
+            <a:ext cx="2011658" cy="1502167"/>
+            <a:chOff x="6217744" y="3314384"/>
+            <a:chExt cx="2011658" cy="1502167"/>
+          </a:xfrm>
+        </p:grpSpPr>
+        <p:sp>
+          <p:nvSpPr>
+            <p:cNvPr id="10" name="Rounded Rectangle 9"/>
+            <p:cNvSpPr/>
+            <p:nvPr/>
+          </p:nvSpPr>
+          <p:spPr bwMode="auto">
+            <a:xfrm>
+              <a:off x="6217744" y="3314384"/>
+              <a:ext cx="2011658" cy="640074"/>
+            </a:xfrm>
+            <a:prstGeom prst="roundRect">
+              <a:avLst/>
+            </a:prstGeom>
+            <a:solidFill>
+              <a:srgbClr val="BA141A"/>
+            </a:solidFill>
+            <a:ln>
+              <a:noFill/>
+              <a:headEnd type="none" w="med" len="med"/>
+              <a:tailEnd type="none" w="med" len="med"/>
+            </a:ln>
+            <a:effectLst/>
+          </p:spPr>
+          <p:style>
+            <a:lnRef idx="1">
+              <a:schemeClr val="accent2"/>
+            </a:lnRef>
+            <a:fillRef idx="3">
+              <a:schemeClr val="accent2"/>
+            </a:fillRef>
+            <a:effectRef idx="2">
+              <a:schemeClr val="accent2"/>
+            </a:effectRef>
+            <a:fontRef idx="minor">
+              <a:schemeClr val="lt1"/>
+            </a:fontRef>
+          </p:style>
+          <p:txBody>
+            <a:bodyPr rot="0" spcFirstLastPara="0" vertOverflow="overflow" horzOverflow="overflow" vert="horz" wrap="square" lIns="182880" tIns="146304" rIns="182880" bIns="146304" numCol="1" spcCol="0" rtlCol="0" fromWordArt="0" anchor="t" anchorCtr="0" forceAA="0" compatLnSpc="1">
+              <a:prstTxWarp prst="textNoShape">
+                <a:avLst/>
+              </a:prstTxWarp>
+              <a:noAutofit/>
+            </a:bodyPr>
+            <a:lstStyle/>
+            <a:p>
+              <a:pPr algn="ctr" defTabSz="932472" fontAlgn="base">
+                <a:lnSpc>
+                  <a:spcPct val="90000"/>
+                </a:lnSpc>
+                <a:spcBef>
+                  <a:spcPct val="0"/>
+                </a:spcBef>
+                <a:spcAft>
+                  <a:spcPct val="0"/>
+                </a:spcAft>
+              </a:pPr>
+              <a:r>
+                <a:rPr lang="en-US" sz="2400" dirty="0">
+                  <a:gradFill>
+                    <a:gsLst>
+                      <a:gs pos="0">
+                        <a:srgbClr val="FFFFFF"/>
+                      </a:gs>
+                      <a:gs pos="100000">
+                        <a:srgbClr val="FFFFFF"/>
+                      </a:gs>
+                    </a:gsLst>
+                    <a:lin ang="5400000" scaled="0"/>
+                  </a:gradFill>
+                  <a:latin typeface="Consolas" panose="020B0609020204030204" pitchFamily="49" charset="0"/>
+                  <a:ea typeface="Segoe UI" pitchFamily="34" charset="0"/>
+                  <a:cs typeface="Consolas" panose="020B0609020204030204" pitchFamily="49" charset="0"/>
+                </a:rPr>
+                <a:t>i1: int</a:t>
+              </a:r>
+              <a:endParaRPr lang="da-DK" sz="2400" dirty="0" err="1">
+                <a:gradFill>
+                  <a:gsLst>
+                    <a:gs pos="0">
+                      <a:srgbClr val="FFFFFF"/>
+                    </a:gs>
+                    <a:gs pos="100000">
+                      <a:srgbClr val="FFFFFF"/>
+                    </a:gs>
+                  </a:gsLst>
+                  <a:lin ang="5400000" scaled="0"/>
+                </a:gradFill>
+                <a:latin typeface="Consolas" panose="020B0609020204030204" pitchFamily="49" charset="0"/>
+                <a:ea typeface="Segoe UI" pitchFamily="34" charset="0"/>
+                <a:cs typeface="Consolas" panose="020B0609020204030204" pitchFamily="49" charset="0"/>
+              </a:endParaRPr>
+            </a:p>
+          </p:txBody>
+        </p:sp>
+        <p:sp>
+          <p:nvSpPr>
+            <p:cNvPr id="22" name="Rounded Rectangle 21"/>
+            <p:cNvSpPr/>
+            <p:nvPr/>
+          </p:nvSpPr>
+          <p:spPr bwMode="auto">
+            <a:xfrm>
+              <a:off x="6217744" y="4176477"/>
+              <a:ext cx="2011658" cy="640074"/>
+            </a:xfrm>
+            <a:prstGeom prst="roundRect">
+              <a:avLst/>
+            </a:prstGeom>
+            <a:solidFill>
+              <a:srgbClr val="BA141A"/>
+            </a:solidFill>
+            <a:ln>
+              <a:noFill/>
+              <a:headEnd type="none" w="med" len="med"/>
+              <a:tailEnd type="none" w="med" len="med"/>
+            </a:ln>
+            <a:effectLst/>
+          </p:spPr>
+          <p:style>
+            <a:lnRef idx="1">
+              <a:schemeClr val="accent2"/>
+            </a:lnRef>
+            <a:fillRef idx="3">
+              <a:schemeClr val="accent2"/>
+            </a:fillRef>
+            <a:effectRef idx="2">
+              <a:schemeClr val="accent2"/>
+            </a:effectRef>
+            <a:fontRef idx="minor">
+              <a:schemeClr val="lt1"/>
+            </a:fontRef>
+          </p:style>
+          <p:txBody>
+            <a:bodyPr rot="0" spcFirstLastPara="0" vertOverflow="overflow" horzOverflow="overflow" vert="horz" wrap="square" lIns="182880" tIns="146304" rIns="182880" bIns="146304" numCol="1" spcCol="0" rtlCol="0" fromWordArt="0" anchor="t" anchorCtr="0" forceAA="0" compatLnSpc="1">
+              <a:prstTxWarp prst="textNoShape">
+                <a:avLst/>
+              </a:prstTxWarp>
+              <a:noAutofit/>
+            </a:bodyPr>
+            <a:lstStyle/>
+            <a:p>
+              <a:pPr algn="ctr" defTabSz="932472" fontAlgn="base">
+                <a:lnSpc>
+                  <a:spcPct val="90000"/>
+                </a:lnSpc>
+                <a:spcBef>
+                  <a:spcPct val="0"/>
+                </a:spcBef>
+                <a:spcAft>
+                  <a:spcPct val="0"/>
+                </a:spcAft>
+              </a:pPr>
+              <a:r>
+                <a:rPr lang="en-US" sz="2400" dirty="0">
+                  <a:gradFill>
+                    <a:gsLst>
+                      <a:gs pos="0">
+                        <a:srgbClr val="FFFFFF"/>
+                      </a:gs>
+                      <a:gs pos="100000">
+                        <a:srgbClr val="FFFFFF"/>
+                      </a:gs>
+                    </a:gsLst>
+                    <a:lin ang="5400000" scaled="0"/>
+                  </a:gradFill>
+                  <a:latin typeface="Consolas" panose="020B0609020204030204" pitchFamily="49" charset="0"/>
+                  <a:ea typeface="Segoe UI" pitchFamily="34" charset="0"/>
+                  <a:cs typeface="Consolas" panose="020B0609020204030204" pitchFamily="49" charset="0"/>
+                </a:rPr>
+                <a:t>i2: int</a:t>
+              </a:r>
+              <a:endParaRPr lang="da-DK" sz="2400" dirty="0" err="1">
+                <a:gradFill>
+                  <a:gsLst>
+                    <a:gs pos="0">
+                      <a:srgbClr val="FFFFFF"/>
+                    </a:gs>
+                    <a:gs pos="100000">
+                      <a:srgbClr val="FFFFFF"/>
+                    </a:gs>
+                  </a:gsLst>
+                  <a:lin ang="5400000" scaled="0"/>
+                </a:gradFill>
+                <a:latin typeface="Consolas" panose="020B0609020204030204" pitchFamily="49" charset="0"/>
+                <a:ea typeface="Segoe UI" pitchFamily="34" charset="0"/>
+                <a:cs typeface="Consolas" panose="020B0609020204030204" pitchFamily="49" charset="0"/>
+              </a:endParaRPr>
+            </a:p>
+          </p:txBody>
+        </p:sp>
+      </p:grpSp>
+      <p:sp>
+        <p:nvSpPr>
+          <p:cNvPr id="25" name="Rectangle 24"/>
+          <p:cNvSpPr/>
+          <p:nvPr/>
+        </p:nvSpPr>
+        <p:spPr>
+          <a:xfrm>
+            <a:off x="365646" y="6236856"/>
+            <a:ext cx="3749001" cy="369332"/>
+          </a:xfrm>
+          <a:prstGeom prst="rect">
+            <a:avLst/>
+          </a:prstGeom>
+          <a:solidFill>
+            <a:srgbClr val="FF8C00"/>
+          </a:solidFill>
+        </p:spPr>
+        <p:txBody>
+          <a:bodyPr wrap="square">
+            <a:spAutoFit/>
+          </a:bodyPr>
+          <a:lstStyle/>
+          <a:p>
+            <a:pPr algn="ctr"/>
+            <a:r>
+              <a:rPr lang="en-US" dirty="0" err="1">
+                <a:solidFill>
+                  <a:srgbClr val="000000"/>
+                </a:solidFill>
+                <a:latin typeface="Consolas" panose="020B0609020204030204" pitchFamily="49" charset="0"/>
+                <a:cs typeface="Consolas" panose="020B0609020204030204" pitchFamily="49" charset="0"/>
+              </a:rPr>
+              <a:t>ReferenceEquals</a:t>
+            </a:r>
+            <a:r>
+              <a:rPr lang="en-US" dirty="0">
+                <a:solidFill>
+                  <a:srgbClr val="000000"/>
+                </a:solidFill>
+                <a:cs typeface="Consolas" panose="020B0609020204030204" pitchFamily="49" charset="0"/>
+              </a:rPr>
+              <a:t> is always </a:t>
+            </a:r>
+            <a:r>
+              <a:rPr lang="en-US" i="1" dirty="0">
+                <a:solidFill>
+                  <a:srgbClr val="000000"/>
+                </a:solidFill>
+                <a:latin typeface="Consolas" panose="020B0609020204030204" pitchFamily="49" charset="0"/>
+                <a:cs typeface="Consolas" panose="020B0609020204030204" pitchFamily="49" charset="0"/>
+              </a:rPr>
+              <a:t>false</a:t>
+            </a:r>
+            <a:endParaRPr lang="da-DK" i="1" dirty="0">
+              <a:latin typeface="Consolas" panose="020B0609020204030204" pitchFamily="49" charset="0"/>
+              <a:cs typeface="Consolas" panose="020B0609020204030204" pitchFamily="49" charset="0"/>
+            </a:endParaRPr>
+          </a:p>
+        </p:txBody>
+      </p:sp>
+    </p:spTree>
+    <p:extLst>
+      <p:ext uri="{BB962C8B-B14F-4D97-AF65-F5344CB8AC3E}">
+        <p14:creationId xmlns:p14="http://schemas.microsoft.com/office/powerpoint/2010/main" val="3728244699"/>
+      </p:ext>
+    </p:extLst>
+  </p:cSld>
+  <p:clrMapOvr>
+    <a:masterClrMapping/>
+  </p:clrMapOvr>
+  <p:transition>
+    <p:fade/>
+  </p:transition>
+</p:sld>
+</file>
+
+<file path=ppt/slides/slide21.xml><?xml version="1.0" encoding="utf-8"?>
+<p:sld xmlns:a="http://schemas.openxmlformats.org/drawingml/2006/main" xmlns:r="http://schemas.openxmlformats.org/officeDocument/2006/relationships" xmlns:p="http://schemas.openxmlformats.org/presentationml/2006/main">
+  <p:cSld>
+    <p:spTree>
+      <p:nvGrpSpPr>
+        <p:cNvPr id="1" name=""/>
+        <p:cNvGrpSpPr/>
+        <p:nvPr/>
+      </p:nvGrpSpPr>
+      <p:grpSpPr>
+        <a:xfrm>
+          <a:off x="0" y="0"/>
+          <a:ext cx="0" cy="0"/>
+          <a:chOff x="0" y="0"/>
+          <a:chExt cx="0" cy="0"/>
+        </a:xfrm>
+      </p:grpSpPr>
+      <p:sp>
+        <p:nvSpPr>
+          <p:cNvPr id="3" name="Title 1"/>
+          <p:cNvSpPr txBox="1">
+            <a:spLocks/>
+          </p:cNvSpPr>
+          <p:nvPr/>
+        </p:nvSpPr>
+        <p:spPr>
+          <a:xfrm>
+            <a:off x="274209" y="479775"/>
+            <a:ext cx="8778240" cy="1354146"/>
+          </a:xfrm>
+          <a:prstGeom prst="rect">
+            <a:avLst/>
+          </a:prstGeom>
+        </p:spPr>
+        <p:txBody>
+          <a:bodyPr/>
+          <a:lstStyle>
+            <a:lvl1pPr algn="l" defTabSz="932742" rtl="0" eaLnBrk="1" latinLnBrk="0" hangingPunct="1">
+              <a:lnSpc>
+                <a:spcPct val="90000"/>
+              </a:lnSpc>
+              <a:spcBef>
+                <a:spcPct val="0"/>
+              </a:spcBef>
+              <a:buNone/>
+              <a:defRPr lang="en-US" sz="4800" b="0" kern="1200" cap="none" spc="-102" baseline="0" dirty="0" smtClean="0">
+                <a:ln w="3175">
+                  <a:noFill/>
+                </a:ln>
+                <a:gradFill>
+                  <a:gsLst>
+                    <a:gs pos="1250">
+                      <a:schemeClr val="tx1"/>
+                    </a:gs>
+                    <a:gs pos="100000">
+                      <a:schemeClr val="tx1"/>
+                    </a:gs>
+                  </a:gsLst>
+                  <a:lin ang="5400000" scaled="0"/>
+                </a:gradFill>
+                <a:effectLst/>
+                <a:latin typeface="+mj-lt"/>
+                <a:ea typeface="+mn-ea"/>
+                <a:cs typeface="Segoe UI" pitchFamily="34" charset="0"/>
+              </a:defRPr>
+            </a:lvl1pPr>
+          </a:lstStyle>
+          <a:p>
+            <a:r>
+              <a:rPr lang="da-DK" sz="7200" dirty="0"/>
               <a:t>Reference Types</a:t>
             </a:r>
           </a:p>
@@ -12463,7 +12711,7 @@
 </p:sld>
 </file>
 
-<file path=ppt/slides/slide21.xml><?xml version="1.0" encoding="utf-8"?>
+<file path=ppt/slides/slide22.xml><?xml version="1.0" encoding="utf-8"?>
 <p:sld xmlns:a="http://schemas.openxmlformats.org/drawingml/2006/main" xmlns:r="http://schemas.openxmlformats.org/officeDocument/2006/relationships" xmlns:p="http://schemas.openxmlformats.org/presentationml/2006/main">
   <p:cSld>
     <p:spTree>
@@ -12679,7 +12927,7 @@
 </p:sld>
 </file>
 
-<file path=ppt/slides/slide22.xml><?xml version="1.0" encoding="utf-8"?>
+<file path=ppt/slides/slide23.xml><?xml version="1.0" encoding="utf-8"?>
 <p:sld xmlns:a="http://schemas.openxmlformats.org/drawingml/2006/main" xmlns:r="http://schemas.openxmlformats.org/officeDocument/2006/relationships" xmlns:p="http://schemas.openxmlformats.org/presentationml/2006/main">
   <p:cSld>
     <p:bg>
@@ -12863,7 +13111,7 @@
 </p:sld>
 </file>
 
-<file path=ppt/slides/slide23.xml><?xml version="1.0" encoding="utf-8"?>
+<file path=ppt/slides/slide24.xml><?xml version="1.0" encoding="utf-8"?>
 <p:sld xmlns:a="http://schemas.openxmlformats.org/drawingml/2006/main" xmlns:r="http://schemas.openxmlformats.org/officeDocument/2006/relationships" xmlns:p="http://schemas.openxmlformats.org/presentationml/2006/main">
   <p:cSld>
     <p:bg>
@@ -13279,364 +13527,6 @@
     <p:extLst>
       <p:ext uri="{BB962C8B-B14F-4D97-AF65-F5344CB8AC3E}">
         <p14:creationId xmlns:p14="http://schemas.microsoft.com/office/powerpoint/2010/main" val="549276976"/>
-      </p:ext>
-    </p:extLst>
-  </p:cSld>
-  <p:clrMapOvr>
-    <a:masterClrMapping/>
-  </p:clrMapOvr>
-  <p:transition>
-    <p:fade/>
-  </p:transition>
-</p:sld>
-</file>
-
-<file path=ppt/slides/slide24.xml><?xml version="1.0" encoding="utf-8"?>
-<p:sld xmlns:a="http://schemas.openxmlformats.org/drawingml/2006/main" xmlns:r="http://schemas.openxmlformats.org/officeDocument/2006/relationships" xmlns:p="http://schemas.openxmlformats.org/presentationml/2006/main">
-  <p:cSld>
-    <p:spTree>
-      <p:nvGrpSpPr>
-        <p:cNvPr id="1" name=""/>
-        <p:cNvGrpSpPr/>
-        <p:nvPr/>
-      </p:nvGrpSpPr>
-      <p:grpSpPr>
-        <a:xfrm>
-          <a:off x="0" y="0"/>
-          <a:ext cx="0" cy="0"/>
-          <a:chOff x="0" y="0"/>
-          <a:chExt cx="0" cy="0"/>
-        </a:xfrm>
-      </p:grpSpPr>
-      <p:sp>
-        <p:nvSpPr>
-          <p:cNvPr id="2" name="Title 1"/>
-          <p:cNvSpPr txBox="1">
-            <a:spLocks/>
-          </p:cNvSpPr>
-          <p:nvPr/>
-        </p:nvSpPr>
-        <p:spPr>
-          <a:xfrm>
-            <a:off x="274209" y="2125677"/>
-            <a:ext cx="8778240" cy="1354146"/>
-          </a:xfrm>
-          <a:prstGeom prst="rect">
-            <a:avLst/>
-          </a:prstGeom>
-        </p:spPr>
-        <p:txBody>
-          <a:bodyPr/>
-          <a:lstStyle>
-            <a:lvl1pPr algn="l" defTabSz="932742" rtl="0" eaLnBrk="1" latinLnBrk="0" hangingPunct="1">
-              <a:lnSpc>
-                <a:spcPct val="90000"/>
-              </a:lnSpc>
-              <a:spcBef>
-                <a:spcPct val="0"/>
-              </a:spcBef>
-              <a:buNone/>
-              <a:defRPr lang="en-US" sz="4800" b="0" kern="1200" cap="none" spc="-102" baseline="0" dirty="0" smtClean="0">
-                <a:ln w="3175">
-                  <a:noFill/>
-                </a:ln>
-                <a:gradFill>
-                  <a:gsLst>
-                    <a:gs pos="1250">
-                      <a:schemeClr val="tx1"/>
-                    </a:gs>
-                    <a:gs pos="100000">
-                      <a:schemeClr val="tx1"/>
-                    </a:gs>
-                  </a:gsLst>
-                  <a:lin ang="5400000" scaled="0"/>
-                </a:gradFill>
-                <a:effectLst/>
-                <a:latin typeface="+mj-lt"/>
-                <a:ea typeface="+mn-ea"/>
-                <a:cs typeface="Segoe UI" pitchFamily="34" charset="0"/>
-              </a:defRPr>
-            </a:lvl1pPr>
-          </a:lstStyle>
-          <a:p>
-            <a:endParaRPr lang="da-DK" sz="5400" dirty="0"/>
-          </a:p>
-        </p:txBody>
-      </p:sp>
-      <p:sp>
-        <p:nvSpPr>
-          <p:cNvPr id="3" name="Title 2"/>
-          <p:cNvSpPr txBox="1">
-            <a:spLocks/>
-          </p:cNvSpPr>
-          <p:nvPr/>
-        </p:nvSpPr>
-        <p:spPr>
-          <a:xfrm>
-            <a:off x="274209" y="3771565"/>
-            <a:ext cx="8778240" cy="1005843"/>
-          </a:xfrm>
-          <a:prstGeom prst="rect">
-            <a:avLst/>
-          </a:prstGeom>
-        </p:spPr>
-        <p:txBody>
-          <a:bodyPr/>
-          <a:lstStyle>
-            <a:lvl1pPr algn="l" defTabSz="932742" rtl="0" eaLnBrk="1" latinLnBrk="0" hangingPunct="1">
-              <a:lnSpc>
-                <a:spcPct val="90000"/>
-              </a:lnSpc>
-              <a:spcBef>
-                <a:spcPct val="0"/>
-              </a:spcBef>
-              <a:buNone/>
-              <a:defRPr lang="en-US" sz="4800" b="0" kern="1200" cap="none" spc="-102" baseline="0" dirty="0" smtClean="0">
-                <a:ln w="3175">
-                  <a:noFill/>
-                </a:ln>
-                <a:gradFill>
-                  <a:gsLst>
-                    <a:gs pos="1250">
-                      <a:schemeClr val="tx1"/>
-                    </a:gs>
-                    <a:gs pos="100000">
-                      <a:schemeClr val="tx1"/>
-                    </a:gs>
-                  </a:gsLst>
-                  <a:lin ang="5400000" scaled="0"/>
-                </a:gradFill>
-                <a:effectLst/>
-                <a:latin typeface="+mj-lt"/>
-                <a:ea typeface="+mn-ea"/>
-                <a:cs typeface="Segoe UI" pitchFamily="34" charset="0"/>
-              </a:defRPr>
-            </a:lvl1pPr>
-          </a:lstStyle>
-          <a:p>
-            <a:r>
-              <a:rPr lang="en-US" sz="4400" b="1" dirty="0" err="1">
-                <a:latin typeface="Consolas" panose="020B0609020204030204" pitchFamily="49" charset="0"/>
-                <a:cs typeface="Consolas" panose="020B0609020204030204" pitchFamily="49" charset="0"/>
-              </a:rPr>
-              <a:t>var</a:t>
-            </a:r>
-            <a:r>
-              <a:rPr lang="en-US" sz="4400" dirty="0">
-                <a:latin typeface="Consolas" panose="020B0609020204030204" pitchFamily="49" charset="0"/>
-                <a:cs typeface="Consolas" panose="020B0609020204030204" pitchFamily="49" charset="0"/>
-              </a:rPr>
-              <a:t> </a:t>
-            </a:r>
-            <a:r>
-              <a:rPr lang="en-US" sz="4400" i="1" dirty="0">
-                <a:latin typeface="Consolas" panose="020B0609020204030204" pitchFamily="49" charset="0"/>
-                <a:cs typeface="Consolas" panose="020B0609020204030204" pitchFamily="49" charset="0"/>
-              </a:rPr>
-              <a:t>identifier</a:t>
-            </a:r>
-            <a:r>
-              <a:rPr lang="en-US" sz="4400" dirty="0">
-                <a:latin typeface="Consolas" panose="020B0609020204030204" pitchFamily="49" charset="0"/>
-                <a:cs typeface="Consolas" panose="020B0609020204030204" pitchFamily="49" charset="0"/>
-              </a:rPr>
-              <a:t> = </a:t>
-            </a:r>
-            <a:r>
-              <a:rPr lang="en-US" sz="4400" i="1" dirty="0">
-                <a:latin typeface="Consolas" panose="020B0609020204030204" pitchFamily="49" charset="0"/>
-                <a:cs typeface="Consolas" panose="020B0609020204030204" pitchFamily="49" charset="0"/>
-              </a:rPr>
-              <a:t>expression;</a:t>
-            </a:r>
-          </a:p>
-        </p:txBody>
-      </p:sp>
-      <p:sp>
-        <p:nvSpPr>
-          <p:cNvPr id="4" name="Cloud Callout 3"/>
-          <p:cNvSpPr/>
-          <p:nvPr/>
-        </p:nvSpPr>
-        <p:spPr bwMode="auto">
-          <a:xfrm>
-            <a:off x="1005721" y="4594530"/>
-            <a:ext cx="3657560" cy="1645902"/>
-          </a:xfrm>
-          <a:prstGeom prst="cloudCallout">
-            <a:avLst>
-              <a:gd name="adj1" fmla="val -49686"/>
-              <a:gd name="adj2" fmla="val -62218"/>
-            </a:avLst>
-          </a:prstGeom>
-          <a:solidFill>
-            <a:srgbClr val="007233"/>
-          </a:solidFill>
-          <a:ln>
-            <a:noFill/>
-            <a:headEnd type="none" w="med" len="med"/>
-            <a:tailEnd type="none" w="med" len="med"/>
-          </a:ln>
-          <a:effectLst/>
-        </p:spPr>
-        <p:style>
-          <a:lnRef idx="1">
-            <a:schemeClr val="accent2"/>
-          </a:lnRef>
-          <a:fillRef idx="3">
-            <a:schemeClr val="accent2"/>
-          </a:fillRef>
-          <a:effectRef idx="2">
-            <a:schemeClr val="accent2"/>
-          </a:effectRef>
-          <a:fontRef idx="minor">
-            <a:schemeClr val="lt1"/>
-          </a:fontRef>
-        </p:style>
-        <p:txBody>
-          <a:bodyPr rot="0" spcFirstLastPara="0" vertOverflow="overflow" horzOverflow="overflow" vert="horz" wrap="square" lIns="182880" tIns="146304" rIns="182880" bIns="146304" numCol="1" spcCol="0" rtlCol="0" fromWordArt="0" anchor="t" anchorCtr="0" forceAA="0" compatLnSpc="1">
-            <a:prstTxWarp prst="textNoShape">
-              <a:avLst/>
-            </a:prstTxWarp>
-            <a:noAutofit/>
-          </a:bodyPr>
-          <a:lstStyle/>
-          <a:p>
-            <a:pPr algn="ctr" defTabSz="932472" fontAlgn="base">
-              <a:lnSpc>
-                <a:spcPct val="90000"/>
-              </a:lnSpc>
-              <a:spcBef>
-                <a:spcPct val="0"/>
-              </a:spcBef>
-              <a:spcAft>
-                <a:spcPct val="0"/>
-              </a:spcAft>
-            </a:pPr>
-            <a:r>
-              <a:rPr lang="en-US" sz="2400" dirty="0" err="1">
-                <a:gradFill>
-                  <a:gsLst>
-                    <a:gs pos="0">
-                      <a:srgbClr val="FFFFFF"/>
-                    </a:gs>
-                    <a:gs pos="100000">
-                      <a:srgbClr val="FFFFFF"/>
-                    </a:gs>
-                  </a:gsLst>
-                  <a:lin ang="5400000" scaled="0"/>
-                </a:gradFill>
-                <a:ea typeface="Segoe UI" pitchFamily="34" charset="0"/>
-                <a:cs typeface="Segoe UI" pitchFamily="34" charset="0"/>
-              </a:rPr>
-              <a:t>var</a:t>
-            </a:r>
-            <a:r>
-              <a:rPr lang="en-US" sz="2400" dirty="0">
-                <a:gradFill>
-                  <a:gsLst>
-                    <a:gs pos="0">
-                      <a:srgbClr val="FFFFFF"/>
-                    </a:gs>
-                    <a:gs pos="100000">
-                      <a:srgbClr val="FFFFFF"/>
-                    </a:gs>
-                  </a:gsLst>
-                  <a:lin ang="5400000" scaled="0"/>
-                </a:gradFill>
-                <a:ea typeface="Segoe UI" pitchFamily="34" charset="0"/>
-                <a:cs typeface="Segoe UI" pitchFamily="34" charset="0"/>
-              </a:rPr>
-              <a:t> is a keyword, not a type</a:t>
-            </a:r>
-            <a:endParaRPr lang="da-DK" sz="2400" dirty="0" err="1">
-              <a:gradFill>
-                <a:gsLst>
-                  <a:gs pos="0">
-                    <a:srgbClr val="FFFFFF"/>
-                  </a:gs>
-                  <a:gs pos="100000">
-                    <a:srgbClr val="FFFFFF"/>
-                  </a:gs>
-                </a:gsLst>
-                <a:lin ang="5400000" scaled="0"/>
-              </a:gradFill>
-              <a:ea typeface="Segoe UI" pitchFamily="34" charset="0"/>
-              <a:cs typeface="Segoe UI" pitchFamily="34" charset="0"/>
-            </a:endParaRPr>
-          </a:p>
-        </p:txBody>
-      </p:sp>
-      <p:sp>
-        <p:nvSpPr>
-          <p:cNvPr id="5" name="Title 1"/>
-          <p:cNvSpPr txBox="1">
-            <a:spLocks/>
-          </p:cNvSpPr>
-          <p:nvPr/>
-        </p:nvSpPr>
-        <p:spPr>
-          <a:xfrm>
-            <a:off x="273600" y="632175"/>
-            <a:ext cx="8778240" cy="1354146"/>
-          </a:xfrm>
-          <a:prstGeom prst="rect">
-            <a:avLst/>
-          </a:prstGeom>
-        </p:spPr>
-        <p:txBody>
-          <a:bodyPr/>
-          <a:lstStyle>
-            <a:lvl1pPr algn="l" defTabSz="932742" rtl="0" eaLnBrk="1" latinLnBrk="0" hangingPunct="1">
-              <a:lnSpc>
-                <a:spcPct val="90000"/>
-              </a:lnSpc>
-              <a:spcBef>
-                <a:spcPct val="0"/>
-              </a:spcBef>
-              <a:buNone/>
-              <a:defRPr lang="en-US" sz="4800" b="0" kern="1200" cap="none" spc="-102" baseline="0" dirty="0" smtClean="0">
-                <a:ln w="3175">
-                  <a:noFill/>
-                </a:ln>
-                <a:gradFill>
-                  <a:gsLst>
-                    <a:gs pos="1250">
-                      <a:schemeClr val="tx1"/>
-                    </a:gs>
-                    <a:gs pos="100000">
-                      <a:schemeClr val="tx1"/>
-                    </a:gs>
-                  </a:gsLst>
-                  <a:lin ang="5400000" scaled="0"/>
-                </a:gradFill>
-                <a:effectLst/>
-                <a:latin typeface="+mj-lt"/>
-                <a:ea typeface="+mn-ea"/>
-                <a:cs typeface="Segoe UI" pitchFamily="34" charset="0"/>
-              </a:defRPr>
-            </a:lvl1pPr>
-          </a:lstStyle>
-          <a:p>
-            <a:r>
-              <a:rPr lang="da-DK" sz="7200" dirty="0"/>
-              <a:t>Local Variable Type </a:t>
-            </a:r>
-            <a:r>
-              <a:rPr lang="da-DK" sz="7200" dirty="0" err="1"/>
-              <a:t>Inference</a:t>
-            </a:r>
-            <a:endParaRPr lang="da-DK" sz="7200" dirty="0"/>
-          </a:p>
-          <a:p>
-            <a:endParaRPr lang="da-DK" sz="7200" dirty="0"/>
-          </a:p>
-        </p:txBody>
-      </p:sp>
-    </p:spTree>
-    <p:extLst>
-      <p:ext uri="{BB962C8B-B14F-4D97-AF65-F5344CB8AC3E}">
-        <p14:creationId xmlns:p14="http://schemas.microsoft.com/office/powerpoint/2010/main" val="3191644396"/>
       </p:ext>
     </p:extLst>
   </p:cSld>
@@ -13717,222 +13607,217 @@
             </a:lvl1pPr>
           </a:lstStyle>
           <a:p>
-            <a:r>
-              <a:rPr lang="en-US" sz="2400" dirty="0">
-                <a:latin typeface="Consolas" panose="020B0609020204030204" pitchFamily="49" charset="0"/>
-                <a:cs typeface="Consolas" panose="020B0609020204030204" pitchFamily="49" charset="0"/>
-              </a:rPr>
-              <a:t>public </a:t>
-            </a:r>
-            <a:r>
-              <a:rPr lang="en-US" sz="2400" dirty="0" err="1">
-                <a:latin typeface="Consolas" panose="020B0609020204030204" pitchFamily="49" charset="0"/>
-                <a:cs typeface="Consolas" panose="020B0609020204030204" pitchFamily="49" charset="0"/>
-              </a:rPr>
-              <a:t>enum</a:t>
-            </a:r>
-            <a:r>
-              <a:rPr lang="en-US" sz="2400" dirty="0">
-                <a:latin typeface="Consolas" panose="020B0609020204030204" pitchFamily="49" charset="0"/>
-                <a:cs typeface="Consolas" panose="020B0609020204030204" pitchFamily="49" charset="0"/>
-              </a:rPr>
-              <a:t> Day { Mon, Tue, Wed, Thu, Fri, Sat, Sun }</a:t>
-            </a:r>
-          </a:p>
-          <a:p>
-            <a:endParaRPr lang="en-US" sz="2400" dirty="0">
-              <a:latin typeface="Consolas" panose="020B0609020204030204" pitchFamily="49" charset="0"/>
-              <a:cs typeface="Consolas" panose="020B0609020204030204" pitchFamily="49" charset="0"/>
-            </a:endParaRPr>
-          </a:p>
-          <a:p>
-            <a:r>
-              <a:rPr lang="en-US" sz="2400" dirty="0">
-                <a:latin typeface="Consolas" panose="020B0609020204030204" pitchFamily="49" charset="0"/>
-                <a:cs typeface="Consolas" panose="020B0609020204030204" pitchFamily="49" charset="0"/>
-              </a:rPr>
-              <a:t>public </a:t>
-            </a:r>
-            <a:r>
-              <a:rPr lang="en-US" sz="2400" dirty="0" err="1">
-                <a:latin typeface="Consolas" panose="020B0609020204030204" pitchFamily="49" charset="0"/>
-                <a:cs typeface="Consolas" panose="020B0609020204030204" pitchFamily="49" charset="0"/>
-              </a:rPr>
-              <a:t>enum</a:t>
-            </a:r>
-            <a:r>
-              <a:rPr lang="en-US" sz="2400" dirty="0">
-                <a:latin typeface="Consolas" panose="020B0609020204030204" pitchFamily="49" charset="0"/>
-                <a:cs typeface="Consolas" panose="020B0609020204030204" pitchFamily="49" charset="0"/>
-              </a:rPr>
-              <a:t> Month : </a:t>
-            </a:r>
-            <a:r>
-              <a:rPr lang="en-US" sz="2400" dirty="0" err="1">
-                <a:latin typeface="Consolas" panose="020B0609020204030204" pitchFamily="49" charset="0"/>
-                <a:cs typeface="Consolas" panose="020B0609020204030204" pitchFamily="49" charset="0"/>
-              </a:rPr>
-              <a:t>uint</a:t>
-            </a:r>
-            <a:r>
-              <a:rPr lang="en-US" sz="2400" dirty="0">
-                <a:latin typeface="Consolas" panose="020B0609020204030204" pitchFamily="49" charset="0"/>
-                <a:cs typeface="Consolas" panose="020B0609020204030204" pitchFamily="49" charset="0"/>
-              </a:rPr>
-              <a:t> { Jan = 1, Feb, Mar, }</a:t>
-            </a:r>
-          </a:p>
-          <a:p>
-            <a:endParaRPr lang="en-US" sz="2400" dirty="0">
-              <a:latin typeface="Consolas" panose="020B0609020204030204" pitchFamily="49" charset="0"/>
-              <a:cs typeface="Consolas" panose="020B0609020204030204" pitchFamily="49" charset="0"/>
-            </a:endParaRPr>
-          </a:p>
-          <a:p>
-            <a:r>
-              <a:rPr lang="en-US" sz="2400" dirty="0">
-                <a:latin typeface="Consolas" panose="020B0609020204030204" pitchFamily="49" charset="0"/>
-                <a:cs typeface="Consolas" panose="020B0609020204030204" pitchFamily="49" charset="0"/>
-              </a:rPr>
-              <a:t>public </a:t>
-            </a:r>
-            <a:r>
-              <a:rPr lang="en-US" sz="2400" dirty="0" err="1">
-                <a:latin typeface="Consolas" panose="020B0609020204030204" pitchFamily="49" charset="0"/>
-                <a:cs typeface="Consolas" panose="020B0609020204030204" pitchFamily="49" charset="0"/>
-              </a:rPr>
-              <a:t>enum</a:t>
-            </a:r>
-            <a:r>
-              <a:rPr lang="en-US" sz="2400" dirty="0">
-                <a:latin typeface="Consolas" panose="020B0609020204030204" pitchFamily="49" charset="0"/>
-                <a:cs typeface="Consolas" panose="020B0609020204030204" pitchFamily="49" charset="0"/>
-              </a:rPr>
-              <a:t> Color : </a:t>
-            </a:r>
-            <a:r>
-              <a:rPr lang="en-US" sz="2400" dirty="0" err="1">
-                <a:latin typeface="Consolas" panose="020B0609020204030204" pitchFamily="49" charset="0"/>
-                <a:cs typeface="Consolas" panose="020B0609020204030204" pitchFamily="49" charset="0"/>
-              </a:rPr>
-              <a:t>uint</a:t>
-            </a:r>
-            <a:r>
-              <a:rPr lang="en-US" sz="2400" dirty="0">
-                <a:latin typeface="Consolas" panose="020B0609020204030204" pitchFamily="49" charset="0"/>
-                <a:cs typeface="Consolas" panose="020B0609020204030204" pitchFamily="49" charset="0"/>
-              </a:rPr>
-              <a:t> { Red = 0xFF0000, </a:t>
-            </a:r>
-          </a:p>
-          <a:p>
-            <a:r>
-              <a:rPr lang="en-US" sz="2400" dirty="0">
-                <a:latin typeface="Consolas" panose="020B0609020204030204" pitchFamily="49" charset="0"/>
-                <a:cs typeface="Consolas" panose="020B0609020204030204" pitchFamily="49" charset="0"/>
-              </a:rPr>
-              <a:t>				   Green = 0x00FF00, </a:t>
-            </a:r>
-          </a:p>
-          <a:p>
-            <a:r>
-              <a:rPr lang="en-US" sz="2400" dirty="0">
-                <a:latin typeface="Consolas" panose="020B0609020204030204" pitchFamily="49" charset="0"/>
-                <a:cs typeface="Consolas" panose="020B0609020204030204" pitchFamily="49" charset="0"/>
-              </a:rPr>
-              <a:t>                           Blue = 0x0000FF }</a:t>
-            </a:r>
-          </a:p>
-          <a:p>
-            <a:endParaRPr lang="en-US" sz="2400" dirty="0">
-              <a:latin typeface="Consolas" panose="020B0609020204030204" pitchFamily="49" charset="0"/>
-              <a:cs typeface="Consolas" panose="020B0609020204030204" pitchFamily="49" charset="0"/>
-            </a:endParaRPr>
-          </a:p>
-          <a:p>
-            <a:r>
-              <a:rPr lang="en-US" sz="2400" dirty="0">
-                <a:latin typeface="Consolas" panose="020B0609020204030204" pitchFamily="49" charset="0"/>
-                <a:cs typeface="Consolas" panose="020B0609020204030204" pitchFamily="49" charset="0"/>
-              </a:rPr>
-              <a:t>Vehicle car = new Vehicle();</a:t>
-            </a:r>
-          </a:p>
-          <a:p>
-            <a:r>
-              <a:rPr lang="en-US" sz="2400" dirty="0" err="1">
-                <a:latin typeface="Consolas" panose="020B0609020204030204" pitchFamily="49" charset="0"/>
-                <a:cs typeface="Consolas" panose="020B0609020204030204" pitchFamily="49" charset="0"/>
-              </a:rPr>
-              <a:t>car.Color</a:t>
-            </a:r>
-            <a:r>
-              <a:rPr lang="en-US" sz="2400" dirty="0">
-                <a:latin typeface="Consolas" panose="020B0609020204030204" pitchFamily="49" charset="0"/>
-                <a:cs typeface="Consolas" panose="020B0609020204030204" pitchFamily="49" charset="0"/>
-              </a:rPr>
-              <a:t> = </a:t>
-            </a:r>
-            <a:r>
-              <a:rPr lang="en-US" sz="2400" dirty="0" err="1">
-                <a:latin typeface="Consolas" panose="020B0609020204030204" pitchFamily="49" charset="0"/>
-                <a:cs typeface="Consolas" panose="020B0609020204030204" pitchFamily="49" charset="0"/>
-              </a:rPr>
-              <a:t>Color.Red</a:t>
-            </a:r>
-            <a:r>
-              <a:rPr lang="en-US" sz="2400" dirty="0">
-                <a:latin typeface="Consolas" panose="020B0609020204030204" pitchFamily="49" charset="0"/>
-                <a:cs typeface="Consolas" panose="020B0609020204030204" pitchFamily="49" charset="0"/>
-              </a:rPr>
-              <a:t>;</a:t>
-            </a:r>
-          </a:p>
-          <a:p>
-            <a:endParaRPr lang="en-US" sz="2400" dirty="0">
-              <a:latin typeface="Consolas" panose="020B0609020204030204" pitchFamily="49" charset="0"/>
-              <a:cs typeface="Consolas" panose="020B0609020204030204" pitchFamily="49" charset="0"/>
-            </a:endParaRPr>
-          </a:p>
-          <a:p>
-            <a:r>
-              <a:rPr lang="en-US" sz="2400" dirty="0" err="1">
-                <a:latin typeface="Consolas" panose="020B0609020204030204" pitchFamily="49" charset="0"/>
-                <a:cs typeface="Consolas" panose="020B0609020204030204" pitchFamily="49" charset="0"/>
-              </a:rPr>
-              <a:t>Console.Write</a:t>
-            </a:r>
-            <a:r>
-              <a:rPr lang="en-US" sz="2400" dirty="0">
-                <a:latin typeface="Consolas" panose="020B0609020204030204" pitchFamily="49" charset="0"/>
-                <a:cs typeface="Consolas" panose="020B0609020204030204" pitchFamily="49" charset="0"/>
-              </a:rPr>
-              <a:t>(</a:t>
-            </a:r>
-            <a:r>
-              <a:rPr lang="en-US" sz="2400" dirty="0" err="1">
-                <a:latin typeface="Consolas" panose="020B0609020204030204" pitchFamily="49" charset="0"/>
-                <a:cs typeface="Consolas" panose="020B0609020204030204" pitchFamily="49" charset="0"/>
-              </a:rPr>
-              <a:t>Day.Mon</a:t>
-            </a:r>
-            <a:r>
-              <a:rPr lang="en-US" sz="2400" dirty="0">
-                <a:latin typeface="Consolas" panose="020B0609020204030204" pitchFamily="49" charset="0"/>
-                <a:cs typeface="Consolas" panose="020B0609020204030204" pitchFamily="49" charset="0"/>
-              </a:rPr>
-              <a:t>);</a:t>
-            </a:r>
-            <a:endParaRPr lang="da-DK" sz="2400" dirty="0">
-              <a:latin typeface="Consolas" panose="020B0609020204030204" pitchFamily="49" charset="0"/>
-              <a:cs typeface="Consolas" panose="020B0609020204030204" pitchFamily="49" charset="0"/>
-            </a:endParaRPr>
+            <a:endParaRPr lang="da-DK" sz="5400" dirty="0"/>
           </a:p>
         </p:txBody>
       </p:sp>
       <p:sp>
         <p:nvSpPr>
-          <p:cNvPr id="3" name="Title 1"/>
+          <p:cNvPr id="3" name="Title 2"/>
+          <p:cNvSpPr txBox="1">
+            <a:spLocks/>
+          </p:cNvSpPr>
+          <p:nvPr/>
+        </p:nvSpPr>
+        <p:spPr>
+          <a:xfrm>
+            <a:off x="274209" y="3771565"/>
+            <a:ext cx="8778240" cy="1005843"/>
+          </a:xfrm>
+          <a:prstGeom prst="rect">
+            <a:avLst/>
+          </a:prstGeom>
+        </p:spPr>
+        <p:txBody>
+          <a:bodyPr/>
+          <a:lstStyle>
+            <a:lvl1pPr algn="l" defTabSz="932742" rtl="0" eaLnBrk="1" latinLnBrk="0" hangingPunct="1">
+              <a:lnSpc>
+                <a:spcPct val="90000"/>
+              </a:lnSpc>
+              <a:spcBef>
+                <a:spcPct val="0"/>
+              </a:spcBef>
+              <a:buNone/>
+              <a:defRPr lang="en-US" sz="4800" b="0" kern="1200" cap="none" spc="-102" baseline="0" dirty="0" smtClean="0">
+                <a:ln w="3175">
+                  <a:noFill/>
+                </a:ln>
+                <a:gradFill>
+                  <a:gsLst>
+                    <a:gs pos="1250">
+                      <a:schemeClr val="tx1"/>
+                    </a:gs>
+                    <a:gs pos="100000">
+                      <a:schemeClr val="tx1"/>
+                    </a:gs>
+                  </a:gsLst>
+                  <a:lin ang="5400000" scaled="0"/>
+                </a:gradFill>
+                <a:effectLst/>
+                <a:latin typeface="+mj-lt"/>
+                <a:ea typeface="+mn-ea"/>
+                <a:cs typeface="Segoe UI" pitchFamily="34" charset="0"/>
+              </a:defRPr>
+            </a:lvl1pPr>
+          </a:lstStyle>
+          <a:p>
+            <a:r>
+              <a:rPr lang="en-US" sz="4400" b="1" dirty="0" err="1">
+                <a:latin typeface="Consolas" panose="020B0609020204030204" pitchFamily="49" charset="0"/>
+                <a:cs typeface="Consolas" panose="020B0609020204030204" pitchFamily="49" charset="0"/>
+              </a:rPr>
+              <a:t>var</a:t>
+            </a:r>
+            <a:r>
+              <a:rPr lang="en-US" sz="4400" dirty="0">
+                <a:latin typeface="Consolas" panose="020B0609020204030204" pitchFamily="49" charset="0"/>
+                <a:cs typeface="Consolas" panose="020B0609020204030204" pitchFamily="49" charset="0"/>
+              </a:rPr>
+              <a:t> </a:t>
+            </a:r>
+            <a:r>
+              <a:rPr lang="en-US" sz="4400" i="1" dirty="0">
+                <a:latin typeface="Consolas" panose="020B0609020204030204" pitchFamily="49" charset="0"/>
+                <a:cs typeface="Consolas" panose="020B0609020204030204" pitchFamily="49" charset="0"/>
+              </a:rPr>
+              <a:t>identifier</a:t>
+            </a:r>
+            <a:r>
+              <a:rPr lang="en-US" sz="4400" dirty="0">
+                <a:latin typeface="Consolas" panose="020B0609020204030204" pitchFamily="49" charset="0"/>
+                <a:cs typeface="Consolas" panose="020B0609020204030204" pitchFamily="49" charset="0"/>
+              </a:rPr>
+              <a:t> = </a:t>
+            </a:r>
+            <a:r>
+              <a:rPr lang="en-US" sz="4400" i="1" dirty="0">
+                <a:latin typeface="Consolas" panose="020B0609020204030204" pitchFamily="49" charset="0"/>
+                <a:cs typeface="Consolas" panose="020B0609020204030204" pitchFamily="49" charset="0"/>
+              </a:rPr>
+              <a:t>expression;</a:t>
+            </a:r>
+          </a:p>
+        </p:txBody>
+      </p:sp>
+      <p:sp>
+        <p:nvSpPr>
+          <p:cNvPr id="4" name="Cloud Callout 3"/>
+          <p:cNvSpPr/>
+          <p:nvPr/>
+        </p:nvSpPr>
+        <p:spPr bwMode="auto">
+          <a:xfrm>
+            <a:off x="1005721" y="4594530"/>
+            <a:ext cx="3657560" cy="1645902"/>
+          </a:xfrm>
+          <a:prstGeom prst="cloudCallout">
+            <a:avLst>
+              <a:gd name="adj1" fmla="val -49686"/>
+              <a:gd name="adj2" fmla="val -62218"/>
+            </a:avLst>
+          </a:prstGeom>
+          <a:solidFill>
+            <a:srgbClr val="007233"/>
+          </a:solidFill>
+          <a:ln>
+            <a:noFill/>
+            <a:headEnd type="none" w="med" len="med"/>
+            <a:tailEnd type="none" w="med" len="med"/>
+          </a:ln>
+          <a:effectLst/>
+        </p:spPr>
+        <p:style>
+          <a:lnRef idx="1">
+            <a:schemeClr val="accent2"/>
+          </a:lnRef>
+          <a:fillRef idx="3">
+            <a:schemeClr val="accent2"/>
+          </a:fillRef>
+          <a:effectRef idx="2">
+            <a:schemeClr val="accent2"/>
+          </a:effectRef>
+          <a:fontRef idx="minor">
+            <a:schemeClr val="lt1"/>
+          </a:fontRef>
+        </p:style>
+        <p:txBody>
+          <a:bodyPr rot="0" spcFirstLastPara="0" vertOverflow="overflow" horzOverflow="overflow" vert="horz" wrap="square" lIns="182880" tIns="146304" rIns="182880" bIns="146304" numCol="1" spcCol="0" rtlCol="0" fromWordArt="0" anchor="t" anchorCtr="0" forceAA="0" compatLnSpc="1">
+            <a:prstTxWarp prst="textNoShape">
+              <a:avLst/>
+            </a:prstTxWarp>
+            <a:noAutofit/>
+          </a:bodyPr>
+          <a:lstStyle/>
+          <a:p>
+            <a:pPr algn="ctr" defTabSz="932472" fontAlgn="base">
+              <a:lnSpc>
+                <a:spcPct val="90000"/>
+              </a:lnSpc>
+              <a:spcBef>
+                <a:spcPct val="0"/>
+              </a:spcBef>
+              <a:spcAft>
+                <a:spcPct val="0"/>
+              </a:spcAft>
+            </a:pPr>
+            <a:r>
+              <a:rPr lang="en-US" sz="2400" dirty="0" err="1">
+                <a:gradFill>
+                  <a:gsLst>
+                    <a:gs pos="0">
+                      <a:srgbClr val="FFFFFF"/>
+                    </a:gs>
+                    <a:gs pos="100000">
+                      <a:srgbClr val="FFFFFF"/>
+                    </a:gs>
+                  </a:gsLst>
+                  <a:lin ang="5400000" scaled="0"/>
+                </a:gradFill>
+                <a:ea typeface="Segoe UI" pitchFamily="34" charset="0"/>
+                <a:cs typeface="Segoe UI" pitchFamily="34" charset="0"/>
+              </a:rPr>
+              <a:t>var</a:t>
+            </a:r>
+            <a:r>
+              <a:rPr lang="en-US" sz="2400" dirty="0">
+                <a:gradFill>
+                  <a:gsLst>
+                    <a:gs pos="0">
+                      <a:srgbClr val="FFFFFF"/>
+                    </a:gs>
+                    <a:gs pos="100000">
+                      <a:srgbClr val="FFFFFF"/>
+                    </a:gs>
+                  </a:gsLst>
+                  <a:lin ang="5400000" scaled="0"/>
+                </a:gradFill>
+                <a:ea typeface="Segoe UI" pitchFamily="34" charset="0"/>
+                <a:cs typeface="Segoe UI" pitchFamily="34" charset="0"/>
+              </a:rPr>
+              <a:t> is a keyword, not a type</a:t>
+            </a:r>
+            <a:endParaRPr lang="da-DK" sz="2400" dirty="0" err="1">
+              <a:gradFill>
+                <a:gsLst>
+                  <a:gs pos="0">
+                    <a:srgbClr val="FFFFFF"/>
+                  </a:gs>
+                  <a:gs pos="100000">
+                    <a:srgbClr val="FFFFFF"/>
+                  </a:gs>
+                </a:gsLst>
+                <a:lin ang="5400000" scaled="0"/>
+              </a:gradFill>
+              <a:ea typeface="Segoe UI" pitchFamily="34" charset="0"/>
+              <a:cs typeface="Segoe UI" pitchFamily="34" charset="0"/>
+            </a:endParaRPr>
+          </a:p>
+        </p:txBody>
+      </p:sp>
+      <p:sp>
+        <p:nvSpPr>
+          <p:cNvPr id="5" name="Title 1"/>
           <p:cNvSpPr txBox="1">
             <a:spLocks/>
           </p:cNvSpPr>
@@ -13982,9 +13867,16 @@
           </a:lstStyle>
           <a:p>
             <a:r>
+              <a:rPr lang="da-DK" sz="7200" dirty="0"/>
+              <a:t>Local Variable Type </a:t>
+            </a:r>
+            <a:r>
               <a:rPr lang="da-DK" sz="7200" dirty="0" err="1"/>
-              <a:t>Enumeration</a:t>
-            </a:r>
+              <a:t>Inference</a:t>
+            </a:r>
+            <a:endParaRPr lang="da-DK" sz="7200" dirty="0"/>
+          </a:p>
+          <a:p>
             <a:endParaRPr lang="da-DK" sz="7200" dirty="0"/>
           </a:p>
         </p:txBody>
@@ -13992,7 +13884,7 @@
     </p:spTree>
     <p:extLst>
       <p:ext uri="{BB962C8B-B14F-4D97-AF65-F5344CB8AC3E}">
-        <p14:creationId xmlns:p14="http://schemas.microsoft.com/office/powerpoint/2010/main" val="260396166"/>
+        <p14:creationId xmlns:p14="http://schemas.microsoft.com/office/powerpoint/2010/main" val="3191644396"/>
       </p:ext>
     </p:extLst>
   </p:cSld>
@@ -14032,7 +13924,7 @@
         </p:nvSpPr>
         <p:spPr>
           <a:xfrm>
-            <a:off x="274209" y="479775"/>
+            <a:off x="274209" y="2125677"/>
             <a:ext cx="8778240" cy="1354146"/>
           </a:xfrm>
           <a:prstGeom prst="rect">
@@ -14074,20 +13966,221 @@
           </a:lstStyle>
           <a:p>
             <a:r>
-              <a:rPr lang="da-DK" sz="7200" dirty="0"/>
-              <a:t>Array </a:t>
-            </a:r>
-            <a:r>
-              <a:rPr lang="da-DK" sz="7200" dirty="0" err="1"/>
-              <a:t>stuff</a:t>
-            </a:r>
-            <a:endParaRPr lang="da-DK" sz="7200" dirty="0"/>
+              <a:rPr lang="en-US" sz="2400" dirty="0">
+                <a:latin typeface="Consolas" panose="020B0609020204030204" pitchFamily="49" charset="0"/>
+                <a:cs typeface="Consolas" panose="020B0609020204030204" pitchFamily="49" charset="0"/>
+              </a:rPr>
+              <a:t>public </a:t>
+            </a:r>
+            <a:r>
+              <a:rPr lang="en-US" sz="2400" dirty="0" err="1">
+                <a:latin typeface="Consolas" panose="020B0609020204030204" pitchFamily="49" charset="0"/>
+                <a:cs typeface="Consolas" panose="020B0609020204030204" pitchFamily="49" charset="0"/>
+              </a:rPr>
+              <a:t>enum</a:t>
+            </a:r>
+            <a:r>
+              <a:rPr lang="en-US" sz="2400" dirty="0">
+                <a:latin typeface="Consolas" panose="020B0609020204030204" pitchFamily="49" charset="0"/>
+                <a:cs typeface="Consolas" panose="020B0609020204030204" pitchFamily="49" charset="0"/>
+              </a:rPr>
+              <a:t> Day { Mon, Tue, Wed, Thu, Fri, Sat, Sun }</a:t>
+            </a:r>
+          </a:p>
+          <a:p>
+            <a:endParaRPr lang="en-US" sz="2400" dirty="0">
+              <a:latin typeface="Consolas" panose="020B0609020204030204" pitchFamily="49" charset="0"/>
+              <a:cs typeface="Consolas" panose="020B0609020204030204" pitchFamily="49" charset="0"/>
+            </a:endParaRPr>
+          </a:p>
+          <a:p>
+            <a:r>
+              <a:rPr lang="en-US" sz="2400" dirty="0">
+                <a:latin typeface="Consolas" panose="020B0609020204030204" pitchFamily="49" charset="0"/>
+                <a:cs typeface="Consolas" panose="020B0609020204030204" pitchFamily="49" charset="0"/>
+              </a:rPr>
+              <a:t>public </a:t>
+            </a:r>
+            <a:r>
+              <a:rPr lang="en-US" sz="2400" dirty="0" err="1">
+                <a:latin typeface="Consolas" panose="020B0609020204030204" pitchFamily="49" charset="0"/>
+                <a:cs typeface="Consolas" panose="020B0609020204030204" pitchFamily="49" charset="0"/>
+              </a:rPr>
+              <a:t>enum</a:t>
+            </a:r>
+            <a:r>
+              <a:rPr lang="en-US" sz="2400" dirty="0">
+                <a:latin typeface="Consolas" panose="020B0609020204030204" pitchFamily="49" charset="0"/>
+                <a:cs typeface="Consolas" panose="020B0609020204030204" pitchFamily="49" charset="0"/>
+              </a:rPr>
+              <a:t> Month : </a:t>
+            </a:r>
+            <a:r>
+              <a:rPr lang="en-US" sz="2400" dirty="0" err="1">
+                <a:latin typeface="Consolas" panose="020B0609020204030204" pitchFamily="49" charset="0"/>
+                <a:cs typeface="Consolas" panose="020B0609020204030204" pitchFamily="49" charset="0"/>
+              </a:rPr>
+              <a:t>uint</a:t>
+            </a:r>
+            <a:r>
+              <a:rPr lang="en-US" sz="2400" dirty="0">
+                <a:latin typeface="Consolas" panose="020B0609020204030204" pitchFamily="49" charset="0"/>
+                <a:cs typeface="Consolas" panose="020B0609020204030204" pitchFamily="49" charset="0"/>
+              </a:rPr>
+              <a:t> { Jan = 1, Feb, Mar, }</a:t>
+            </a:r>
+          </a:p>
+          <a:p>
+            <a:endParaRPr lang="en-US" sz="2400" dirty="0">
+              <a:latin typeface="Consolas" panose="020B0609020204030204" pitchFamily="49" charset="0"/>
+              <a:cs typeface="Consolas" panose="020B0609020204030204" pitchFamily="49" charset="0"/>
+            </a:endParaRPr>
+          </a:p>
+          <a:p>
+            <a:r>
+              <a:rPr lang="en-US" sz="2400" dirty="0">
+                <a:latin typeface="Consolas" panose="020B0609020204030204" pitchFamily="49" charset="0"/>
+                <a:cs typeface="Consolas" panose="020B0609020204030204" pitchFamily="49" charset="0"/>
+              </a:rPr>
+              <a:t>public </a:t>
+            </a:r>
+            <a:r>
+              <a:rPr lang="en-US" sz="2400" dirty="0" err="1">
+                <a:latin typeface="Consolas" panose="020B0609020204030204" pitchFamily="49" charset="0"/>
+                <a:cs typeface="Consolas" panose="020B0609020204030204" pitchFamily="49" charset="0"/>
+              </a:rPr>
+              <a:t>enum</a:t>
+            </a:r>
+            <a:r>
+              <a:rPr lang="en-US" sz="2400" dirty="0">
+                <a:latin typeface="Consolas" panose="020B0609020204030204" pitchFamily="49" charset="0"/>
+                <a:cs typeface="Consolas" panose="020B0609020204030204" pitchFamily="49" charset="0"/>
+              </a:rPr>
+              <a:t> Color : </a:t>
+            </a:r>
+            <a:r>
+              <a:rPr lang="en-US" sz="2400" dirty="0" err="1">
+                <a:latin typeface="Consolas" panose="020B0609020204030204" pitchFamily="49" charset="0"/>
+                <a:cs typeface="Consolas" panose="020B0609020204030204" pitchFamily="49" charset="0"/>
+              </a:rPr>
+              <a:t>uint</a:t>
+            </a:r>
+            <a:r>
+              <a:rPr lang="en-US" sz="2400" dirty="0">
+                <a:latin typeface="Consolas" panose="020B0609020204030204" pitchFamily="49" charset="0"/>
+                <a:cs typeface="Consolas" panose="020B0609020204030204" pitchFamily="49" charset="0"/>
+              </a:rPr>
+              <a:t> { Red = 0xFF0000, </a:t>
+            </a:r>
+          </a:p>
+          <a:p>
+            <a:r>
+              <a:rPr lang="en-US" sz="2400" dirty="0">
+                <a:latin typeface="Consolas" panose="020B0609020204030204" pitchFamily="49" charset="0"/>
+                <a:cs typeface="Consolas" panose="020B0609020204030204" pitchFamily="49" charset="0"/>
+              </a:rPr>
+              <a:t>				   Green = 0x00FF00, </a:t>
+            </a:r>
+          </a:p>
+          <a:p>
+            <a:r>
+              <a:rPr lang="en-US" sz="2400" dirty="0">
+                <a:latin typeface="Consolas" panose="020B0609020204030204" pitchFamily="49" charset="0"/>
+                <a:cs typeface="Consolas" panose="020B0609020204030204" pitchFamily="49" charset="0"/>
+              </a:rPr>
+              <a:t>                           Blue = 0x0000FF }</a:t>
+            </a:r>
+          </a:p>
+          <a:p>
+            <a:endParaRPr lang="en-US" sz="2400" dirty="0">
+              <a:latin typeface="Consolas" panose="020B0609020204030204" pitchFamily="49" charset="0"/>
+              <a:cs typeface="Consolas" panose="020B0609020204030204" pitchFamily="49" charset="0"/>
+            </a:endParaRPr>
+          </a:p>
+          <a:p>
+            <a:r>
+              <a:rPr lang="en-US" sz="2400" dirty="0">
+                <a:latin typeface="Consolas" panose="020B0609020204030204" pitchFamily="49" charset="0"/>
+                <a:cs typeface="Consolas" panose="020B0609020204030204" pitchFamily="49" charset="0"/>
+              </a:rPr>
+              <a:t>Vehicle car = new Vehicle();</a:t>
+            </a:r>
+          </a:p>
+          <a:p>
+            <a:r>
+              <a:rPr lang="en-US" sz="2400" dirty="0" err="1">
+                <a:latin typeface="Consolas" panose="020B0609020204030204" pitchFamily="49" charset="0"/>
+                <a:cs typeface="Consolas" panose="020B0609020204030204" pitchFamily="49" charset="0"/>
+              </a:rPr>
+              <a:t>car.Color</a:t>
+            </a:r>
+            <a:r>
+              <a:rPr lang="en-US" sz="2400" dirty="0">
+                <a:latin typeface="Consolas" panose="020B0609020204030204" pitchFamily="49" charset="0"/>
+                <a:cs typeface="Consolas" panose="020B0609020204030204" pitchFamily="49" charset="0"/>
+              </a:rPr>
+              <a:t> = </a:t>
+            </a:r>
+            <a:r>
+              <a:rPr lang="en-US" sz="2400" dirty="0" err="1">
+                <a:latin typeface="Consolas" panose="020B0609020204030204" pitchFamily="49" charset="0"/>
+                <a:cs typeface="Consolas" panose="020B0609020204030204" pitchFamily="49" charset="0"/>
+              </a:rPr>
+              <a:t>Color.Red</a:t>
+            </a:r>
+            <a:r>
+              <a:rPr lang="en-US" sz="2400" dirty="0">
+                <a:latin typeface="Consolas" panose="020B0609020204030204" pitchFamily="49" charset="0"/>
+                <a:cs typeface="Consolas" panose="020B0609020204030204" pitchFamily="49" charset="0"/>
+              </a:rPr>
+              <a:t>;</a:t>
+            </a:r>
+          </a:p>
+          <a:p>
+            <a:endParaRPr lang="en-US" sz="2400" dirty="0">
+              <a:latin typeface="Consolas" panose="020B0609020204030204" pitchFamily="49" charset="0"/>
+              <a:cs typeface="Consolas" panose="020B0609020204030204" pitchFamily="49" charset="0"/>
+            </a:endParaRPr>
+          </a:p>
+          <a:p>
+            <a:r>
+              <a:rPr lang="en-US" sz="2400" dirty="0" err="1">
+                <a:latin typeface="Consolas" panose="020B0609020204030204" pitchFamily="49" charset="0"/>
+                <a:cs typeface="Consolas" panose="020B0609020204030204" pitchFamily="49" charset="0"/>
+              </a:rPr>
+              <a:t>Console.Write</a:t>
+            </a:r>
+            <a:r>
+              <a:rPr lang="en-US" sz="2400" dirty="0">
+                <a:latin typeface="Consolas" panose="020B0609020204030204" pitchFamily="49" charset="0"/>
+                <a:cs typeface="Consolas" panose="020B0609020204030204" pitchFamily="49" charset="0"/>
+              </a:rPr>
+              <a:t>(</a:t>
+            </a:r>
+            <a:r>
+              <a:rPr lang="en-US" sz="2400" dirty="0" err="1">
+                <a:latin typeface="Consolas" panose="020B0609020204030204" pitchFamily="49" charset="0"/>
+                <a:cs typeface="Consolas" panose="020B0609020204030204" pitchFamily="49" charset="0"/>
+              </a:rPr>
+              <a:t>Day.Mon</a:t>
+            </a:r>
+            <a:r>
+              <a:rPr lang="en-US" sz="2400" dirty="0">
+                <a:latin typeface="Consolas" panose="020B0609020204030204" pitchFamily="49" charset="0"/>
+                <a:cs typeface="Consolas" panose="020B0609020204030204" pitchFamily="49" charset="0"/>
+              </a:rPr>
+              <a:t>);</a:t>
+            </a:r>
+            <a:endParaRPr lang="da-DK" sz="2400" dirty="0">
+              <a:latin typeface="Consolas" panose="020B0609020204030204" pitchFamily="49" charset="0"/>
+              <a:cs typeface="Consolas" panose="020B0609020204030204" pitchFamily="49" charset="0"/>
+            </a:endParaRPr>
           </a:p>
         </p:txBody>
       </p:sp>
       <p:sp>
         <p:nvSpPr>
-          <p:cNvPr id="3" name="Title 2"/>
+          <p:cNvPr id="3" name="Title 1"/>
           <p:cNvSpPr txBox="1">
             <a:spLocks/>
           </p:cNvSpPr>
@@ -14095,17 +14188,15 @@
         </p:nvSpPr>
         <p:spPr>
           <a:xfrm>
-            <a:off x="273600" y="2125663"/>
-            <a:ext cx="8777288" cy="1831975"/>
+            <a:off x="273600" y="632175"/>
+            <a:ext cx="8778240" cy="1354146"/>
           </a:xfrm>
           <a:prstGeom prst="rect">
             <a:avLst/>
           </a:prstGeom>
         </p:spPr>
         <p:txBody>
-          <a:bodyPr vert="horz" wrap="square" lIns="146304" tIns="91440" rIns="146304" bIns="91440" rtlCol="0" anchor="t">
-            <a:noAutofit/>
-          </a:bodyPr>
+          <a:bodyPr/>
           <a:lstStyle>
             <a:lvl1pPr algn="l" defTabSz="932742" rtl="0" eaLnBrk="1" latinLnBrk="0" hangingPunct="1">
               <a:lnSpc>
@@ -14139,254 +14230,17 @@
           </a:lstStyle>
           <a:p>
             <a:r>
-              <a:rPr lang="en-US" sz="2800" dirty="0">
-                <a:latin typeface="Consolas" panose="020B0609020204030204" pitchFamily="49" charset="0"/>
-                <a:cs typeface="Consolas" panose="020B0609020204030204" pitchFamily="49" charset="0"/>
-              </a:rPr>
-              <a:t>int[] </a:t>
-            </a:r>
-            <a:r>
-              <a:rPr lang="en-US" sz="2800" dirty="0" err="1">
-                <a:latin typeface="Consolas" panose="020B0609020204030204" pitchFamily="49" charset="0"/>
-                <a:cs typeface="Consolas" panose="020B0609020204030204" pitchFamily="49" charset="0"/>
-              </a:rPr>
-              <a:t>intArray</a:t>
-            </a:r>
-            <a:r>
-              <a:rPr lang="en-US" sz="2800" dirty="0">
-                <a:latin typeface="Consolas" panose="020B0609020204030204" pitchFamily="49" charset="0"/>
-                <a:cs typeface="Consolas" panose="020B0609020204030204" pitchFamily="49" charset="0"/>
-              </a:rPr>
-              <a:t> = new int[4];</a:t>
-            </a:r>
-          </a:p>
-          <a:p>
-            <a:endParaRPr lang="en-US" sz="2800" dirty="0">
-              <a:latin typeface="Consolas" panose="020B0609020204030204" pitchFamily="49" charset="0"/>
-              <a:cs typeface="Consolas" panose="020B0609020204030204" pitchFamily="49" charset="0"/>
-            </a:endParaRPr>
-          </a:p>
-          <a:p>
-            <a:r>
-              <a:rPr lang="en-US" sz="2800" dirty="0">
-                <a:latin typeface="Consolas" panose="020B0609020204030204" pitchFamily="49" charset="0"/>
-                <a:cs typeface="Consolas" panose="020B0609020204030204" pitchFamily="49" charset="0"/>
-              </a:rPr>
-              <a:t>double[,] </a:t>
-            </a:r>
-            <a:r>
-              <a:rPr lang="en-US" sz="2800" dirty="0" err="1">
-                <a:latin typeface="Consolas" panose="020B0609020204030204" pitchFamily="49" charset="0"/>
-                <a:cs typeface="Consolas" panose="020B0609020204030204" pitchFamily="49" charset="0"/>
-              </a:rPr>
-              <a:t>doubleArray</a:t>
-            </a:r>
-            <a:r>
-              <a:rPr lang="en-US" sz="2800" dirty="0">
-                <a:latin typeface="Consolas" panose="020B0609020204030204" pitchFamily="49" charset="0"/>
-                <a:cs typeface="Consolas" panose="020B0609020204030204" pitchFamily="49" charset="0"/>
-              </a:rPr>
-              <a:t> = new double[4, 5];</a:t>
-            </a:r>
-          </a:p>
-          <a:p>
-            <a:endParaRPr lang="en-US" sz="2800" dirty="0">
-              <a:latin typeface="Consolas" panose="020B0609020204030204" pitchFamily="49" charset="0"/>
-              <a:cs typeface="Consolas" panose="020B0609020204030204" pitchFamily="49" charset="0"/>
-            </a:endParaRPr>
-          </a:p>
-          <a:p>
-            <a:r>
-              <a:rPr lang="en-US" sz="2800" dirty="0">
-                <a:latin typeface="Consolas" panose="020B0609020204030204" pitchFamily="49" charset="0"/>
-                <a:cs typeface="Consolas" panose="020B0609020204030204" pitchFamily="49" charset="0"/>
-              </a:rPr>
-              <a:t>int[,] array1 = {{1,2],{3,4]};</a:t>
-            </a:r>
-          </a:p>
-          <a:p>
-            <a:endParaRPr lang="en-US" sz="2800" dirty="0">
-              <a:latin typeface="Consolas" panose="020B0609020204030204" pitchFamily="49" charset="0"/>
-              <a:cs typeface="Consolas" panose="020B0609020204030204" pitchFamily="49" charset="0"/>
-            </a:endParaRPr>
-          </a:p>
-          <a:p>
-            <a:r>
-              <a:rPr lang="en-US" sz="2800" dirty="0">
-                <a:latin typeface="Consolas" panose="020B0609020204030204" pitchFamily="49" charset="0"/>
-                <a:cs typeface="Consolas" panose="020B0609020204030204" pitchFamily="49" charset="0"/>
-              </a:rPr>
-              <a:t>int value1 = </a:t>
-            </a:r>
-            <a:r>
-              <a:rPr lang="en-US" sz="2800" dirty="0" err="1">
-                <a:latin typeface="Consolas" panose="020B0609020204030204" pitchFamily="49" charset="0"/>
-                <a:cs typeface="Consolas" panose="020B0609020204030204" pitchFamily="49" charset="0"/>
-              </a:rPr>
-              <a:t>intArray</a:t>
-            </a:r>
-            <a:r>
-              <a:rPr lang="en-US" sz="2800" dirty="0">
-                <a:latin typeface="Consolas" panose="020B0609020204030204" pitchFamily="49" charset="0"/>
-                <a:cs typeface="Consolas" panose="020B0609020204030204" pitchFamily="49" charset="0"/>
-              </a:rPr>
-              <a:t>[0];</a:t>
-            </a:r>
-          </a:p>
-          <a:p>
-            <a:endParaRPr lang="en-US" sz="2800" dirty="0">
-              <a:latin typeface="Consolas" panose="020B0609020204030204" pitchFamily="49" charset="0"/>
-              <a:cs typeface="Consolas" panose="020B0609020204030204" pitchFamily="49" charset="0"/>
-            </a:endParaRPr>
-          </a:p>
-          <a:p>
-            <a:r>
-              <a:rPr lang="en-US" sz="2800" dirty="0">
-                <a:latin typeface="Consolas" panose="020B0609020204030204" pitchFamily="49" charset="0"/>
-                <a:cs typeface="Consolas" panose="020B0609020204030204" pitchFamily="49" charset="0"/>
-              </a:rPr>
-              <a:t>double value2 = </a:t>
-            </a:r>
-            <a:r>
-              <a:rPr lang="en-US" sz="2800" dirty="0" err="1">
-                <a:latin typeface="Consolas" panose="020B0609020204030204" pitchFamily="49" charset="0"/>
-                <a:cs typeface="Consolas" panose="020B0609020204030204" pitchFamily="49" charset="0"/>
-              </a:rPr>
-              <a:t>doubleArray</a:t>
-            </a:r>
-            <a:r>
-              <a:rPr lang="en-US" sz="2800" dirty="0">
-                <a:latin typeface="Consolas" panose="020B0609020204030204" pitchFamily="49" charset="0"/>
-                <a:cs typeface="Consolas" panose="020B0609020204030204" pitchFamily="49" charset="0"/>
-              </a:rPr>
-              <a:t>[0,1];</a:t>
-            </a:r>
-          </a:p>
-          <a:p>
-            <a:endParaRPr lang="en-US" sz="2800" dirty="0">
-              <a:latin typeface="Consolas" panose="020B0609020204030204" pitchFamily="49" charset="0"/>
-              <a:cs typeface="Consolas" panose="020B0609020204030204" pitchFamily="49" charset="0"/>
-            </a:endParaRPr>
-          </a:p>
-          <a:p>
-            <a:r>
-              <a:rPr lang="en-US" sz="2800" dirty="0" err="1">
-                <a:latin typeface="Consolas" panose="020B0609020204030204" pitchFamily="49" charset="0"/>
-                <a:cs typeface="Consolas" panose="020B0609020204030204" pitchFamily="49" charset="0"/>
-              </a:rPr>
-              <a:t>Console.WriteLine</a:t>
-            </a:r>
-            <a:r>
-              <a:rPr lang="en-US" sz="2800" dirty="0">
-                <a:latin typeface="Consolas" panose="020B0609020204030204" pitchFamily="49" charset="0"/>
-                <a:cs typeface="Consolas" panose="020B0609020204030204" pitchFamily="49" charset="0"/>
-              </a:rPr>
-              <a:t>(array1[1,1]);</a:t>
-            </a:r>
-          </a:p>
-        </p:txBody>
-      </p:sp>
-      <p:sp>
-        <p:nvSpPr>
-          <p:cNvPr id="4" name="Rectangular Callout 3"/>
-          <p:cNvSpPr/>
-          <p:nvPr/>
-        </p:nvSpPr>
-        <p:spPr bwMode="auto">
-          <a:xfrm>
-            <a:off x="6562468" y="5508920"/>
-            <a:ext cx="2743266" cy="1005829"/>
-          </a:xfrm>
-          <a:prstGeom prst="wedgeRectCallout">
-            <a:avLst>
-              <a:gd name="adj1" fmla="val -63843"/>
-              <a:gd name="adj2" fmla="val 24376"/>
-            </a:avLst>
-          </a:prstGeom>
-          <a:solidFill>
-            <a:srgbClr val="68217A"/>
-          </a:solidFill>
-          <a:ln>
-            <a:noFill/>
-            <a:headEnd type="none" w="med" len="med"/>
-            <a:tailEnd type="none" w="med" len="med"/>
-          </a:ln>
-          <a:effectLst/>
-        </p:spPr>
-        <p:style>
-          <a:lnRef idx="1">
-            <a:schemeClr val="accent2"/>
-          </a:lnRef>
-          <a:fillRef idx="3">
-            <a:schemeClr val="accent2"/>
-          </a:fillRef>
-          <a:effectRef idx="2">
-            <a:schemeClr val="accent2"/>
-          </a:effectRef>
-          <a:fontRef idx="minor">
-            <a:schemeClr val="lt1"/>
-          </a:fontRef>
-        </p:style>
-        <p:txBody>
-          <a:bodyPr rot="0" spcFirstLastPara="0" vertOverflow="overflow" horzOverflow="overflow" vert="horz" wrap="square" lIns="182880" tIns="146304" rIns="182880" bIns="146304" numCol="1" spcCol="0" rtlCol="0" fromWordArt="0" anchor="t" anchorCtr="0" forceAA="0" compatLnSpc="1">
-            <a:prstTxWarp prst="textNoShape">
-              <a:avLst/>
-            </a:prstTxWarp>
-            <a:noAutofit/>
-          </a:bodyPr>
-          <a:lstStyle/>
-          <a:p>
-            <a:pPr algn="ctr" defTabSz="932472" fontAlgn="base">
-              <a:lnSpc>
-                <a:spcPct val="90000"/>
-              </a:lnSpc>
-              <a:spcBef>
-                <a:spcPct val="0"/>
-              </a:spcBef>
-              <a:spcAft>
-                <a:spcPct val="0"/>
-              </a:spcAft>
-            </a:pPr>
-            <a:r>
-              <a:rPr lang="en-US" sz="2400" dirty="0">
-                <a:gradFill>
-                  <a:gsLst>
-                    <a:gs pos="0">
-                      <a:srgbClr val="FFFFFF"/>
-                    </a:gs>
-                    <a:gs pos="100000">
-                      <a:srgbClr val="FFFFFF"/>
-                    </a:gs>
-                  </a:gsLst>
-                  <a:lin ang="5400000" scaled="0"/>
-                </a:gradFill>
-                <a:ea typeface="Segoe UI" pitchFamily="34" charset="0"/>
-                <a:cs typeface="Segoe UI" pitchFamily="34" charset="0"/>
-              </a:rPr>
-              <a:t>Arrays are 0-based</a:t>
-            </a:r>
-            <a:endParaRPr lang="da-DK" sz="2400" dirty="0" err="1">
-              <a:gradFill>
-                <a:gsLst>
-                  <a:gs pos="0">
-                    <a:srgbClr val="FFFFFF"/>
-                  </a:gs>
-                  <a:gs pos="100000">
-                    <a:srgbClr val="FFFFFF"/>
-                  </a:gs>
-                </a:gsLst>
-                <a:lin ang="5400000" scaled="0"/>
-              </a:gradFill>
-              <a:ea typeface="Segoe UI" pitchFamily="34" charset="0"/>
-              <a:cs typeface="Segoe UI" pitchFamily="34" charset="0"/>
-            </a:endParaRPr>
+              <a:rPr lang="da-DK" sz="7200" dirty="0" err="1"/>
+              <a:t>Enumeration</a:t>
+            </a:r>
+            <a:endParaRPr lang="da-DK" sz="7200" dirty="0"/>
           </a:p>
         </p:txBody>
       </p:sp>
     </p:spTree>
     <p:extLst>
       <p:ext uri="{BB962C8B-B14F-4D97-AF65-F5344CB8AC3E}">
-        <p14:creationId xmlns:p14="http://schemas.microsoft.com/office/powerpoint/2010/main" val="3577140530"/>
+        <p14:creationId xmlns:p14="http://schemas.microsoft.com/office/powerpoint/2010/main" val="260396166"/>
       </p:ext>
     </p:extLst>
   </p:cSld>
@@ -14468,6 +14322,400 @@
           </a:lstStyle>
           <a:p>
             <a:r>
+              <a:rPr lang="da-DK" sz="7200" dirty="0"/>
+              <a:t>Array </a:t>
+            </a:r>
+            <a:r>
+              <a:rPr lang="da-DK" sz="7200" dirty="0" err="1"/>
+              <a:t>stuff</a:t>
+            </a:r>
+            <a:endParaRPr lang="da-DK" sz="7200" dirty="0"/>
+          </a:p>
+        </p:txBody>
+      </p:sp>
+      <p:sp>
+        <p:nvSpPr>
+          <p:cNvPr id="3" name="Title 2"/>
+          <p:cNvSpPr txBox="1">
+            <a:spLocks/>
+          </p:cNvSpPr>
+          <p:nvPr/>
+        </p:nvSpPr>
+        <p:spPr>
+          <a:xfrm>
+            <a:off x="273600" y="2125663"/>
+            <a:ext cx="8777288" cy="1831975"/>
+          </a:xfrm>
+          <a:prstGeom prst="rect">
+            <a:avLst/>
+          </a:prstGeom>
+        </p:spPr>
+        <p:txBody>
+          <a:bodyPr vert="horz" wrap="square" lIns="146304" tIns="91440" rIns="146304" bIns="91440" rtlCol="0" anchor="t">
+            <a:noAutofit/>
+          </a:bodyPr>
+          <a:lstStyle>
+            <a:lvl1pPr algn="l" defTabSz="932742" rtl="0" eaLnBrk="1" latinLnBrk="0" hangingPunct="1">
+              <a:lnSpc>
+                <a:spcPct val="90000"/>
+              </a:lnSpc>
+              <a:spcBef>
+                <a:spcPct val="0"/>
+              </a:spcBef>
+              <a:buNone/>
+              <a:defRPr lang="en-US" sz="4800" b="0" kern="1200" cap="none" spc="-102" baseline="0" dirty="0" smtClean="0">
+                <a:ln w="3175">
+                  <a:noFill/>
+                </a:ln>
+                <a:gradFill>
+                  <a:gsLst>
+                    <a:gs pos="1250">
+                      <a:schemeClr val="tx1"/>
+                    </a:gs>
+                    <a:gs pos="100000">
+                      <a:schemeClr val="tx1"/>
+                    </a:gs>
+                  </a:gsLst>
+                  <a:lin ang="5400000" scaled="0"/>
+                </a:gradFill>
+                <a:effectLst/>
+                <a:latin typeface="+mj-lt"/>
+                <a:ea typeface="+mn-ea"/>
+                <a:cs typeface="Segoe UI" pitchFamily="34" charset="0"/>
+              </a:defRPr>
+            </a:lvl1pPr>
+          </a:lstStyle>
+          <a:p>
+            <a:r>
+              <a:rPr lang="en-US" sz="2800" dirty="0">
+                <a:latin typeface="Consolas" panose="020B0609020204030204" pitchFamily="49" charset="0"/>
+                <a:cs typeface="Consolas" panose="020B0609020204030204" pitchFamily="49" charset="0"/>
+              </a:rPr>
+              <a:t>int[] </a:t>
+            </a:r>
+            <a:r>
+              <a:rPr lang="en-US" sz="2800" dirty="0" err="1">
+                <a:latin typeface="Consolas" panose="020B0609020204030204" pitchFamily="49" charset="0"/>
+                <a:cs typeface="Consolas" panose="020B0609020204030204" pitchFamily="49" charset="0"/>
+              </a:rPr>
+              <a:t>intArray</a:t>
+            </a:r>
+            <a:r>
+              <a:rPr lang="en-US" sz="2800" dirty="0">
+                <a:latin typeface="Consolas" panose="020B0609020204030204" pitchFamily="49" charset="0"/>
+                <a:cs typeface="Consolas" panose="020B0609020204030204" pitchFamily="49" charset="0"/>
+              </a:rPr>
+              <a:t> = new int[4];</a:t>
+            </a:r>
+          </a:p>
+          <a:p>
+            <a:endParaRPr lang="en-US" sz="2800" dirty="0">
+              <a:latin typeface="Consolas" panose="020B0609020204030204" pitchFamily="49" charset="0"/>
+              <a:cs typeface="Consolas" panose="020B0609020204030204" pitchFamily="49" charset="0"/>
+            </a:endParaRPr>
+          </a:p>
+          <a:p>
+            <a:r>
+              <a:rPr lang="en-US" sz="2800" dirty="0">
+                <a:latin typeface="Consolas" panose="020B0609020204030204" pitchFamily="49" charset="0"/>
+                <a:cs typeface="Consolas" panose="020B0609020204030204" pitchFamily="49" charset="0"/>
+              </a:rPr>
+              <a:t>double[,] </a:t>
+            </a:r>
+            <a:r>
+              <a:rPr lang="en-US" sz="2800" dirty="0" err="1">
+                <a:latin typeface="Consolas" panose="020B0609020204030204" pitchFamily="49" charset="0"/>
+                <a:cs typeface="Consolas" panose="020B0609020204030204" pitchFamily="49" charset="0"/>
+              </a:rPr>
+              <a:t>doubleArray</a:t>
+            </a:r>
+            <a:r>
+              <a:rPr lang="en-US" sz="2800" dirty="0">
+                <a:latin typeface="Consolas" panose="020B0609020204030204" pitchFamily="49" charset="0"/>
+                <a:cs typeface="Consolas" panose="020B0609020204030204" pitchFamily="49" charset="0"/>
+              </a:rPr>
+              <a:t> = new double[4, 5];</a:t>
+            </a:r>
+          </a:p>
+          <a:p>
+            <a:endParaRPr lang="en-US" sz="2800" dirty="0">
+              <a:latin typeface="Consolas" panose="020B0609020204030204" pitchFamily="49" charset="0"/>
+              <a:cs typeface="Consolas" panose="020B0609020204030204" pitchFamily="49" charset="0"/>
+            </a:endParaRPr>
+          </a:p>
+          <a:p>
+            <a:r>
+              <a:rPr lang="en-US" sz="2800" dirty="0">
+                <a:latin typeface="Consolas" panose="020B0609020204030204" pitchFamily="49" charset="0"/>
+                <a:cs typeface="Consolas" panose="020B0609020204030204" pitchFamily="49" charset="0"/>
+              </a:rPr>
+              <a:t>int[,] array1 = {{1,2],{3,4]};</a:t>
+            </a:r>
+          </a:p>
+          <a:p>
+            <a:endParaRPr lang="en-US" sz="2800" dirty="0">
+              <a:latin typeface="Consolas" panose="020B0609020204030204" pitchFamily="49" charset="0"/>
+              <a:cs typeface="Consolas" panose="020B0609020204030204" pitchFamily="49" charset="0"/>
+            </a:endParaRPr>
+          </a:p>
+          <a:p>
+            <a:r>
+              <a:rPr lang="en-US" sz="2800" dirty="0">
+                <a:latin typeface="Consolas" panose="020B0609020204030204" pitchFamily="49" charset="0"/>
+                <a:cs typeface="Consolas" panose="020B0609020204030204" pitchFamily="49" charset="0"/>
+              </a:rPr>
+              <a:t>int value1 = </a:t>
+            </a:r>
+            <a:r>
+              <a:rPr lang="en-US" sz="2800" dirty="0" err="1">
+                <a:latin typeface="Consolas" panose="020B0609020204030204" pitchFamily="49" charset="0"/>
+                <a:cs typeface="Consolas" panose="020B0609020204030204" pitchFamily="49" charset="0"/>
+              </a:rPr>
+              <a:t>intArray</a:t>
+            </a:r>
+            <a:r>
+              <a:rPr lang="en-US" sz="2800" dirty="0">
+                <a:latin typeface="Consolas" panose="020B0609020204030204" pitchFamily="49" charset="0"/>
+                <a:cs typeface="Consolas" panose="020B0609020204030204" pitchFamily="49" charset="0"/>
+              </a:rPr>
+              <a:t>[0];</a:t>
+            </a:r>
+          </a:p>
+          <a:p>
+            <a:endParaRPr lang="en-US" sz="2800" dirty="0">
+              <a:latin typeface="Consolas" panose="020B0609020204030204" pitchFamily="49" charset="0"/>
+              <a:cs typeface="Consolas" panose="020B0609020204030204" pitchFamily="49" charset="0"/>
+            </a:endParaRPr>
+          </a:p>
+          <a:p>
+            <a:r>
+              <a:rPr lang="en-US" sz="2800" dirty="0">
+                <a:latin typeface="Consolas" panose="020B0609020204030204" pitchFamily="49" charset="0"/>
+                <a:cs typeface="Consolas" panose="020B0609020204030204" pitchFamily="49" charset="0"/>
+              </a:rPr>
+              <a:t>double value2 = </a:t>
+            </a:r>
+            <a:r>
+              <a:rPr lang="en-US" sz="2800" dirty="0" err="1">
+                <a:latin typeface="Consolas" panose="020B0609020204030204" pitchFamily="49" charset="0"/>
+                <a:cs typeface="Consolas" panose="020B0609020204030204" pitchFamily="49" charset="0"/>
+              </a:rPr>
+              <a:t>doubleArray</a:t>
+            </a:r>
+            <a:r>
+              <a:rPr lang="en-US" sz="2800" dirty="0">
+                <a:latin typeface="Consolas" panose="020B0609020204030204" pitchFamily="49" charset="0"/>
+                <a:cs typeface="Consolas" panose="020B0609020204030204" pitchFamily="49" charset="0"/>
+              </a:rPr>
+              <a:t>[0,1];</a:t>
+            </a:r>
+          </a:p>
+          <a:p>
+            <a:endParaRPr lang="en-US" sz="2800" dirty="0">
+              <a:latin typeface="Consolas" panose="020B0609020204030204" pitchFamily="49" charset="0"/>
+              <a:cs typeface="Consolas" panose="020B0609020204030204" pitchFamily="49" charset="0"/>
+            </a:endParaRPr>
+          </a:p>
+          <a:p>
+            <a:r>
+              <a:rPr lang="en-US" sz="2800" dirty="0" err="1">
+                <a:latin typeface="Consolas" panose="020B0609020204030204" pitchFamily="49" charset="0"/>
+                <a:cs typeface="Consolas" panose="020B0609020204030204" pitchFamily="49" charset="0"/>
+              </a:rPr>
+              <a:t>Console.WriteLine</a:t>
+            </a:r>
+            <a:r>
+              <a:rPr lang="en-US" sz="2800" dirty="0">
+                <a:latin typeface="Consolas" panose="020B0609020204030204" pitchFamily="49" charset="0"/>
+                <a:cs typeface="Consolas" panose="020B0609020204030204" pitchFamily="49" charset="0"/>
+              </a:rPr>
+              <a:t>(array1[1,1]);</a:t>
+            </a:r>
+          </a:p>
+        </p:txBody>
+      </p:sp>
+      <p:sp>
+        <p:nvSpPr>
+          <p:cNvPr id="4" name="Rectangular Callout 3"/>
+          <p:cNvSpPr/>
+          <p:nvPr/>
+        </p:nvSpPr>
+        <p:spPr bwMode="auto">
+          <a:xfrm>
+            <a:off x="6562468" y="5508920"/>
+            <a:ext cx="2743266" cy="1005829"/>
+          </a:xfrm>
+          <a:prstGeom prst="wedgeRectCallout">
+            <a:avLst>
+              <a:gd name="adj1" fmla="val -63843"/>
+              <a:gd name="adj2" fmla="val 24376"/>
+            </a:avLst>
+          </a:prstGeom>
+          <a:solidFill>
+            <a:srgbClr val="68217A"/>
+          </a:solidFill>
+          <a:ln>
+            <a:noFill/>
+            <a:headEnd type="none" w="med" len="med"/>
+            <a:tailEnd type="none" w="med" len="med"/>
+          </a:ln>
+          <a:effectLst/>
+        </p:spPr>
+        <p:style>
+          <a:lnRef idx="1">
+            <a:schemeClr val="accent2"/>
+          </a:lnRef>
+          <a:fillRef idx="3">
+            <a:schemeClr val="accent2"/>
+          </a:fillRef>
+          <a:effectRef idx="2">
+            <a:schemeClr val="accent2"/>
+          </a:effectRef>
+          <a:fontRef idx="minor">
+            <a:schemeClr val="lt1"/>
+          </a:fontRef>
+        </p:style>
+        <p:txBody>
+          <a:bodyPr rot="0" spcFirstLastPara="0" vertOverflow="overflow" horzOverflow="overflow" vert="horz" wrap="square" lIns="182880" tIns="146304" rIns="182880" bIns="146304" numCol="1" spcCol="0" rtlCol="0" fromWordArt="0" anchor="t" anchorCtr="0" forceAA="0" compatLnSpc="1">
+            <a:prstTxWarp prst="textNoShape">
+              <a:avLst/>
+            </a:prstTxWarp>
+            <a:noAutofit/>
+          </a:bodyPr>
+          <a:lstStyle/>
+          <a:p>
+            <a:pPr algn="ctr" defTabSz="932472" fontAlgn="base">
+              <a:lnSpc>
+                <a:spcPct val="90000"/>
+              </a:lnSpc>
+              <a:spcBef>
+                <a:spcPct val="0"/>
+              </a:spcBef>
+              <a:spcAft>
+                <a:spcPct val="0"/>
+              </a:spcAft>
+            </a:pPr>
+            <a:r>
+              <a:rPr lang="en-US" sz="2400" dirty="0">
+                <a:gradFill>
+                  <a:gsLst>
+                    <a:gs pos="0">
+                      <a:srgbClr val="FFFFFF"/>
+                    </a:gs>
+                    <a:gs pos="100000">
+                      <a:srgbClr val="FFFFFF"/>
+                    </a:gs>
+                  </a:gsLst>
+                  <a:lin ang="5400000" scaled="0"/>
+                </a:gradFill>
+                <a:ea typeface="Segoe UI" pitchFamily="34" charset="0"/>
+                <a:cs typeface="Segoe UI" pitchFamily="34" charset="0"/>
+              </a:rPr>
+              <a:t>Arrays are 0-based</a:t>
+            </a:r>
+            <a:endParaRPr lang="da-DK" sz="2400" dirty="0" err="1">
+              <a:gradFill>
+                <a:gsLst>
+                  <a:gs pos="0">
+                    <a:srgbClr val="FFFFFF"/>
+                  </a:gs>
+                  <a:gs pos="100000">
+                    <a:srgbClr val="FFFFFF"/>
+                  </a:gs>
+                </a:gsLst>
+                <a:lin ang="5400000" scaled="0"/>
+              </a:gradFill>
+              <a:ea typeface="Segoe UI" pitchFamily="34" charset="0"/>
+              <a:cs typeface="Segoe UI" pitchFamily="34" charset="0"/>
+            </a:endParaRPr>
+          </a:p>
+        </p:txBody>
+      </p:sp>
+    </p:spTree>
+    <p:extLst>
+      <p:ext uri="{BB962C8B-B14F-4D97-AF65-F5344CB8AC3E}">
+        <p14:creationId xmlns:p14="http://schemas.microsoft.com/office/powerpoint/2010/main" val="3577140530"/>
+      </p:ext>
+    </p:extLst>
+  </p:cSld>
+  <p:clrMapOvr>
+    <a:masterClrMapping/>
+  </p:clrMapOvr>
+  <p:transition>
+    <p:fade/>
+  </p:transition>
+</p:sld>
+</file>
+
+<file path=ppt/slides/slide28.xml><?xml version="1.0" encoding="utf-8"?>
+<p:sld xmlns:a="http://schemas.openxmlformats.org/drawingml/2006/main" xmlns:r="http://schemas.openxmlformats.org/officeDocument/2006/relationships" xmlns:p="http://schemas.openxmlformats.org/presentationml/2006/main">
+  <p:cSld>
+    <p:spTree>
+      <p:nvGrpSpPr>
+        <p:cNvPr id="1" name=""/>
+        <p:cNvGrpSpPr/>
+        <p:nvPr/>
+      </p:nvGrpSpPr>
+      <p:grpSpPr>
+        <a:xfrm>
+          <a:off x="0" y="0"/>
+          <a:ext cx="0" cy="0"/>
+          <a:chOff x="0" y="0"/>
+          <a:chExt cx="0" cy="0"/>
+        </a:xfrm>
+      </p:grpSpPr>
+      <p:sp>
+        <p:nvSpPr>
+          <p:cNvPr id="2" name="Title 1"/>
+          <p:cNvSpPr txBox="1">
+            <a:spLocks/>
+          </p:cNvSpPr>
+          <p:nvPr/>
+        </p:nvSpPr>
+        <p:spPr>
+          <a:xfrm>
+            <a:off x="274209" y="479775"/>
+            <a:ext cx="8778240" cy="1354146"/>
+          </a:xfrm>
+          <a:prstGeom prst="rect">
+            <a:avLst/>
+          </a:prstGeom>
+        </p:spPr>
+        <p:txBody>
+          <a:bodyPr/>
+          <a:lstStyle>
+            <a:lvl1pPr algn="l" defTabSz="932742" rtl="0" eaLnBrk="1" latinLnBrk="0" hangingPunct="1">
+              <a:lnSpc>
+                <a:spcPct val="90000"/>
+              </a:lnSpc>
+              <a:spcBef>
+                <a:spcPct val="0"/>
+              </a:spcBef>
+              <a:buNone/>
+              <a:defRPr lang="en-US" sz="4800" b="0" kern="1200" cap="none" spc="-102" baseline="0" dirty="0" smtClean="0">
+                <a:ln w="3175">
+                  <a:noFill/>
+                </a:ln>
+                <a:gradFill>
+                  <a:gsLst>
+                    <a:gs pos="1250">
+                      <a:schemeClr val="tx1"/>
+                    </a:gs>
+                    <a:gs pos="100000">
+                      <a:schemeClr val="tx1"/>
+                    </a:gs>
+                  </a:gsLst>
+                  <a:lin ang="5400000" scaled="0"/>
+                </a:gradFill>
+                <a:effectLst/>
+                <a:latin typeface="+mj-lt"/>
+                <a:ea typeface="+mn-ea"/>
+                <a:cs typeface="Segoe UI" pitchFamily="34" charset="0"/>
+              </a:defRPr>
+            </a:lvl1pPr>
+          </a:lstStyle>
+          <a:p>
+            <a:r>
               <a:rPr lang="da-DK" sz="7200" dirty="0" err="1"/>
               <a:t>String</a:t>
             </a:r>
@@ -14959,7 +15207,7 @@
 </p:sld>
 </file>
 
-<file path=ppt/slides/slide28.xml><?xml version="1.0" encoding="utf-8"?>
+<file path=ppt/slides/slide29.xml><?xml version="1.0" encoding="utf-8"?>
 <p:sld xmlns:a="http://schemas.openxmlformats.org/drawingml/2006/main" xmlns:r="http://schemas.openxmlformats.org/officeDocument/2006/relationships" xmlns:p="http://schemas.openxmlformats.org/presentationml/2006/main">
   <p:cSld>
     <p:spTree>
@@ -15203,7 +15451,7 @@
         <p:spPr>
           <a:xfrm>
             <a:off x="269384" y="1942799"/>
-            <a:ext cx="8230091" cy="5035225"/>
+            <a:ext cx="8230091" cy="4727448"/>
           </a:xfrm>
           <a:prstGeom prst="rect">
             <a:avLst/>
@@ -15216,7 +15464,7 @@
           <a:lstStyle/>
           <a:p>
             <a:r>
-              <a:rPr lang="en-US" sz="4400" dirty="0">
+              <a:rPr lang="en-US" sz="3600" dirty="0">
                 <a:ln w="3175">
                   <a:noFill/>
                 </a:ln>
@@ -15234,12 +15482,12 @@
                 <a:latin typeface="Segoe UI Light"/>
                 <a:cs typeface="Segoe UI" pitchFamily="34" charset="0"/>
               </a:rPr>
-              <a:t>Why C♯</a:t>
-            </a:r>
-          </a:p>
-          <a:p>
-            <a:r>
-              <a:rPr lang="en-US" sz="4400" dirty="0">
+              <a:t>Exercises</a:t>
+            </a:r>
+          </a:p>
+          <a:p>
+            <a:r>
+              <a:rPr lang="en-US" sz="3600" dirty="0">
                 <a:ln w="3175">
                   <a:noFill/>
                 </a:ln>
@@ -15257,12 +15505,12 @@
                 <a:latin typeface="Segoe UI Light"/>
                 <a:cs typeface="Segoe UI" pitchFamily="34" charset="0"/>
               </a:rPr>
-              <a:t>Curriculum</a:t>
-            </a:r>
-          </a:p>
-          <a:p>
-            <a:r>
-              <a:rPr lang="en-US" sz="4400" dirty="0">
+              <a:t>Why C♯</a:t>
+            </a:r>
+          </a:p>
+          <a:p>
+            <a:r>
+              <a:rPr lang="en-US" sz="3600" dirty="0">
                 <a:ln w="3175">
                   <a:noFill/>
                 </a:ln>
@@ -15280,12 +15528,12 @@
                 <a:latin typeface="Segoe UI Light"/>
                 <a:cs typeface="Segoe UI" pitchFamily="34" charset="0"/>
               </a:rPr>
-              <a:t>TDD</a:t>
-            </a:r>
-          </a:p>
-          <a:p>
-            <a:r>
-              <a:rPr lang="en-US" sz="4400" dirty="0">
+              <a:t>Curriculum</a:t>
+            </a:r>
+          </a:p>
+          <a:p>
+            <a:r>
+              <a:rPr lang="en-US" sz="3600" dirty="0">
                 <a:ln w="3175">
                   <a:noFill/>
                 </a:ln>
@@ -15303,12 +15551,12 @@
                 <a:latin typeface="Segoe UI Light"/>
                 <a:cs typeface="Segoe UI" pitchFamily="34" charset="0"/>
               </a:rPr>
-              <a:t>.NET (Core) </a:t>
-            </a:r>
-          </a:p>
-          <a:p>
-            <a:r>
-              <a:rPr lang="en-US" sz="4400" dirty="0">
+              <a:t>TDD</a:t>
+            </a:r>
+          </a:p>
+          <a:p>
+            <a:r>
+              <a:rPr lang="en-US" sz="3600" dirty="0">
                 <a:ln w="3175">
                   <a:noFill/>
                 </a:ln>
@@ -15326,12 +15574,12 @@
                 <a:latin typeface="Segoe UI Light"/>
                 <a:cs typeface="Segoe UI" pitchFamily="34" charset="0"/>
               </a:rPr>
-              <a:t>C♯</a:t>
-            </a:r>
-          </a:p>
-          <a:p>
-            <a:r>
-              <a:rPr lang="en-US" sz="4400" dirty="0">
+              <a:t>.NET (Core) </a:t>
+            </a:r>
+          </a:p>
+          <a:p>
+            <a:r>
+              <a:rPr lang="en-US" sz="3600" dirty="0">
                 <a:ln w="3175">
                   <a:noFill/>
                 </a:ln>
@@ -15349,12 +15597,35 @@
                 <a:latin typeface="Segoe UI Light"/>
                 <a:cs typeface="Segoe UI" pitchFamily="34" charset="0"/>
               </a:rPr>
+              <a:t>C♯</a:t>
+            </a:r>
+          </a:p>
+          <a:p>
+            <a:r>
+              <a:rPr lang="en-US" sz="3600" dirty="0">
+                <a:ln w="3175">
+                  <a:noFill/>
+                </a:ln>
+                <a:gradFill>
+                  <a:gsLst>
+                    <a:gs pos="0">
+                      <a:schemeClr val="tx1"/>
+                    </a:gs>
+                    <a:gs pos="86000">
+                      <a:schemeClr val="tx1"/>
+                    </a:gs>
+                  </a:gsLst>
+                  <a:lin ang="5400000" scaled="0"/>
+                </a:gradFill>
+                <a:latin typeface="Segoe UI Light"/>
+                <a:cs typeface="Segoe UI" pitchFamily="34" charset="0"/>
+              </a:rPr>
               <a:t>Visual Studio Code</a:t>
             </a:r>
           </a:p>
           <a:p>
             <a:r>
-              <a:rPr lang="en-US" sz="4400" dirty="0">
+              <a:rPr lang="en-US" sz="3600" dirty="0">
                 <a:ln w="3175">
                   <a:noFill/>
                 </a:ln>
@@ -15421,495 +15692,155 @@
       </p:grpSpPr>
       <p:sp>
         <p:nvSpPr>
-          <p:cNvPr id="5" name="Title 2">
+          <p:cNvPr id="2" name="Title 1">
             <a:extLst>
               <a:ext uri="{FF2B5EF4-FFF2-40B4-BE49-F238E27FC236}">
-                <a16:creationId xmlns:a16="http://schemas.microsoft.com/office/drawing/2014/main" id="{5908629F-94EA-4610-A7F3-5327D86C5299}"/>
+                <a16:creationId xmlns:a16="http://schemas.microsoft.com/office/drawing/2014/main" id="{36143B29-195D-4120-8126-BE6A6EEABF6F}"/>
               </a:ext>
             </a:extLst>
           </p:cNvPr>
-          <p:cNvSpPr txBox="1">
-            <a:spLocks/>
+          <p:cNvSpPr>
+            <a:spLocks noGrp="1"/>
           </p:cNvSpPr>
-          <p:nvPr/>
+          <p:nvPr>
+            <p:ph type="title" idx="4294967295"/>
+          </p:nvPr>
         </p:nvSpPr>
         <p:spPr>
           <a:xfrm>
-            <a:off x="273050" y="295275"/>
+            <a:off x="273050" y="296897"/>
             <a:ext cx="8778875" cy="917575"/>
           </a:xfrm>
-          <a:prstGeom prst="rect">
-            <a:avLst/>
-          </a:prstGeom>
         </p:spPr>
         <p:txBody>
           <a:bodyPr/>
-          <a:lstStyle>
-            <a:lvl1pPr algn="l" defTabSz="932742" rtl="0" eaLnBrk="1" latinLnBrk="0" hangingPunct="1">
-              <a:lnSpc>
-                <a:spcPct val="90000"/>
-              </a:lnSpc>
-              <a:spcBef>
-                <a:spcPct val="0"/>
-              </a:spcBef>
-              <a:buNone/>
-              <a:defRPr lang="en-US" sz="4800" b="0" kern="1200" cap="none" spc="-102" baseline="0" dirty="0" smtClean="0">
-                <a:ln w="3175">
-                  <a:noFill/>
-                </a:ln>
-                <a:gradFill>
-                  <a:gsLst>
-                    <a:gs pos="1250">
-                      <a:schemeClr val="tx1"/>
-                    </a:gs>
-                    <a:gs pos="100000">
-                      <a:schemeClr val="tx1"/>
-                    </a:gs>
-                  </a:gsLst>
-                  <a:lin ang="5400000" scaled="0"/>
-                </a:gradFill>
-                <a:effectLst/>
-                <a:latin typeface="+mj-lt"/>
-                <a:ea typeface="+mn-ea"/>
-                <a:cs typeface="Segoe UI" pitchFamily="34" charset="0"/>
-              </a:defRPr>
-            </a:lvl1pPr>
-          </a:lstStyle>
-          <a:p>
-            <a:r>
-              <a:rPr lang="da-DK" dirty="0">
-                <a:solidFill>
-                  <a:schemeClr val="tx1"/>
-                </a:solidFill>
-              </a:rPr>
-              <a:t>Why C</a:t>
-            </a:r>
+          <a:lstStyle/>
+          <a:p>
             <a:r>
               <a:rPr lang="en-US" dirty="0">
                 <a:solidFill>
                   <a:schemeClr val="tx1"/>
                 </a:solidFill>
               </a:rPr>
-              <a:t>♯</a:t>
-            </a:r>
-            <a:endParaRPr lang="en-DK" dirty="0">
+              <a:t>Exercises</a:t>
+            </a:r>
+          </a:p>
+        </p:txBody>
+      </p:sp>
+      <p:sp>
+        <p:nvSpPr>
+          <p:cNvPr id="3" name="Text Placeholder 2">
+            <a:extLst>
+              <a:ext uri="{FF2B5EF4-FFF2-40B4-BE49-F238E27FC236}">
+                <a16:creationId xmlns:a16="http://schemas.microsoft.com/office/drawing/2014/main" id="{487CA92B-6D6C-41D5-9B34-517F472DBDA0}"/>
+              </a:ext>
+            </a:extLst>
+          </p:cNvPr>
+          <p:cNvSpPr>
+            <a:spLocks noGrp="1"/>
+          </p:cNvSpPr>
+          <p:nvPr>
+            <p:ph type="body" sz="quarter" idx="4294967295"/>
+          </p:nvPr>
+        </p:nvSpPr>
+        <p:spPr>
+          <a:xfrm>
+            <a:off x="273050" y="1394165"/>
+            <a:ext cx="8777288" cy="4518160"/>
+          </a:xfrm>
+        </p:spPr>
+        <p:txBody>
+          <a:bodyPr/>
+          <a:lstStyle/>
+          <a:p>
+            <a:pPr marL="0" indent="0">
+              <a:buNone/>
+            </a:pPr>
+            <a:r>
+              <a:rPr lang="en-US" sz="4400" dirty="0">
+                <a:solidFill>
+                  <a:schemeClr val="tx1"/>
+                </a:solidFill>
+              </a:rPr>
+              <a:t>Correction: </a:t>
+            </a:r>
+          </a:p>
+          <a:p>
+            <a:pPr marL="0" indent="0">
+              <a:buNone/>
+            </a:pPr>
+            <a:r>
+              <a:rPr lang="en-US" sz="4400" dirty="0">
+                <a:solidFill>
+                  <a:schemeClr val="tx1"/>
+                </a:solidFill>
+              </a:rPr>
+              <a:t>Exercise01 will count towards 8 of 10</a:t>
+            </a:r>
+          </a:p>
+          <a:p>
+            <a:pPr marL="0" indent="0">
+              <a:buNone/>
+            </a:pPr>
+            <a:endParaRPr lang="en-US" sz="4400" dirty="0">
               <a:solidFill>
                 <a:schemeClr val="tx1"/>
               </a:solidFill>
             </a:endParaRPr>
           </a:p>
-        </p:txBody>
-      </p:sp>
-      <p:sp>
-        <p:nvSpPr>
-          <p:cNvPr id="6" name="Text Placeholder 3">
-            <a:extLst>
-              <a:ext uri="{FF2B5EF4-FFF2-40B4-BE49-F238E27FC236}">
-                <a16:creationId xmlns:a16="http://schemas.microsoft.com/office/drawing/2014/main" id="{E7E43327-9D07-41A3-BC31-1A3545DE8462}"/>
-              </a:ext>
-            </a:extLst>
-          </p:cNvPr>
-          <p:cNvSpPr txBox="1">
-            <a:spLocks/>
-          </p:cNvSpPr>
-          <p:nvPr/>
-        </p:nvSpPr>
-        <p:spPr>
-          <a:xfrm>
-            <a:off x="274209" y="1212850"/>
-            <a:ext cx="8778240" cy="5558445"/>
-          </a:xfrm>
-          <a:prstGeom prst="rect">
-            <a:avLst/>
-          </a:prstGeom>
-        </p:spPr>
-        <p:txBody>
-          <a:bodyPr/>
-          <a:lstStyle>
-            <a:lvl1pPr marL="342900" marR="0" indent="-342900" algn="l" defTabSz="932742" rtl="0" eaLnBrk="1" fontAlgn="auto" latinLnBrk="0" hangingPunct="1">
-              <a:lnSpc>
-                <a:spcPct val="90000"/>
-              </a:lnSpc>
-              <a:spcBef>
-                <a:spcPct val="20000"/>
-              </a:spcBef>
-              <a:spcAft>
-                <a:spcPts val="0"/>
-              </a:spcAft>
-              <a:buClrTx/>
-              <a:buSzPct val="90000"/>
-              <a:buFont typeface="Arial" pitchFamily="34" charset="0"/>
-              <a:buChar char="•"/>
-              <a:tabLst/>
-              <a:defRPr sz="3600" kern="1200" spc="0" baseline="0">
-                <a:gradFill>
-                  <a:gsLst>
-                    <a:gs pos="1250">
-                      <a:schemeClr val="tx1"/>
-                    </a:gs>
-                    <a:gs pos="99000">
-                      <a:schemeClr val="tx1"/>
-                    </a:gs>
-                  </a:gsLst>
-                  <a:lin ang="5400000" scaled="0"/>
-                </a:gradFill>
-                <a:latin typeface="+mj-lt"/>
-                <a:ea typeface="+mn-ea"/>
-                <a:cs typeface="+mn-cs"/>
-              </a:defRPr>
-            </a:lvl1pPr>
-            <a:lvl2pPr marL="584200" marR="0" indent="-241300" algn="l" defTabSz="932742" rtl="0" eaLnBrk="1" fontAlgn="auto" latinLnBrk="0" hangingPunct="1">
-              <a:lnSpc>
-                <a:spcPct val="90000"/>
-              </a:lnSpc>
-              <a:spcBef>
-                <a:spcPct val="20000"/>
-              </a:spcBef>
-              <a:spcAft>
-                <a:spcPts val="0"/>
-              </a:spcAft>
-              <a:buClrTx/>
-              <a:buSzPct val="90000"/>
-              <a:buFont typeface="Arial" pitchFamily="34" charset="0"/>
-              <a:buChar char="•"/>
-              <a:tabLst/>
-              <a:defRPr sz="2400" kern="1200" spc="0" baseline="0">
-                <a:gradFill>
-                  <a:gsLst>
-                    <a:gs pos="1250">
-                      <a:schemeClr val="tx1"/>
-                    </a:gs>
-                    <a:gs pos="99000">
-                      <a:schemeClr val="tx1"/>
-                    </a:gs>
-                  </a:gsLst>
-                  <a:lin ang="5400000" scaled="0"/>
-                </a:gradFill>
-                <a:latin typeface="+mn-lt"/>
-                <a:ea typeface="+mn-ea"/>
-                <a:cs typeface="+mn-cs"/>
-              </a:defRPr>
-            </a:lvl2pPr>
-            <a:lvl3pPr marL="800100" marR="0" indent="-228600" algn="l" defTabSz="932742" rtl="0" eaLnBrk="1" fontAlgn="auto" latinLnBrk="0" hangingPunct="1">
-              <a:lnSpc>
-                <a:spcPct val="90000"/>
-              </a:lnSpc>
-              <a:spcBef>
-                <a:spcPct val="20000"/>
-              </a:spcBef>
-              <a:spcAft>
-                <a:spcPts val="0"/>
-              </a:spcAft>
-              <a:buClrTx/>
-              <a:buSzPct val="90000"/>
-              <a:buFont typeface="Arial" pitchFamily="34" charset="0"/>
-              <a:buChar char="•"/>
-              <a:tabLst/>
-              <a:defRPr sz="2000" kern="1200" spc="0" baseline="0">
-                <a:gradFill>
-                  <a:gsLst>
-                    <a:gs pos="1250">
-                      <a:schemeClr val="tx1"/>
-                    </a:gs>
-                    <a:gs pos="99000">
-                      <a:schemeClr val="tx1"/>
-                    </a:gs>
-                  </a:gsLst>
-                  <a:lin ang="5400000" scaled="0"/>
-                </a:gradFill>
-                <a:latin typeface="+mn-lt"/>
-                <a:ea typeface="+mn-ea"/>
-                <a:cs typeface="+mn-cs"/>
-              </a:defRPr>
-            </a:lvl3pPr>
-            <a:lvl4pPr marL="1028700" marR="0" indent="-228600" algn="l" defTabSz="932742" rtl="0" eaLnBrk="1" fontAlgn="auto" latinLnBrk="0" hangingPunct="1">
-              <a:lnSpc>
-                <a:spcPct val="90000"/>
-              </a:lnSpc>
-              <a:spcBef>
-                <a:spcPct val="20000"/>
-              </a:spcBef>
-              <a:spcAft>
-                <a:spcPts val="0"/>
-              </a:spcAft>
-              <a:buClrTx/>
-              <a:buSzPct val="90000"/>
-              <a:buFont typeface="Arial" pitchFamily="34" charset="0"/>
-              <a:buChar char="•"/>
-              <a:tabLst/>
-              <a:defRPr sz="1800" kern="1200" spc="0" baseline="0">
-                <a:gradFill>
-                  <a:gsLst>
-                    <a:gs pos="1250">
-                      <a:schemeClr val="tx1"/>
-                    </a:gs>
-                    <a:gs pos="99000">
-                      <a:schemeClr val="tx1"/>
-                    </a:gs>
-                  </a:gsLst>
-                  <a:lin ang="5400000" scaled="0"/>
-                </a:gradFill>
-                <a:latin typeface="+mn-lt"/>
-                <a:ea typeface="+mn-ea"/>
-                <a:cs typeface="+mn-cs"/>
-              </a:defRPr>
-            </a:lvl4pPr>
-            <a:lvl5pPr marL="1257300" marR="0" indent="-228600" algn="l" defTabSz="932742" rtl="0" eaLnBrk="1" fontAlgn="auto" latinLnBrk="0" hangingPunct="1">
-              <a:lnSpc>
-                <a:spcPct val="90000"/>
-              </a:lnSpc>
-              <a:spcBef>
-                <a:spcPct val="20000"/>
-              </a:spcBef>
-              <a:spcAft>
-                <a:spcPts val="0"/>
-              </a:spcAft>
-              <a:buClrTx/>
-              <a:buSzPct val="90000"/>
-              <a:buFont typeface="Arial" pitchFamily="34" charset="0"/>
-              <a:buChar char="•"/>
-              <a:tabLst/>
-              <a:defRPr sz="1800" kern="1200" spc="0" baseline="0">
-                <a:gradFill>
-                  <a:gsLst>
-                    <a:gs pos="1250">
-                      <a:schemeClr val="tx1"/>
-                    </a:gs>
-                    <a:gs pos="99000">
-                      <a:schemeClr val="tx1"/>
-                    </a:gs>
-                  </a:gsLst>
-                  <a:lin ang="5400000" scaled="0"/>
-                </a:gradFill>
-                <a:latin typeface="+mn-lt"/>
-                <a:ea typeface="+mn-ea"/>
-                <a:cs typeface="+mn-cs"/>
-              </a:defRPr>
-            </a:lvl5pPr>
-            <a:lvl6pPr marL="2565040" indent="-233186" algn="l" defTabSz="932742" rtl="0" eaLnBrk="1" latinLnBrk="0" hangingPunct="1">
-              <a:spcBef>
-                <a:spcPct val="20000"/>
-              </a:spcBef>
-              <a:buFont typeface="Arial" pitchFamily="34" charset="0"/>
-              <a:buChar char="•"/>
-              <a:defRPr sz="2000" kern="1200">
+          <a:p>
+            <a:pPr marL="0" indent="0">
+              <a:buNone/>
+            </a:pPr>
+            <a:r>
+              <a:rPr lang="en-US" sz="4400" dirty="0">
                 <a:solidFill>
                   <a:schemeClr val="tx1"/>
                 </a:solidFill>
-                <a:latin typeface="+mn-lt"/>
-                <a:ea typeface="+mn-ea"/>
-                <a:cs typeface="+mn-cs"/>
-              </a:defRPr>
-            </a:lvl6pPr>
-            <a:lvl7pPr marL="3031412" indent="-233186" algn="l" defTabSz="932742" rtl="0" eaLnBrk="1" latinLnBrk="0" hangingPunct="1">
-              <a:spcBef>
-                <a:spcPct val="20000"/>
-              </a:spcBef>
-              <a:buFont typeface="Arial" pitchFamily="34" charset="0"/>
-              <a:buChar char="•"/>
-              <a:defRPr sz="2000" kern="1200">
+              </a:rPr>
+              <a:t>Submission (individual)</a:t>
+            </a:r>
+          </a:p>
+          <a:p>
+            <a:pPr marL="0" indent="0">
+              <a:buNone/>
+            </a:pPr>
+            <a:r>
+              <a:rPr lang="en-US" sz="4400" dirty="0">
                 <a:solidFill>
                   <a:schemeClr val="tx1"/>
                 </a:solidFill>
-                <a:latin typeface="+mn-lt"/>
-                <a:ea typeface="+mn-ea"/>
-                <a:cs typeface="+mn-cs"/>
-              </a:defRPr>
-            </a:lvl7pPr>
-            <a:lvl8pPr marL="3497783" indent="-233186" algn="l" defTabSz="932742" rtl="0" eaLnBrk="1" latinLnBrk="0" hangingPunct="1">
-              <a:spcBef>
-                <a:spcPct val="20000"/>
-              </a:spcBef>
-              <a:buFont typeface="Arial" pitchFamily="34" charset="0"/>
-              <a:buChar char="•"/>
-              <a:defRPr sz="2000" kern="1200">
+              </a:rPr>
+              <a:t>Technical setup (</a:t>
+            </a:r>
+            <a:r>
+              <a:rPr lang="en-US" sz="4400" dirty="0" err="1">
                 <a:solidFill>
                   <a:schemeClr val="tx1"/>
                 </a:solidFill>
-                <a:latin typeface="+mn-lt"/>
-                <a:ea typeface="+mn-ea"/>
-                <a:cs typeface="+mn-cs"/>
-              </a:defRPr>
-            </a:lvl8pPr>
-            <a:lvl9pPr marL="3964155" indent="-233186" algn="l" defTabSz="932742" rtl="0" eaLnBrk="1" latinLnBrk="0" hangingPunct="1">
-              <a:spcBef>
-                <a:spcPct val="20000"/>
-              </a:spcBef>
-              <a:buFont typeface="Arial" pitchFamily="34" charset="0"/>
-              <a:buChar char="•"/>
-              <a:defRPr sz="2000" kern="1200">
+              </a:rPr>
+              <a:t>VSCode</a:t>
+            </a:r>
+            <a:r>
+              <a:rPr lang="en-US" sz="4400" dirty="0">
                 <a:solidFill>
                   <a:schemeClr val="tx1"/>
                 </a:solidFill>
-                <a:latin typeface="+mn-lt"/>
-                <a:ea typeface="+mn-ea"/>
-                <a:cs typeface="+mn-cs"/>
-              </a:defRPr>
-            </a:lvl9pPr>
-          </a:lstStyle>
+              </a:rPr>
+              <a:t>, fork, git)</a:t>
+            </a:r>
+          </a:p>
           <a:p>
             <a:pPr marL="0" indent="0">
               <a:buNone/>
             </a:pPr>
             <a:r>
-              <a:rPr lang="en-US" dirty="0">
-                <a:ln w="3175">
-                  <a:noFill/>
-                </a:ln>
+              <a:rPr lang="en-US" sz="4400" dirty="0">
                 <a:solidFill>
                   <a:schemeClr val="tx1"/>
                 </a:solidFill>
-                <a:cs typeface="Segoe UI" pitchFamily="34" charset="0"/>
-              </a:rPr>
-              <a:t>Popularity (professional developers):</a:t>
-            </a:r>
-          </a:p>
-          <a:p>
-            <a:r>
-              <a:rPr lang="en-US" dirty="0">
-                <a:ln w="3175">
-                  <a:noFill/>
-                </a:ln>
-                <a:solidFill>
-                  <a:schemeClr val="tx1"/>
-                </a:solidFill>
-                <a:cs typeface="Segoe UI" pitchFamily="34" charset="0"/>
-              </a:rPr>
-              <a:t>C♯: 31.9%</a:t>
-            </a:r>
-          </a:p>
-          <a:p>
-            <a:r>
-              <a:rPr lang="en-US" dirty="0">
-                <a:ln w="3175">
-                  <a:noFill/>
-                </a:ln>
-                <a:solidFill>
-                  <a:schemeClr val="tx1"/>
-                </a:solidFill>
-                <a:cs typeface="Segoe UI" pitchFamily="34" charset="0"/>
-              </a:rPr>
-              <a:t>ASP.NET: 27.2%</a:t>
-            </a:r>
-          </a:p>
-          <a:p>
-            <a:r>
-              <a:rPr lang="en-US" dirty="0">
-                <a:ln w="3175">
-                  <a:noFill/>
-                </a:ln>
-                <a:solidFill>
-                  <a:schemeClr val="tx1"/>
-                </a:solidFill>
-                <a:cs typeface="Segoe UI" pitchFamily="34" charset="0"/>
-              </a:rPr>
-              <a:t>.NET: 38.1%</a:t>
-            </a:r>
-          </a:p>
-          <a:p>
-            <a:r>
-              <a:rPr lang="en-US" dirty="0">
-                <a:ln w="3175">
-                  <a:noFill/>
-                </a:ln>
-                <a:solidFill>
-                  <a:schemeClr val="tx1"/>
-                </a:solidFill>
-                <a:cs typeface="Segoe UI" pitchFamily="34" charset="0"/>
-              </a:rPr>
-              <a:t>.NET Core: 24.5%</a:t>
-            </a:r>
-          </a:p>
-          <a:p>
-            <a:r>
-              <a:rPr lang="en-US" dirty="0">
-                <a:ln w="3175">
-                  <a:noFill/>
-                </a:ln>
-                <a:solidFill>
-                  <a:schemeClr val="tx1"/>
-                </a:solidFill>
-                <a:cs typeface="Segoe UI" pitchFamily="34" charset="0"/>
-              </a:rPr>
-              <a:t>Microsoft SQL Server: 34.4%</a:t>
-            </a:r>
-          </a:p>
-          <a:p>
-            <a:endParaRPr lang="en-US" dirty="0">
-              <a:ln w="3175">
-                <a:noFill/>
-              </a:ln>
-              <a:solidFill>
-                <a:schemeClr val="tx1"/>
-              </a:solidFill>
-              <a:cs typeface="Segoe UI" pitchFamily="34" charset="0"/>
-            </a:endParaRPr>
-          </a:p>
-          <a:p>
-            <a:pPr marL="0" indent="0">
-              <a:buNone/>
-            </a:pPr>
-            <a:r>
-              <a:rPr lang="en-US" sz="2400" dirty="0">
-                <a:ln w="3175">
-                  <a:noFill/>
-                </a:ln>
-                <a:solidFill>
-                  <a:schemeClr val="tx1"/>
-                </a:solidFill>
-                <a:cs typeface="Segoe UI" pitchFamily="34" charset="0"/>
-              </a:rPr>
-              <a:t>Source: </a:t>
-            </a:r>
-            <a:r>
-              <a:rPr lang="en-US" sz="2400" dirty="0">
-                <a:hlinkClick r:id="rId2"/>
-              </a:rPr>
-              <a:t>https://insights.stackoverflow.com/survey/2019</a:t>
-            </a:r>
-            <a:endParaRPr lang="da-DK" dirty="0">
-              <a:solidFill>
-                <a:schemeClr val="tx1"/>
-              </a:solidFill>
-            </a:endParaRPr>
-          </a:p>
-        </p:txBody>
-      </p:sp>
-      <p:sp>
-        <p:nvSpPr>
-          <p:cNvPr id="2" name="Rectangle 1">
-            <a:extLst>
-              <a:ext uri="{FF2B5EF4-FFF2-40B4-BE49-F238E27FC236}">
-                <a16:creationId xmlns:a16="http://schemas.microsoft.com/office/drawing/2014/main" id="{D8E9E0FD-71EA-4949-B6AA-AE3023401BF5}"/>
-              </a:ext>
-            </a:extLst>
-          </p:cNvPr>
-          <p:cNvSpPr/>
-          <p:nvPr/>
-        </p:nvSpPr>
-        <p:spPr>
-          <a:xfrm>
-            <a:off x="4206086" y="295275"/>
-            <a:ext cx="4660900" cy="646331"/>
-          </a:xfrm>
-          <a:prstGeom prst="rect">
-            <a:avLst/>
-          </a:prstGeom>
-        </p:spPr>
-        <p:txBody>
-          <a:bodyPr>
-            <a:spAutoFit/>
-          </a:bodyPr>
-          <a:lstStyle/>
-          <a:p>
-            <a:r>
-              <a:rPr lang="en-US" dirty="0">
-                <a:ln w="3175">
-                  <a:noFill/>
-                </a:ln>
-                <a:cs typeface="Segoe UI" pitchFamily="34" charset="0"/>
-              </a:rPr>
-              <a:t>Stack Overflow Annual Developer Survey 2019 – 90,000 respondents</a:t>
+              </a:rPr>
+              <a:t>Group members</a:t>
             </a:r>
           </a:p>
         </p:txBody>
@@ -15917,7 +15848,7 @@
     </p:spTree>
     <p:extLst>
       <p:ext uri="{BB962C8B-B14F-4D97-AF65-F5344CB8AC3E}">
-        <p14:creationId xmlns:p14="http://schemas.microsoft.com/office/powerpoint/2010/main" val="1721875410"/>
+        <p14:creationId xmlns:p14="http://schemas.microsoft.com/office/powerpoint/2010/main" val="434451149"/>
       </p:ext>
     </p:extLst>
   </p:cSld>
@@ -16289,6 +16220,548 @@
                 </a:solidFill>
                 <a:cs typeface="Segoe UI" pitchFamily="34" charset="0"/>
               </a:rPr>
+              <a:t>Popularity (professional developers):</a:t>
+            </a:r>
+          </a:p>
+          <a:p>
+            <a:r>
+              <a:rPr lang="en-US" dirty="0">
+                <a:ln w="3175">
+                  <a:noFill/>
+                </a:ln>
+                <a:solidFill>
+                  <a:schemeClr val="tx1"/>
+                </a:solidFill>
+                <a:cs typeface="Segoe UI" pitchFamily="34" charset="0"/>
+              </a:rPr>
+              <a:t>C♯: 31.9%</a:t>
+            </a:r>
+          </a:p>
+          <a:p>
+            <a:r>
+              <a:rPr lang="en-US" dirty="0">
+                <a:ln w="3175">
+                  <a:noFill/>
+                </a:ln>
+                <a:solidFill>
+                  <a:schemeClr val="tx1"/>
+                </a:solidFill>
+                <a:cs typeface="Segoe UI" pitchFamily="34" charset="0"/>
+              </a:rPr>
+              <a:t>ASP.NET: 27.2%</a:t>
+            </a:r>
+          </a:p>
+          <a:p>
+            <a:r>
+              <a:rPr lang="en-US" dirty="0">
+                <a:ln w="3175">
+                  <a:noFill/>
+                </a:ln>
+                <a:solidFill>
+                  <a:schemeClr val="tx1"/>
+                </a:solidFill>
+                <a:cs typeface="Segoe UI" pitchFamily="34" charset="0"/>
+              </a:rPr>
+              <a:t>.NET: 38.1%</a:t>
+            </a:r>
+          </a:p>
+          <a:p>
+            <a:r>
+              <a:rPr lang="en-US" dirty="0">
+                <a:ln w="3175">
+                  <a:noFill/>
+                </a:ln>
+                <a:solidFill>
+                  <a:schemeClr val="tx1"/>
+                </a:solidFill>
+                <a:cs typeface="Segoe UI" pitchFamily="34" charset="0"/>
+              </a:rPr>
+              <a:t>.NET Core: 24.5%</a:t>
+            </a:r>
+          </a:p>
+          <a:p>
+            <a:r>
+              <a:rPr lang="en-US" dirty="0">
+                <a:ln w="3175">
+                  <a:noFill/>
+                </a:ln>
+                <a:solidFill>
+                  <a:schemeClr val="tx1"/>
+                </a:solidFill>
+                <a:cs typeface="Segoe UI" pitchFamily="34" charset="0"/>
+              </a:rPr>
+              <a:t>Microsoft SQL Server: 34.4%</a:t>
+            </a:r>
+          </a:p>
+          <a:p>
+            <a:r>
+              <a:rPr lang="en-US" dirty="0">
+                <a:ln w="3175">
+                  <a:noFill/>
+                </a:ln>
+                <a:solidFill>
+                  <a:schemeClr val="tx1"/>
+                </a:solidFill>
+                <a:cs typeface="Segoe UI" pitchFamily="34" charset="0"/>
+              </a:rPr>
+              <a:t>Visual Studio Code: 34.9% (top 1)</a:t>
+            </a:r>
+          </a:p>
+          <a:p>
+            <a:endParaRPr lang="en-US" dirty="0">
+              <a:ln w="3175">
+                <a:noFill/>
+              </a:ln>
+              <a:solidFill>
+                <a:schemeClr val="tx1"/>
+              </a:solidFill>
+              <a:cs typeface="Segoe UI" pitchFamily="34" charset="0"/>
+            </a:endParaRPr>
+          </a:p>
+          <a:p>
+            <a:pPr marL="0" indent="0">
+              <a:buNone/>
+            </a:pPr>
+            <a:r>
+              <a:rPr lang="en-US" sz="2400" dirty="0">
+                <a:ln w="3175">
+                  <a:noFill/>
+                </a:ln>
+                <a:solidFill>
+                  <a:schemeClr val="tx1"/>
+                </a:solidFill>
+                <a:cs typeface="Segoe UI" pitchFamily="34" charset="0"/>
+              </a:rPr>
+              <a:t>Source: </a:t>
+            </a:r>
+            <a:r>
+              <a:rPr lang="en-US" sz="2400" dirty="0">
+                <a:hlinkClick r:id="rId2"/>
+              </a:rPr>
+              <a:t>https://insights.stackoverflow.com/survey/2019</a:t>
+            </a:r>
+            <a:endParaRPr lang="da-DK" dirty="0">
+              <a:solidFill>
+                <a:schemeClr val="tx1"/>
+              </a:solidFill>
+            </a:endParaRPr>
+          </a:p>
+        </p:txBody>
+      </p:sp>
+      <p:sp>
+        <p:nvSpPr>
+          <p:cNvPr id="2" name="Rectangle 1">
+            <a:extLst>
+              <a:ext uri="{FF2B5EF4-FFF2-40B4-BE49-F238E27FC236}">
+                <a16:creationId xmlns:a16="http://schemas.microsoft.com/office/drawing/2014/main" id="{D8E9E0FD-71EA-4949-B6AA-AE3023401BF5}"/>
+              </a:ext>
+            </a:extLst>
+          </p:cNvPr>
+          <p:cNvSpPr/>
+          <p:nvPr/>
+        </p:nvSpPr>
+        <p:spPr>
+          <a:xfrm>
+            <a:off x="4206086" y="295275"/>
+            <a:ext cx="4660900" cy="646331"/>
+          </a:xfrm>
+          <a:prstGeom prst="rect">
+            <a:avLst/>
+          </a:prstGeom>
+        </p:spPr>
+        <p:txBody>
+          <a:bodyPr>
+            <a:spAutoFit/>
+          </a:bodyPr>
+          <a:lstStyle/>
+          <a:p>
+            <a:r>
+              <a:rPr lang="en-US" dirty="0">
+                <a:ln w="3175">
+                  <a:noFill/>
+                </a:ln>
+                <a:cs typeface="Segoe UI" pitchFamily="34" charset="0"/>
+              </a:rPr>
+              <a:t>Stack Overflow Annual Developer Survey 2019 – 90,000 respondents</a:t>
+            </a:r>
+          </a:p>
+        </p:txBody>
+      </p:sp>
+    </p:spTree>
+    <p:extLst>
+      <p:ext uri="{BB962C8B-B14F-4D97-AF65-F5344CB8AC3E}">
+        <p14:creationId xmlns:p14="http://schemas.microsoft.com/office/powerpoint/2010/main" val="1721875410"/>
+      </p:ext>
+    </p:extLst>
+  </p:cSld>
+  <p:clrMapOvr>
+    <a:masterClrMapping/>
+  </p:clrMapOvr>
+  <p:transition>
+    <p:fade/>
+  </p:transition>
+</p:sld>
+</file>
+
+<file path=ppt/slides/slide6.xml><?xml version="1.0" encoding="utf-8"?>
+<p:sld xmlns:a="http://schemas.openxmlformats.org/drawingml/2006/main" xmlns:r="http://schemas.openxmlformats.org/officeDocument/2006/relationships" xmlns:p="http://schemas.openxmlformats.org/presentationml/2006/main">
+  <p:cSld>
+    <p:spTree>
+      <p:nvGrpSpPr>
+        <p:cNvPr id="1" name=""/>
+        <p:cNvGrpSpPr/>
+        <p:nvPr/>
+      </p:nvGrpSpPr>
+      <p:grpSpPr>
+        <a:xfrm>
+          <a:off x="0" y="0"/>
+          <a:ext cx="0" cy="0"/>
+          <a:chOff x="0" y="0"/>
+          <a:chExt cx="0" cy="0"/>
+        </a:xfrm>
+      </p:grpSpPr>
+      <p:sp>
+        <p:nvSpPr>
+          <p:cNvPr id="5" name="Title 2">
+            <a:extLst>
+              <a:ext uri="{FF2B5EF4-FFF2-40B4-BE49-F238E27FC236}">
+                <a16:creationId xmlns:a16="http://schemas.microsoft.com/office/drawing/2014/main" id="{5908629F-94EA-4610-A7F3-5327D86C5299}"/>
+              </a:ext>
+            </a:extLst>
+          </p:cNvPr>
+          <p:cNvSpPr txBox="1">
+            <a:spLocks/>
+          </p:cNvSpPr>
+          <p:nvPr/>
+        </p:nvSpPr>
+        <p:spPr>
+          <a:xfrm>
+            <a:off x="273050" y="295275"/>
+            <a:ext cx="8778875" cy="917575"/>
+          </a:xfrm>
+          <a:prstGeom prst="rect">
+            <a:avLst/>
+          </a:prstGeom>
+        </p:spPr>
+        <p:txBody>
+          <a:bodyPr/>
+          <a:lstStyle>
+            <a:lvl1pPr algn="l" defTabSz="932742" rtl="0" eaLnBrk="1" latinLnBrk="0" hangingPunct="1">
+              <a:lnSpc>
+                <a:spcPct val="90000"/>
+              </a:lnSpc>
+              <a:spcBef>
+                <a:spcPct val="0"/>
+              </a:spcBef>
+              <a:buNone/>
+              <a:defRPr lang="en-US" sz="4800" b="0" kern="1200" cap="none" spc="-102" baseline="0" dirty="0" smtClean="0">
+                <a:ln w="3175">
+                  <a:noFill/>
+                </a:ln>
+                <a:gradFill>
+                  <a:gsLst>
+                    <a:gs pos="1250">
+                      <a:schemeClr val="tx1"/>
+                    </a:gs>
+                    <a:gs pos="100000">
+                      <a:schemeClr val="tx1"/>
+                    </a:gs>
+                  </a:gsLst>
+                  <a:lin ang="5400000" scaled="0"/>
+                </a:gradFill>
+                <a:effectLst/>
+                <a:latin typeface="+mj-lt"/>
+                <a:ea typeface="+mn-ea"/>
+                <a:cs typeface="Segoe UI" pitchFamily="34" charset="0"/>
+              </a:defRPr>
+            </a:lvl1pPr>
+          </a:lstStyle>
+          <a:p>
+            <a:r>
+              <a:rPr lang="da-DK" dirty="0">
+                <a:solidFill>
+                  <a:schemeClr val="tx1"/>
+                </a:solidFill>
+              </a:rPr>
+              <a:t>Why C</a:t>
+            </a:r>
+            <a:r>
+              <a:rPr lang="en-US" dirty="0">
+                <a:solidFill>
+                  <a:schemeClr val="tx1"/>
+                </a:solidFill>
+              </a:rPr>
+              <a:t>♯</a:t>
+            </a:r>
+            <a:endParaRPr lang="en-DK" dirty="0">
+              <a:solidFill>
+                <a:schemeClr val="tx1"/>
+              </a:solidFill>
+            </a:endParaRPr>
+          </a:p>
+        </p:txBody>
+      </p:sp>
+      <p:sp>
+        <p:nvSpPr>
+          <p:cNvPr id="6" name="Text Placeholder 3">
+            <a:extLst>
+              <a:ext uri="{FF2B5EF4-FFF2-40B4-BE49-F238E27FC236}">
+                <a16:creationId xmlns:a16="http://schemas.microsoft.com/office/drawing/2014/main" id="{E7E43327-9D07-41A3-BC31-1A3545DE8462}"/>
+              </a:ext>
+            </a:extLst>
+          </p:cNvPr>
+          <p:cNvSpPr txBox="1">
+            <a:spLocks/>
+          </p:cNvSpPr>
+          <p:nvPr/>
+        </p:nvSpPr>
+        <p:spPr>
+          <a:xfrm>
+            <a:off x="274209" y="1212850"/>
+            <a:ext cx="8778240" cy="5558445"/>
+          </a:xfrm>
+          <a:prstGeom prst="rect">
+            <a:avLst/>
+          </a:prstGeom>
+        </p:spPr>
+        <p:txBody>
+          <a:bodyPr/>
+          <a:lstStyle>
+            <a:lvl1pPr marL="342900" marR="0" indent="-342900" algn="l" defTabSz="932742" rtl="0" eaLnBrk="1" fontAlgn="auto" latinLnBrk="0" hangingPunct="1">
+              <a:lnSpc>
+                <a:spcPct val="90000"/>
+              </a:lnSpc>
+              <a:spcBef>
+                <a:spcPct val="20000"/>
+              </a:spcBef>
+              <a:spcAft>
+                <a:spcPts val="0"/>
+              </a:spcAft>
+              <a:buClrTx/>
+              <a:buSzPct val="90000"/>
+              <a:buFont typeface="Arial" pitchFamily="34" charset="0"/>
+              <a:buChar char="•"/>
+              <a:tabLst/>
+              <a:defRPr sz="3600" kern="1200" spc="0" baseline="0">
+                <a:gradFill>
+                  <a:gsLst>
+                    <a:gs pos="1250">
+                      <a:schemeClr val="tx1"/>
+                    </a:gs>
+                    <a:gs pos="99000">
+                      <a:schemeClr val="tx1"/>
+                    </a:gs>
+                  </a:gsLst>
+                  <a:lin ang="5400000" scaled="0"/>
+                </a:gradFill>
+                <a:latin typeface="+mj-lt"/>
+                <a:ea typeface="+mn-ea"/>
+                <a:cs typeface="+mn-cs"/>
+              </a:defRPr>
+            </a:lvl1pPr>
+            <a:lvl2pPr marL="584200" marR="0" indent="-241300" algn="l" defTabSz="932742" rtl="0" eaLnBrk="1" fontAlgn="auto" latinLnBrk="0" hangingPunct="1">
+              <a:lnSpc>
+                <a:spcPct val="90000"/>
+              </a:lnSpc>
+              <a:spcBef>
+                <a:spcPct val="20000"/>
+              </a:spcBef>
+              <a:spcAft>
+                <a:spcPts val="0"/>
+              </a:spcAft>
+              <a:buClrTx/>
+              <a:buSzPct val="90000"/>
+              <a:buFont typeface="Arial" pitchFamily="34" charset="0"/>
+              <a:buChar char="•"/>
+              <a:tabLst/>
+              <a:defRPr sz="2400" kern="1200" spc="0" baseline="0">
+                <a:gradFill>
+                  <a:gsLst>
+                    <a:gs pos="1250">
+                      <a:schemeClr val="tx1"/>
+                    </a:gs>
+                    <a:gs pos="99000">
+                      <a:schemeClr val="tx1"/>
+                    </a:gs>
+                  </a:gsLst>
+                  <a:lin ang="5400000" scaled="0"/>
+                </a:gradFill>
+                <a:latin typeface="+mn-lt"/>
+                <a:ea typeface="+mn-ea"/>
+                <a:cs typeface="+mn-cs"/>
+              </a:defRPr>
+            </a:lvl2pPr>
+            <a:lvl3pPr marL="800100" marR="0" indent="-228600" algn="l" defTabSz="932742" rtl="0" eaLnBrk="1" fontAlgn="auto" latinLnBrk="0" hangingPunct="1">
+              <a:lnSpc>
+                <a:spcPct val="90000"/>
+              </a:lnSpc>
+              <a:spcBef>
+                <a:spcPct val="20000"/>
+              </a:spcBef>
+              <a:spcAft>
+                <a:spcPts val="0"/>
+              </a:spcAft>
+              <a:buClrTx/>
+              <a:buSzPct val="90000"/>
+              <a:buFont typeface="Arial" pitchFamily="34" charset="0"/>
+              <a:buChar char="•"/>
+              <a:tabLst/>
+              <a:defRPr sz="2000" kern="1200" spc="0" baseline="0">
+                <a:gradFill>
+                  <a:gsLst>
+                    <a:gs pos="1250">
+                      <a:schemeClr val="tx1"/>
+                    </a:gs>
+                    <a:gs pos="99000">
+                      <a:schemeClr val="tx1"/>
+                    </a:gs>
+                  </a:gsLst>
+                  <a:lin ang="5400000" scaled="0"/>
+                </a:gradFill>
+                <a:latin typeface="+mn-lt"/>
+                <a:ea typeface="+mn-ea"/>
+                <a:cs typeface="+mn-cs"/>
+              </a:defRPr>
+            </a:lvl3pPr>
+            <a:lvl4pPr marL="1028700" marR="0" indent="-228600" algn="l" defTabSz="932742" rtl="0" eaLnBrk="1" fontAlgn="auto" latinLnBrk="0" hangingPunct="1">
+              <a:lnSpc>
+                <a:spcPct val="90000"/>
+              </a:lnSpc>
+              <a:spcBef>
+                <a:spcPct val="20000"/>
+              </a:spcBef>
+              <a:spcAft>
+                <a:spcPts val="0"/>
+              </a:spcAft>
+              <a:buClrTx/>
+              <a:buSzPct val="90000"/>
+              <a:buFont typeface="Arial" pitchFamily="34" charset="0"/>
+              <a:buChar char="•"/>
+              <a:tabLst/>
+              <a:defRPr sz="1800" kern="1200" spc="0" baseline="0">
+                <a:gradFill>
+                  <a:gsLst>
+                    <a:gs pos="1250">
+                      <a:schemeClr val="tx1"/>
+                    </a:gs>
+                    <a:gs pos="99000">
+                      <a:schemeClr val="tx1"/>
+                    </a:gs>
+                  </a:gsLst>
+                  <a:lin ang="5400000" scaled="0"/>
+                </a:gradFill>
+                <a:latin typeface="+mn-lt"/>
+                <a:ea typeface="+mn-ea"/>
+                <a:cs typeface="+mn-cs"/>
+              </a:defRPr>
+            </a:lvl4pPr>
+            <a:lvl5pPr marL="1257300" marR="0" indent="-228600" algn="l" defTabSz="932742" rtl="0" eaLnBrk="1" fontAlgn="auto" latinLnBrk="0" hangingPunct="1">
+              <a:lnSpc>
+                <a:spcPct val="90000"/>
+              </a:lnSpc>
+              <a:spcBef>
+                <a:spcPct val="20000"/>
+              </a:spcBef>
+              <a:spcAft>
+                <a:spcPts val="0"/>
+              </a:spcAft>
+              <a:buClrTx/>
+              <a:buSzPct val="90000"/>
+              <a:buFont typeface="Arial" pitchFamily="34" charset="0"/>
+              <a:buChar char="•"/>
+              <a:tabLst/>
+              <a:defRPr sz="1800" kern="1200" spc="0" baseline="0">
+                <a:gradFill>
+                  <a:gsLst>
+                    <a:gs pos="1250">
+                      <a:schemeClr val="tx1"/>
+                    </a:gs>
+                    <a:gs pos="99000">
+                      <a:schemeClr val="tx1"/>
+                    </a:gs>
+                  </a:gsLst>
+                  <a:lin ang="5400000" scaled="0"/>
+                </a:gradFill>
+                <a:latin typeface="+mn-lt"/>
+                <a:ea typeface="+mn-ea"/>
+                <a:cs typeface="+mn-cs"/>
+              </a:defRPr>
+            </a:lvl5pPr>
+            <a:lvl6pPr marL="2565040" indent="-233186" algn="l" defTabSz="932742" rtl="0" eaLnBrk="1" latinLnBrk="0" hangingPunct="1">
+              <a:spcBef>
+                <a:spcPct val="20000"/>
+              </a:spcBef>
+              <a:buFont typeface="Arial" pitchFamily="34" charset="0"/>
+              <a:buChar char="•"/>
+              <a:defRPr sz="2000" kern="1200">
+                <a:solidFill>
+                  <a:schemeClr val="tx1"/>
+                </a:solidFill>
+                <a:latin typeface="+mn-lt"/>
+                <a:ea typeface="+mn-ea"/>
+                <a:cs typeface="+mn-cs"/>
+              </a:defRPr>
+            </a:lvl6pPr>
+            <a:lvl7pPr marL="3031412" indent="-233186" algn="l" defTabSz="932742" rtl="0" eaLnBrk="1" latinLnBrk="0" hangingPunct="1">
+              <a:spcBef>
+                <a:spcPct val="20000"/>
+              </a:spcBef>
+              <a:buFont typeface="Arial" pitchFamily="34" charset="0"/>
+              <a:buChar char="•"/>
+              <a:defRPr sz="2000" kern="1200">
+                <a:solidFill>
+                  <a:schemeClr val="tx1"/>
+                </a:solidFill>
+                <a:latin typeface="+mn-lt"/>
+                <a:ea typeface="+mn-ea"/>
+                <a:cs typeface="+mn-cs"/>
+              </a:defRPr>
+            </a:lvl7pPr>
+            <a:lvl8pPr marL="3497783" indent="-233186" algn="l" defTabSz="932742" rtl="0" eaLnBrk="1" latinLnBrk="0" hangingPunct="1">
+              <a:spcBef>
+                <a:spcPct val="20000"/>
+              </a:spcBef>
+              <a:buFont typeface="Arial" pitchFamily="34" charset="0"/>
+              <a:buChar char="•"/>
+              <a:defRPr sz="2000" kern="1200">
+                <a:solidFill>
+                  <a:schemeClr val="tx1"/>
+                </a:solidFill>
+                <a:latin typeface="+mn-lt"/>
+                <a:ea typeface="+mn-ea"/>
+                <a:cs typeface="+mn-cs"/>
+              </a:defRPr>
+            </a:lvl8pPr>
+            <a:lvl9pPr marL="3964155" indent="-233186" algn="l" defTabSz="932742" rtl="0" eaLnBrk="1" latinLnBrk="0" hangingPunct="1">
+              <a:spcBef>
+                <a:spcPct val="20000"/>
+              </a:spcBef>
+              <a:buFont typeface="Arial" pitchFamily="34" charset="0"/>
+              <a:buChar char="•"/>
+              <a:defRPr sz="2000" kern="1200">
+                <a:solidFill>
+                  <a:schemeClr val="tx1"/>
+                </a:solidFill>
+                <a:latin typeface="+mn-lt"/>
+                <a:ea typeface="+mn-ea"/>
+                <a:cs typeface="+mn-cs"/>
+              </a:defRPr>
+            </a:lvl9pPr>
+          </a:lstStyle>
+          <a:p>
+            <a:pPr marL="0" indent="0">
+              <a:buNone/>
+            </a:pPr>
+            <a:r>
+              <a:rPr lang="en-US" dirty="0">
+                <a:ln w="3175">
+                  <a:noFill/>
+                </a:ln>
+                <a:solidFill>
+                  <a:schemeClr val="tx1"/>
+                </a:solidFill>
+                <a:cs typeface="Segoe UI" pitchFamily="34" charset="0"/>
+              </a:rPr>
               <a:t>Love:</a:t>
             </a:r>
           </a:p>
@@ -16440,7 +16913,7 @@
 </p:sld>
 </file>
 
-<file path=ppt/slides/slide6.xml><?xml version="1.0" encoding="utf-8"?>
+<file path=ppt/slides/slide7.xml><?xml version="1.0" encoding="utf-8"?>
 <p:sld xmlns:a="http://schemas.openxmlformats.org/drawingml/2006/main" xmlns:r="http://schemas.openxmlformats.org/officeDocument/2006/relationships" xmlns:p="http://schemas.openxmlformats.org/presentationml/2006/main">
   <p:cSld>
     <p:spTree>
@@ -16602,7 +17075,7 @@
 </p:sld>
 </file>
 
-<file path=ppt/slides/slide7.xml><?xml version="1.0" encoding="utf-8"?>
+<file path=ppt/slides/slide8.xml><?xml version="1.0" encoding="utf-8"?>
 <p:sld xmlns:a="http://schemas.openxmlformats.org/drawingml/2006/main" xmlns:r="http://schemas.openxmlformats.org/officeDocument/2006/relationships" xmlns:p="http://schemas.openxmlformats.org/presentationml/2006/main">
   <p:cSld>
     <p:spTree>
@@ -16738,7 +17211,7 @@
 </p:sld>
 </file>
 
-<file path=ppt/slides/slide8.xml><?xml version="1.0" encoding="utf-8"?>
+<file path=ppt/slides/slide9.xml><?xml version="1.0" encoding="utf-8"?>
 <p:sld xmlns:a="http://schemas.openxmlformats.org/drawingml/2006/main" xmlns:r="http://schemas.openxmlformats.org/officeDocument/2006/relationships" xmlns:p="http://schemas.openxmlformats.org/presentationml/2006/main">
   <p:cSld>
     <p:bg>
@@ -17018,252 +17491,6 @@
     <p:extLst>
       <p:ext uri="{BB962C8B-B14F-4D97-AF65-F5344CB8AC3E}">
         <p14:creationId xmlns:p14="http://schemas.microsoft.com/office/powerpoint/2010/main" val="236227443"/>
-      </p:ext>
-    </p:extLst>
-  </p:cSld>
-  <p:clrMapOvr>
-    <a:masterClrMapping/>
-  </p:clrMapOvr>
-  <p:transition>
-    <p:fade/>
-  </p:transition>
-</p:sld>
-</file>
-
-<file path=ppt/slides/slide9.xml><?xml version="1.0" encoding="utf-8"?>
-<p:sld xmlns:a="http://schemas.openxmlformats.org/drawingml/2006/main" xmlns:r="http://schemas.openxmlformats.org/officeDocument/2006/relationships" xmlns:p="http://schemas.openxmlformats.org/presentationml/2006/main">
-  <p:cSld>
-    <p:bg>
-      <p:bgPr>
-        <a:solidFill>
-          <a:srgbClr val="442359"/>
-        </a:solidFill>
-        <a:effectLst/>
-      </p:bgPr>
-    </p:bg>
-    <p:spTree>
-      <p:nvGrpSpPr>
-        <p:cNvPr id="1" name=""/>
-        <p:cNvGrpSpPr/>
-        <p:nvPr/>
-      </p:nvGrpSpPr>
-      <p:grpSpPr>
-        <a:xfrm>
-          <a:off x="0" y="0"/>
-          <a:ext cx="0" cy="0"/>
-          <a:chOff x="0" y="0"/>
-          <a:chExt cx="0" cy="0"/>
-        </a:xfrm>
-      </p:grpSpPr>
-      <p:sp>
-        <p:nvSpPr>
-          <p:cNvPr id="2" name="Title 1"/>
-          <p:cNvSpPr txBox="1">
-            <a:spLocks/>
-          </p:cNvSpPr>
-          <p:nvPr/>
-        </p:nvSpPr>
-        <p:spPr>
-          <a:xfrm>
-            <a:off x="274209" y="479775"/>
-            <a:ext cx="8778240" cy="1354146"/>
-          </a:xfrm>
-          <a:prstGeom prst="rect">
-            <a:avLst/>
-          </a:prstGeom>
-        </p:spPr>
-        <p:txBody>
-          <a:bodyPr/>
-          <a:lstStyle>
-            <a:lvl1pPr algn="l" defTabSz="932742" rtl="0" eaLnBrk="1" latinLnBrk="0" hangingPunct="1">
-              <a:lnSpc>
-                <a:spcPct val="90000"/>
-              </a:lnSpc>
-              <a:spcBef>
-                <a:spcPct val="0"/>
-              </a:spcBef>
-              <a:buNone/>
-              <a:defRPr lang="en-US" sz="4800" b="0" kern="1200" cap="none" spc="-102" baseline="0" dirty="0" smtClean="0">
-                <a:ln w="3175">
-                  <a:noFill/>
-                </a:ln>
-                <a:gradFill>
-                  <a:gsLst>
-                    <a:gs pos="1250">
-                      <a:schemeClr val="tx1"/>
-                    </a:gs>
-                    <a:gs pos="100000">
-                      <a:schemeClr val="tx1"/>
-                    </a:gs>
-                  </a:gsLst>
-                  <a:lin ang="5400000" scaled="0"/>
-                </a:gradFill>
-                <a:effectLst/>
-                <a:latin typeface="+mj-lt"/>
-                <a:ea typeface="+mn-ea"/>
-                <a:cs typeface="Segoe UI" pitchFamily="34" charset="0"/>
-              </a:defRPr>
-            </a:lvl1pPr>
-          </a:lstStyle>
-          <a:p>
-            <a:r>
-              <a:rPr lang="da-DK" sz="7200" dirty="0"/>
-              <a:t>Test-Driven Development</a:t>
-            </a:r>
-          </a:p>
-        </p:txBody>
-      </p:sp>
-      <p:sp>
-        <p:nvSpPr>
-          <p:cNvPr id="3" name="Title 1"/>
-          <p:cNvSpPr txBox="1">
-            <a:spLocks/>
-          </p:cNvSpPr>
-          <p:nvPr/>
-        </p:nvSpPr>
-        <p:spPr>
-          <a:xfrm>
-            <a:off x="1188599" y="3222945"/>
-            <a:ext cx="2926048" cy="1313745"/>
-          </a:xfrm>
-          <a:prstGeom prst="rect">
-            <a:avLst/>
-          </a:prstGeom>
-          <a:solidFill>
-            <a:srgbClr val="BA141A"/>
-          </a:solidFill>
-        </p:spPr>
-        <p:txBody>
-          <a:bodyPr wrap="square" lIns="183600" tIns="147600" rIns="183600" bIns="147600">
-            <a:spAutoFit/>
-          </a:bodyPr>
-          <a:lstStyle>
-            <a:defPPr>
-              <a:defRPr lang="en-US"/>
-            </a:defPPr>
-            <a:lvl1pPr>
-              <a:defRPr>
-                <a:latin typeface="Consolas" panose="020B0609020204030204" pitchFamily="49" charset="0"/>
-                <a:cs typeface="Consolas" panose="020B0609020204030204" pitchFamily="49" charset="0"/>
-              </a:defRPr>
-            </a:lvl1pPr>
-          </a:lstStyle>
-          <a:p>
-            <a:r>
-              <a:rPr lang="da-DK" sz="6600" dirty="0" err="1">
-                <a:latin typeface="+mj-lt"/>
-              </a:rPr>
-              <a:t>What</a:t>
-            </a:r>
-            <a:r>
-              <a:rPr lang="da-DK" sz="6600" dirty="0">
-                <a:latin typeface="+mj-lt"/>
-              </a:rPr>
-              <a:t>?</a:t>
-            </a:r>
-          </a:p>
-        </p:txBody>
-      </p:sp>
-      <p:sp>
-        <p:nvSpPr>
-          <p:cNvPr id="4" name="Title 1"/>
-          <p:cNvSpPr txBox="1">
-            <a:spLocks/>
-          </p:cNvSpPr>
-          <p:nvPr/>
-        </p:nvSpPr>
-        <p:spPr>
-          <a:xfrm>
-            <a:off x="5120476" y="3680140"/>
-            <a:ext cx="2926048" cy="1313745"/>
-          </a:xfrm>
-          <a:prstGeom prst="rect">
-            <a:avLst/>
-          </a:prstGeom>
-          <a:solidFill>
-            <a:srgbClr val="0072C6"/>
-          </a:solidFill>
-        </p:spPr>
-        <p:txBody>
-          <a:bodyPr wrap="square" lIns="183600" tIns="147600" rIns="183600" bIns="147600">
-            <a:spAutoFit/>
-          </a:bodyPr>
-          <a:lstStyle>
-            <a:defPPr>
-              <a:defRPr lang="en-US"/>
-            </a:defPPr>
-            <a:lvl1pPr>
-              <a:defRPr>
-                <a:latin typeface="Consolas" panose="020B0609020204030204" pitchFamily="49" charset="0"/>
-                <a:cs typeface="Consolas" panose="020B0609020204030204" pitchFamily="49" charset="0"/>
-              </a:defRPr>
-            </a:lvl1pPr>
-          </a:lstStyle>
-          <a:p>
-            <a:r>
-              <a:rPr lang="da-DK" sz="6600" dirty="0" err="1">
-                <a:latin typeface="+mj-lt"/>
-              </a:rPr>
-              <a:t>Why</a:t>
-            </a:r>
-            <a:r>
-              <a:rPr lang="da-DK" sz="6600" dirty="0">
-                <a:latin typeface="+mj-lt"/>
-              </a:rPr>
-              <a:t>?</a:t>
-            </a:r>
-          </a:p>
-        </p:txBody>
-      </p:sp>
-      <p:sp>
-        <p:nvSpPr>
-          <p:cNvPr id="5" name="Title 1"/>
-          <p:cNvSpPr txBox="1">
-            <a:spLocks/>
-          </p:cNvSpPr>
-          <p:nvPr/>
-        </p:nvSpPr>
-        <p:spPr>
-          <a:xfrm>
-            <a:off x="2194428" y="5417481"/>
-            <a:ext cx="2926048" cy="1313745"/>
-          </a:xfrm>
-          <a:prstGeom prst="rect">
-            <a:avLst/>
-          </a:prstGeom>
-          <a:solidFill>
-            <a:srgbClr val="FF8C00"/>
-          </a:solidFill>
-        </p:spPr>
-        <p:txBody>
-          <a:bodyPr wrap="square" lIns="183600" tIns="147600" rIns="183600" bIns="147600">
-            <a:spAutoFit/>
-          </a:bodyPr>
-          <a:lstStyle>
-            <a:defPPr>
-              <a:defRPr lang="en-US"/>
-            </a:defPPr>
-            <a:lvl1pPr>
-              <a:defRPr>
-                <a:latin typeface="Consolas" panose="020B0609020204030204" pitchFamily="49" charset="0"/>
-                <a:cs typeface="Consolas" panose="020B0609020204030204" pitchFamily="49" charset="0"/>
-              </a:defRPr>
-            </a:lvl1pPr>
-          </a:lstStyle>
-          <a:p>
-            <a:r>
-              <a:rPr lang="da-DK" sz="6600" dirty="0">
-                <a:latin typeface="+mj-lt"/>
-              </a:rPr>
-              <a:t>How?</a:t>
-            </a:r>
-          </a:p>
-        </p:txBody>
-      </p:sp>
-    </p:spTree>
-    <p:extLst>
-      <p:ext uri="{BB962C8B-B14F-4D97-AF65-F5344CB8AC3E}">
-        <p14:creationId xmlns:p14="http://schemas.microsoft.com/office/powerpoint/2010/main" val="4087640823"/>
       </p:ext>
     </p:extLst>
   </p:cSld>
